--- a/Percolation.pptx
+++ b/Percolation.pptx
@@ -248,7 +248,7 @@
           <a:p>
             <a:fld id="{2C924898-77F8-4562-B32D-D7EBCF7D983B}" type="datetimeFigureOut">
               <a:rPr lang="en-US" smtClean="0"/>
-              <a:t>4/11/2017</a:t>
+              <a:t>4/12/2017</a:t>
             </a:fld>
             <a:endParaRPr lang="en-US"/>
           </a:p>
@@ -416,7 +416,7 @@
           <a:p>
             <a:fld id="{2C924898-77F8-4562-B32D-D7EBCF7D983B}" type="datetimeFigureOut">
               <a:rPr lang="en-US" smtClean="0"/>
-              <a:t>4/11/2017</a:t>
+              <a:t>4/12/2017</a:t>
             </a:fld>
             <a:endParaRPr lang="en-US"/>
           </a:p>
@@ -594,7 +594,7 @@
           <a:p>
             <a:fld id="{2C924898-77F8-4562-B32D-D7EBCF7D983B}" type="datetimeFigureOut">
               <a:rPr lang="en-US" smtClean="0"/>
-              <a:t>4/11/2017</a:t>
+              <a:t>4/12/2017</a:t>
             </a:fld>
             <a:endParaRPr lang="en-US"/>
           </a:p>
@@ -762,7 +762,7 @@
           <a:p>
             <a:fld id="{2C924898-77F8-4562-B32D-D7EBCF7D983B}" type="datetimeFigureOut">
               <a:rPr lang="en-US" smtClean="0"/>
-              <a:t>4/11/2017</a:t>
+              <a:t>4/12/2017</a:t>
             </a:fld>
             <a:endParaRPr lang="en-US"/>
           </a:p>
@@ -1007,7 +1007,7 @@
           <a:p>
             <a:fld id="{2C924898-77F8-4562-B32D-D7EBCF7D983B}" type="datetimeFigureOut">
               <a:rPr lang="en-US" smtClean="0"/>
-              <a:t>4/11/2017</a:t>
+              <a:t>4/12/2017</a:t>
             </a:fld>
             <a:endParaRPr lang="en-US"/>
           </a:p>
@@ -1236,7 +1236,7 @@
           <a:p>
             <a:fld id="{2C924898-77F8-4562-B32D-D7EBCF7D983B}" type="datetimeFigureOut">
               <a:rPr lang="en-US" smtClean="0"/>
-              <a:t>4/11/2017</a:t>
+              <a:t>4/12/2017</a:t>
             </a:fld>
             <a:endParaRPr lang="en-US"/>
           </a:p>
@@ -1600,7 +1600,7 @@
           <a:p>
             <a:fld id="{2C924898-77F8-4562-B32D-D7EBCF7D983B}" type="datetimeFigureOut">
               <a:rPr lang="en-US" smtClean="0"/>
-              <a:t>4/11/2017</a:t>
+              <a:t>4/12/2017</a:t>
             </a:fld>
             <a:endParaRPr lang="en-US"/>
           </a:p>
@@ -1717,7 +1717,7 @@
           <a:p>
             <a:fld id="{2C924898-77F8-4562-B32D-D7EBCF7D983B}" type="datetimeFigureOut">
               <a:rPr lang="en-US" smtClean="0"/>
-              <a:t>4/11/2017</a:t>
+              <a:t>4/12/2017</a:t>
             </a:fld>
             <a:endParaRPr lang="en-US"/>
           </a:p>
@@ -1812,7 +1812,7 @@
           <a:p>
             <a:fld id="{2C924898-77F8-4562-B32D-D7EBCF7D983B}" type="datetimeFigureOut">
               <a:rPr lang="en-US" smtClean="0"/>
-              <a:t>4/11/2017</a:t>
+              <a:t>4/12/2017</a:t>
             </a:fld>
             <a:endParaRPr lang="en-US"/>
           </a:p>
@@ -2087,7 +2087,7 @@
           <a:p>
             <a:fld id="{2C924898-77F8-4562-B32D-D7EBCF7D983B}" type="datetimeFigureOut">
               <a:rPr lang="en-US" smtClean="0"/>
-              <a:t>4/11/2017</a:t>
+              <a:t>4/12/2017</a:t>
             </a:fld>
             <a:endParaRPr lang="en-US"/>
           </a:p>
@@ -2339,7 +2339,7 @@
           <a:p>
             <a:fld id="{2C924898-77F8-4562-B32D-D7EBCF7D983B}" type="datetimeFigureOut">
               <a:rPr lang="en-US" smtClean="0"/>
-              <a:t>4/11/2017</a:t>
+              <a:t>4/12/2017</a:t>
             </a:fld>
             <a:endParaRPr lang="en-US"/>
           </a:p>
@@ -2550,7 +2550,7 @@
           <a:p>
             <a:fld id="{2C924898-77F8-4562-B32D-D7EBCF7D983B}" type="datetimeFigureOut">
               <a:rPr lang="en-US" smtClean="0"/>
-              <a:t>4/11/2017</a:t>
+              <a:t>4/12/2017</a:t>
             </a:fld>
             <a:endParaRPr lang="en-US"/>
           </a:p>
@@ -3157,7 +3157,7 @@
         </p:blipFill>
         <p:spPr>
           <a:xfrm>
-            <a:off x="1507787" y="1735072"/>
+            <a:off x="1507787" y="792680"/>
             <a:ext cx="3239311" cy="3457838"/>
           </a:xfrm>
           <a:prstGeom prst="rect">
@@ -3187,7 +3187,7 @@
         </p:blipFill>
         <p:spPr>
           <a:xfrm>
-            <a:off x="6332355" y="1204705"/>
+            <a:off x="6332355" y="262313"/>
             <a:ext cx="4321037" cy="4518571"/>
           </a:xfrm>
           <a:prstGeom prst="rect">
@@ -3203,7 +3203,7 @@
         </p:nvSpPr>
         <p:spPr>
           <a:xfrm>
-            <a:off x="5000017" y="3289932"/>
+            <a:off x="5014433" y="2380547"/>
             <a:ext cx="1050587" cy="282102"/>
           </a:xfrm>
           <a:prstGeom prst="rightArrow">
@@ -3239,6 +3239,67 @@
                 <a:schemeClr val="tx1"/>
               </a:solidFill>
             </a:endParaRPr>
+          </a:p>
+        </p:txBody>
+      </p:sp>
+      <p:sp>
+        <p:nvSpPr>
+          <p:cNvPr id="3" name="TextBox 2"/>
+          <p:cNvSpPr txBox="1"/>
+          <p:nvPr/>
+        </p:nvSpPr>
+        <p:spPr>
+          <a:xfrm>
+            <a:off x="1782146" y="4926562"/>
+            <a:ext cx="8154956" cy="1754326"/>
+          </a:xfrm>
+          <a:prstGeom prst="rect">
+            <a:avLst/>
+          </a:prstGeom>
+          <a:noFill/>
+        </p:spPr>
+        <p:txBody>
+          <a:bodyPr wrap="square" rtlCol="0">
+            <a:spAutoFit/>
+          </a:bodyPr>
+          <a:lstStyle/>
+          <a:p>
+            <a:r>
+              <a:rPr lang="en-US" altLang="zh-CN" dirty="0"/>
+              <a:t>Begin with an empty lattice and initialize all sites to zero.</a:t>
+            </a:r>
+          </a:p>
+          <a:p>
+            <a:r>
+              <a:rPr lang="en-US" altLang="zh-CN" dirty="0"/>
+              <a:t>A way to deal with boundary condition: enlarge a N×N lattice to a (N+2)×(N+2) one</a:t>
+            </a:r>
+          </a:p>
+          <a:p>
+            <a:r>
+              <a:rPr lang="en-US" altLang="zh-CN" dirty="0"/>
+              <a:t>Thus, every site equally has 4 neighbors </a:t>
+            </a:r>
+          </a:p>
+          <a:p>
+            <a:r>
+              <a:rPr lang="en-US" dirty="0"/>
+              <a:t>Then we label the blue boxes with numbers 1 to 4N</a:t>
+            </a:r>
+          </a:p>
+          <a:p>
+            <a:r>
+              <a:rPr lang="en-US" dirty="0"/>
+              <a:t>Since the four orange boxes have nothing to do with the grid </a:t>
+            </a:r>
+            <a:r>
+              <a:rPr lang="en-US" altLang="zh-CN" dirty="0"/>
+              <a:t>which </a:t>
+            </a:r>
+            <a:r>
+              <a:rPr lang="en-US" dirty="0"/>
+              <a:t>we are interested, we just ignore them</a:t>
+            </a:r>
           </a:p>
         </p:txBody>
       </p:sp>
@@ -3280,7 +3341,7 @@
         </p:nvGrpSpPr>
         <p:grpSpPr>
           <a:xfrm>
-            <a:off x="1396739" y="1046717"/>
+            <a:off x="1396739" y="253615"/>
             <a:ext cx="4240816" cy="4434683"/>
             <a:chOff x="1152277" y="1046717"/>
             <a:chExt cx="4240816" cy="4434683"/>
@@ -3544,7 +3605,7 @@
         </p:nvGrpSpPr>
         <p:grpSpPr>
           <a:xfrm>
-            <a:off x="6346213" y="1046717"/>
+            <a:off x="6346213" y="244280"/>
             <a:ext cx="4240816" cy="4434683"/>
             <a:chOff x="6265795" y="1046717"/>
             <a:chExt cx="4240816" cy="4434683"/>
@@ -3800,6 +3861,47 @@
           </p:sp>
         </p:grpSp>
       </p:grpSp>
+      <p:sp>
+        <p:nvSpPr>
+          <p:cNvPr id="3" name="TextBox 2"/>
+          <p:cNvSpPr txBox="1"/>
+          <p:nvPr/>
+        </p:nvSpPr>
+        <p:spPr>
+          <a:xfrm>
+            <a:off x="1449688" y="4777234"/>
+            <a:ext cx="8724122" cy="1477328"/>
+          </a:xfrm>
+          <a:prstGeom prst="rect">
+            <a:avLst/>
+          </a:prstGeom>
+          <a:noFill/>
+        </p:spPr>
+        <p:txBody>
+          <a:bodyPr wrap="square" rtlCol="0">
+            <a:spAutoFit/>
+          </a:bodyPr>
+          <a:lstStyle/>
+          <a:p>
+            <a:r>
+              <a:rPr lang="en-US" dirty="0"/>
+              <a:t>Select and occupy a random site, labeling it with number 4N+1, since it is the first cluster. Select another site at random and check neighboring sites to see if any belong to a cluster.</a:t>
+            </a:r>
+          </a:p>
+          <a:p>
+            <a:r>
+              <a:rPr lang="en-US" dirty="0"/>
+              <a:t>If no, this new site is labeled with next cluster</a:t>
+            </a:r>
+          </a:p>
+          <a:p>
+            <a:r>
+              <a:rPr lang="en-US" dirty="0"/>
+              <a:t>If yes, we give this mark number to all the neighboring clusters to make them a new bigger cluster.</a:t>
+            </a:r>
+          </a:p>
+        </p:txBody>
+      </p:sp>
     </p:spTree>
     <p:extLst>
       <p:ext uri="{BB962C8B-B14F-4D97-AF65-F5344CB8AC3E}">
@@ -3838,7 +3940,7 @@
         </p:nvGrpSpPr>
         <p:grpSpPr>
           <a:xfrm>
-            <a:off x="1451199" y="981400"/>
+            <a:off x="1451199" y="356248"/>
             <a:ext cx="4240816" cy="4434683"/>
             <a:chOff x="1451199" y="981400"/>
             <a:chExt cx="4240816" cy="4434683"/>
@@ -4163,7 +4265,7 @@
         </p:nvGrpSpPr>
         <p:grpSpPr>
           <a:xfrm>
-            <a:off x="6477313" y="981400"/>
+            <a:off x="6477313" y="346917"/>
             <a:ext cx="4240816" cy="4434683"/>
             <a:chOff x="1451199" y="981400"/>
             <a:chExt cx="4240816" cy="4434683"/>
@@ -4493,7 +4595,7 @@
         </p:nvSpPr>
         <p:spPr>
           <a:xfrm>
-            <a:off x="6703019" y="2914156"/>
+            <a:off x="6726518" y="2289006"/>
             <a:ext cx="536093" cy="550507"/>
           </a:xfrm>
           <a:prstGeom prst="rect">
@@ -4533,6 +4635,40 @@
               <a:rPr lang="en-US" dirty="0"/>
               <a:t>25</a:t>
             </a:r>
+          </a:p>
+        </p:txBody>
+      </p:sp>
+      <p:sp>
+        <p:nvSpPr>
+          <p:cNvPr id="2" name="TextBox 1"/>
+          <p:cNvSpPr txBox="1"/>
+          <p:nvPr/>
+        </p:nvSpPr>
+        <p:spPr>
+          <a:xfrm>
+            <a:off x="1722945" y="4762939"/>
+            <a:ext cx="8705461" cy="646331"/>
+          </a:xfrm>
+          <a:prstGeom prst="rect">
+            <a:avLst/>
+          </a:prstGeom>
+          <a:noFill/>
+        </p:spPr>
+        <p:txBody>
+          <a:bodyPr wrap="square" rtlCol="0">
+            <a:spAutoFit/>
+          </a:bodyPr>
+          <a:lstStyle/>
+          <a:p>
+            <a:r>
+              <a:rPr lang="en-US" dirty="0"/>
+              <a:t>If a new occupied site touches the boundary, we just give its mark number to the blue neighboring site as well. Due to the enlarged lattice, every site in the grid is </a:t>
+            </a:r>
+            <a:r>
+              <a:rPr lang="en-US" altLang="zh-CN" dirty="0"/>
+              <a:t>equal.</a:t>
+            </a:r>
+            <a:endParaRPr lang="en-US" dirty="0"/>
           </a:p>
         </p:txBody>
       </p:sp>
@@ -4574,7 +4710,7 @@
         </p:nvGrpSpPr>
         <p:grpSpPr>
           <a:xfrm>
-            <a:off x="1550391" y="1056851"/>
+            <a:off x="1550391" y="235758"/>
             <a:ext cx="4240816" cy="4434683"/>
             <a:chOff x="1522758" y="878763"/>
             <a:chExt cx="4240816" cy="4434683"/>
@@ -5735,7 +5871,7 @@
         </p:nvGrpSpPr>
         <p:grpSpPr>
           <a:xfrm>
-            <a:off x="5953990" y="597157"/>
+            <a:off x="5953990" y="-307912"/>
             <a:ext cx="5300732" cy="5423729"/>
             <a:chOff x="5953990" y="382555"/>
             <a:chExt cx="5300732" cy="5423729"/>
@@ -7103,7 +7239,7 @@
         </p:nvSpPr>
         <p:spPr>
           <a:xfrm>
-            <a:off x="5875648" y="3114479"/>
+            <a:off x="5875648" y="2330707"/>
             <a:ext cx="1050587" cy="282102"/>
           </a:xfrm>
           <a:prstGeom prst="rightArrow">
@@ -7139,6 +7275,56 @@
                 <a:schemeClr val="tx1"/>
               </a:solidFill>
             </a:endParaRPr>
+          </a:p>
+        </p:txBody>
+      </p:sp>
+      <p:sp>
+        <p:nvSpPr>
+          <p:cNvPr id="2" name="TextBox 1"/>
+          <p:cNvSpPr txBox="1"/>
+          <p:nvPr/>
+        </p:nvSpPr>
+        <p:spPr>
+          <a:xfrm>
+            <a:off x="1773404" y="4670441"/>
+            <a:ext cx="8190086" cy="1754326"/>
+          </a:xfrm>
+          <a:prstGeom prst="rect">
+            <a:avLst/>
+          </a:prstGeom>
+          <a:noFill/>
+        </p:spPr>
+        <p:txBody>
+          <a:bodyPr wrap="square" rtlCol="0">
+            <a:spAutoFit/>
+          </a:bodyPr>
+          <a:lstStyle/>
+          <a:p>
+            <a:r>
+              <a:rPr lang="en-US" dirty="0"/>
+              <a:t>Keep doing this, until the maximums of four blue lists are equal, which means a spanning cluster a</a:t>
+            </a:r>
+            <a:r>
+              <a:rPr lang="en-US" altLang="zh-CN" dirty="0"/>
+              <a:t>rises.</a:t>
+            </a:r>
+          </a:p>
+          <a:p>
+            <a:r>
+              <a:rPr lang="en-US" altLang="zh-CN" dirty="0"/>
+              <a:t>From the value of the spanning cluster, we can directly know how many sites (the Value-4N)are occupied.</a:t>
+            </a:r>
+          </a:p>
+          <a:p>
+            <a:r>
+              <a:rPr lang="en-US" dirty="0"/>
+              <a:t>Sweep the lattice we are interested (the small one), if its value equals to the value of the spanning cluster, we give 1 to it; if it is empty, we give -1 to it</a:t>
+            </a:r>
+            <a:r>
+              <a:rPr lang="en-US"/>
+              <a:t>; otherwise, 0.</a:t>
+            </a:r>
+            <a:endParaRPr lang="en-US" dirty="0"/>
           </a:p>
         </p:txBody>
       </p:sp>

--- a/Percolation.pptx
+++ b/Percolation.pptx
@@ -4,15 +4,17 @@
   <p:sldMasterIdLst>
     <p:sldMasterId id="2147483648" r:id="rId1"/>
   </p:sldMasterIdLst>
+  <p:notesMasterIdLst>
+    <p:notesMasterId r:id="rId9"/>
+  </p:notesMasterIdLst>
   <p:sldIdLst>
     <p:sldId id="256" r:id="rId2"/>
     <p:sldId id="258" r:id="rId3"/>
     <p:sldId id="259" r:id="rId4"/>
-    <p:sldId id="260" r:id="rId5"/>
-    <p:sldId id="261" r:id="rId6"/>
-    <p:sldId id="263" r:id="rId7"/>
-    <p:sldId id="264" r:id="rId8"/>
-    <p:sldId id="265" r:id="rId9"/>
+    <p:sldId id="261" r:id="rId5"/>
+    <p:sldId id="263" r:id="rId6"/>
+    <p:sldId id="264" r:id="rId7"/>
+    <p:sldId id="265" r:id="rId8"/>
   </p:sldIdLst>
   <p:sldSz cx="12192000" cy="6858000"/>
   <p:notesSz cx="6858000" cy="9144000"/>
@@ -117,6 +119,674 @@
     </p:ext>
   </p:extLst>
 </p:presentation>
+</file>
+
+<file path=ppt/notesMasters/notesMaster1.xml><?xml version="1.0" encoding="utf-8"?>
+<p:notesMaster xmlns:a="http://schemas.openxmlformats.org/drawingml/2006/main" xmlns:r="http://schemas.openxmlformats.org/officeDocument/2006/relationships" xmlns:p="http://schemas.openxmlformats.org/presentationml/2006/main">
+  <p:cSld>
+    <p:bg>
+      <p:bgRef idx="1001">
+        <a:schemeClr val="bg1"/>
+      </p:bgRef>
+    </p:bg>
+    <p:spTree>
+      <p:nvGrpSpPr>
+        <p:cNvPr id="1" name=""/>
+        <p:cNvGrpSpPr/>
+        <p:nvPr/>
+      </p:nvGrpSpPr>
+      <p:grpSpPr>
+        <a:xfrm>
+          <a:off x="0" y="0"/>
+          <a:ext cx="0" cy="0"/>
+          <a:chOff x="0" y="0"/>
+          <a:chExt cx="0" cy="0"/>
+        </a:xfrm>
+      </p:grpSpPr>
+      <p:sp>
+        <p:nvSpPr>
+          <p:cNvPr id="2" name="页眉占位符 1"/>
+          <p:cNvSpPr>
+            <a:spLocks noGrp="1"/>
+          </p:cNvSpPr>
+          <p:nvPr>
+            <p:ph type="hdr" sz="quarter"/>
+          </p:nvPr>
+        </p:nvSpPr>
+        <p:spPr>
+          <a:xfrm>
+            <a:off x="0" y="0"/>
+            <a:ext cx="2971800" cy="458788"/>
+          </a:xfrm>
+          <a:prstGeom prst="rect">
+            <a:avLst/>
+          </a:prstGeom>
+        </p:spPr>
+        <p:txBody>
+          <a:bodyPr vert="horz" lIns="91440" tIns="45720" rIns="91440" bIns="45720" rtlCol="0"/>
+          <a:lstStyle>
+            <a:lvl1pPr algn="l">
+              <a:defRPr sz="1200"/>
+            </a:lvl1pPr>
+          </a:lstStyle>
+          <a:p>
+            <a:endParaRPr lang="zh-CN" altLang="en-US"/>
+          </a:p>
+        </p:txBody>
+      </p:sp>
+      <p:sp>
+        <p:nvSpPr>
+          <p:cNvPr id="3" name="日期占位符 2"/>
+          <p:cNvSpPr>
+            <a:spLocks noGrp="1"/>
+          </p:cNvSpPr>
+          <p:nvPr>
+            <p:ph type="dt" idx="1"/>
+          </p:nvPr>
+        </p:nvSpPr>
+        <p:spPr>
+          <a:xfrm>
+            <a:off x="3884613" y="0"/>
+            <a:ext cx="2971800" cy="458788"/>
+          </a:xfrm>
+          <a:prstGeom prst="rect">
+            <a:avLst/>
+          </a:prstGeom>
+        </p:spPr>
+        <p:txBody>
+          <a:bodyPr vert="horz" lIns="91440" tIns="45720" rIns="91440" bIns="45720" rtlCol="0"/>
+          <a:lstStyle>
+            <a:lvl1pPr algn="r">
+              <a:defRPr sz="1200"/>
+            </a:lvl1pPr>
+          </a:lstStyle>
+          <a:p>
+            <a:fld id="{B343C9A4-9976-4C8B-8B21-4D5413948D55}" type="datetimeFigureOut">
+              <a:rPr lang="zh-CN" altLang="en-US" smtClean="0"/>
+              <a:t>2017/4/12</a:t>
+            </a:fld>
+            <a:endParaRPr lang="zh-CN" altLang="en-US"/>
+          </a:p>
+        </p:txBody>
+      </p:sp>
+      <p:sp>
+        <p:nvSpPr>
+          <p:cNvPr id="4" name="幻灯片图像占位符 3"/>
+          <p:cNvSpPr>
+            <a:spLocks noGrp="1" noRot="1" noChangeAspect="1"/>
+          </p:cNvSpPr>
+          <p:nvPr>
+            <p:ph type="sldImg" idx="2"/>
+          </p:nvPr>
+        </p:nvSpPr>
+        <p:spPr>
+          <a:xfrm>
+            <a:off x="685800" y="1143000"/>
+            <a:ext cx="5486400" cy="3086100"/>
+          </a:xfrm>
+          <a:prstGeom prst="rect">
+            <a:avLst/>
+          </a:prstGeom>
+          <a:noFill/>
+          <a:ln w="12700">
+            <a:solidFill>
+              <a:prstClr val="black"/>
+            </a:solidFill>
+          </a:ln>
+        </p:spPr>
+        <p:txBody>
+          <a:bodyPr vert="horz" lIns="91440" tIns="45720" rIns="91440" bIns="45720" rtlCol="0" anchor="ctr"/>
+          <a:lstStyle/>
+          <a:p>
+            <a:endParaRPr lang="zh-CN" altLang="en-US"/>
+          </a:p>
+        </p:txBody>
+      </p:sp>
+      <p:sp>
+        <p:nvSpPr>
+          <p:cNvPr id="5" name="备注占位符 4"/>
+          <p:cNvSpPr>
+            <a:spLocks noGrp="1"/>
+          </p:cNvSpPr>
+          <p:nvPr>
+            <p:ph type="body" sz="quarter" idx="3"/>
+          </p:nvPr>
+        </p:nvSpPr>
+        <p:spPr>
+          <a:xfrm>
+            <a:off x="685800" y="4400550"/>
+            <a:ext cx="5486400" cy="3600450"/>
+          </a:xfrm>
+          <a:prstGeom prst="rect">
+            <a:avLst/>
+          </a:prstGeom>
+        </p:spPr>
+        <p:txBody>
+          <a:bodyPr vert="horz" lIns="91440" tIns="45720" rIns="91440" bIns="45720" rtlCol="0"/>
+          <a:lstStyle/>
+          <a:p>
+            <a:pPr lvl="0"/>
+            <a:r>
+              <a:rPr lang="zh-CN" altLang="en-US" smtClean="0"/>
+              <a:t>单击此处编辑母版文本样式</a:t>
+            </a:r>
+          </a:p>
+          <a:p>
+            <a:pPr lvl="1"/>
+            <a:r>
+              <a:rPr lang="zh-CN" altLang="en-US" smtClean="0"/>
+              <a:t>第二级</a:t>
+            </a:r>
+          </a:p>
+          <a:p>
+            <a:pPr lvl="2"/>
+            <a:r>
+              <a:rPr lang="zh-CN" altLang="en-US" smtClean="0"/>
+              <a:t>第三级</a:t>
+            </a:r>
+          </a:p>
+          <a:p>
+            <a:pPr lvl="3"/>
+            <a:r>
+              <a:rPr lang="zh-CN" altLang="en-US" smtClean="0"/>
+              <a:t>第四级</a:t>
+            </a:r>
+          </a:p>
+          <a:p>
+            <a:pPr lvl="4"/>
+            <a:r>
+              <a:rPr lang="zh-CN" altLang="en-US" smtClean="0"/>
+              <a:t>第五级</a:t>
+            </a:r>
+            <a:endParaRPr lang="zh-CN" altLang="en-US"/>
+          </a:p>
+        </p:txBody>
+      </p:sp>
+      <p:sp>
+        <p:nvSpPr>
+          <p:cNvPr id="6" name="页脚占位符 5"/>
+          <p:cNvSpPr>
+            <a:spLocks noGrp="1"/>
+          </p:cNvSpPr>
+          <p:nvPr>
+            <p:ph type="ftr" sz="quarter" idx="4"/>
+          </p:nvPr>
+        </p:nvSpPr>
+        <p:spPr>
+          <a:xfrm>
+            <a:off x="0" y="8685213"/>
+            <a:ext cx="2971800" cy="458787"/>
+          </a:xfrm>
+          <a:prstGeom prst="rect">
+            <a:avLst/>
+          </a:prstGeom>
+        </p:spPr>
+        <p:txBody>
+          <a:bodyPr vert="horz" lIns="91440" tIns="45720" rIns="91440" bIns="45720" rtlCol="0" anchor="b"/>
+          <a:lstStyle>
+            <a:lvl1pPr algn="l">
+              <a:defRPr sz="1200"/>
+            </a:lvl1pPr>
+          </a:lstStyle>
+          <a:p>
+            <a:endParaRPr lang="zh-CN" altLang="en-US"/>
+          </a:p>
+        </p:txBody>
+      </p:sp>
+      <p:sp>
+        <p:nvSpPr>
+          <p:cNvPr id="7" name="灯片编号占位符 6"/>
+          <p:cNvSpPr>
+            <a:spLocks noGrp="1"/>
+          </p:cNvSpPr>
+          <p:nvPr>
+            <p:ph type="sldNum" sz="quarter" idx="5"/>
+          </p:nvPr>
+        </p:nvSpPr>
+        <p:spPr>
+          <a:xfrm>
+            <a:off x="3884613" y="8685213"/>
+            <a:ext cx="2971800" cy="458787"/>
+          </a:xfrm>
+          <a:prstGeom prst="rect">
+            <a:avLst/>
+          </a:prstGeom>
+        </p:spPr>
+        <p:txBody>
+          <a:bodyPr vert="horz" lIns="91440" tIns="45720" rIns="91440" bIns="45720" rtlCol="0" anchor="b"/>
+          <a:lstStyle>
+            <a:lvl1pPr algn="r">
+              <a:defRPr sz="1200"/>
+            </a:lvl1pPr>
+          </a:lstStyle>
+          <a:p>
+            <a:fld id="{43EF5E08-6E78-4D88-A15E-474DD860ACDA}" type="slidenum">
+              <a:rPr lang="zh-CN" altLang="en-US" smtClean="0"/>
+              <a:t>‹#›</a:t>
+            </a:fld>
+            <a:endParaRPr lang="zh-CN" altLang="en-US"/>
+          </a:p>
+        </p:txBody>
+      </p:sp>
+    </p:spTree>
+    <p:extLst>
+      <p:ext uri="{BB962C8B-B14F-4D97-AF65-F5344CB8AC3E}">
+        <p14:creationId xmlns:p14="http://schemas.microsoft.com/office/powerpoint/2010/main" val="1846965943"/>
+      </p:ext>
+    </p:extLst>
+  </p:cSld>
+  <p:clrMap bg1="lt1" tx1="dk1" bg2="lt2" tx2="dk2" accent1="accent1" accent2="accent2" accent3="accent3" accent4="accent4" accent5="accent5" accent6="accent6" hlink="hlink" folHlink="folHlink"/>
+  <p:notesStyle>
+    <a:lvl1pPr marL="0" algn="l" defTabSz="914400" rtl="0" eaLnBrk="1" latinLnBrk="0" hangingPunct="1">
+      <a:defRPr sz="1200" kern="1200">
+        <a:solidFill>
+          <a:schemeClr val="tx1"/>
+        </a:solidFill>
+        <a:latin typeface="+mn-lt"/>
+        <a:ea typeface="+mn-ea"/>
+        <a:cs typeface="+mn-cs"/>
+      </a:defRPr>
+    </a:lvl1pPr>
+    <a:lvl2pPr marL="457200" algn="l" defTabSz="914400" rtl="0" eaLnBrk="1" latinLnBrk="0" hangingPunct="1">
+      <a:defRPr sz="1200" kern="1200">
+        <a:solidFill>
+          <a:schemeClr val="tx1"/>
+        </a:solidFill>
+        <a:latin typeface="+mn-lt"/>
+        <a:ea typeface="+mn-ea"/>
+        <a:cs typeface="+mn-cs"/>
+      </a:defRPr>
+    </a:lvl2pPr>
+    <a:lvl3pPr marL="914400" algn="l" defTabSz="914400" rtl="0" eaLnBrk="1" latinLnBrk="0" hangingPunct="1">
+      <a:defRPr sz="1200" kern="1200">
+        <a:solidFill>
+          <a:schemeClr val="tx1"/>
+        </a:solidFill>
+        <a:latin typeface="+mn-lt"/>
+        <a:ea typeface="+mn-ea"/>
+        <a:cs typeface="+mn-cs"/>
+      </a:defRPr>
+    </a:lvl3pPr>
+    <a:lvl4pPr marL="1371600" algn="l" defTabSz="914400" rtl="0" eaLnBrk="1" latinLnBrk="0" hangingPunct="1">
+      <a:defRPr sz="1200" kern="1200">
+        <a:solidFill>
+          <a:schemeClr val="tx1"/>
+        </a:solidFill>
+        <a:latin typeface="+mn-lt"/>
+        <a:ea typeface="+mn-ea"/>
+        <a:cs typeface="+mn-cs"/>
+      </a:defRPr>
+    </a:lvl4pPr>
+    <a:lvl5pPr marL="1828800" algn="l" defTabSz="914400" rtl="0" eaLnBrk="1" latinLnBrk="0" hangingPunct="1">
+      <a:defRPr sz="1200" kern="1200">
+        <a:solidFill>
+          <a:schemeClr val="tx1"/>
+        </a:solidFill>
+        <a:latin typeface="+mn-lt"/>
+        <a:ea typeface="+mn-ea"/>
+        <a:cs typeface="+mn-cs"/>
+      </a:defRPr>
+    </a:lvl5pPr>
+    <a:lvl6pPr marL="2286000" algn="l" defTabSz="914400" rtl="0" eaLnBrk="1" latinLnBrk="0" hangingPunct="1">
+      <a:defRPr sz="1200" kern="1200">
+        <a:solidFill>
+          <a:schemeClr val="tx1"/>
+        </a:solidFill>
+        <a:latin typeface="+mn-lt"/>
+        <a:ea typeface="+mn-ea"/>
+        <a:cs typeface="+mn-cs"/>
+      </a:defRPr>
+    </a:lvl6pPr>
+    <a:lvl7pPr marL="2743200" algn="l" defTabSz="914400" rtl="0" eaLnBrk="1" latinLnBrk="0" hangingPunct="1">
+      <a:defRPr sz="1200" kern="1200">
+        <a:solidFill>
+          <a:schemeClr val="tx1"/>
+        </a:solidFill>
+        <a:latin typeface="+mn-lt"/>
+        <a:ea typeface="+mn-ea"/>
+        <a:cs typeface="+mn-cs"/>
+      </a:defRPr>
+    </a:lvl7pPr>
+    <a:lvl8pPr marL="3200400" algn="l" defTabSz="914400" rtl="0" eaLnBrk="1" latinLnBrk="0" hangingPunct="1">
+      <a:defRPr sz="1200" kern="1200">
+        <a:solidFill>
+          <a:schemeClr val="tx1"/>
+        </a:solidFill>
+        <a:latin typeface="+mn-lt"/>
+        <a:ea typeface="+mn-ea"/>
+        <a:cs typeface="+mn-cs"/>
+      </a:defRPr>
+    </a:lvl8pPr>
+    <a:lvl9pPr marL="3657600" algn="l" defTabSz="914400" rtl="0" eaLnBrk="1" latinLnBrk="0" hangingPunct="1">
+      <a:defRPr sz="1200" kern="1200">
+        <a:solidFill>
+          <a:schemeClr val="tx1"/>
+        </a:solidFill>
+        <a:latin typeface="+mn-lt"/>
+        <a:ea typeface="+mn-ea"/>
+        <a:cs typeface="+mn-cs"/>
+      </a:defRPr>
+    </a:lvl9pPr>
+  </p:notesStyle>
+</p:notesMaster>
+</file>
+
+<file path=ppt/notesSlides/notesSlide1.xml><?xml version="1.0" encoding="utf-8"?>
+<p:notes xmlns:a="http://schemas.openxmlformats.org/drawingml/2006/main" xmlns:r="http://schemas.openxmlformats.org/officeDocument/2006/relationships" xmlns:p="http://schemas.openxmlformats.org/presentationml/2006/main">
+  <p:cSld>
+    <p:spTree>
+      <p:nvGrpSpPr>
+        <p:cNvPr id="1" name=""/>
+        <p:cNvGrpSpPr/>
+        <p:nvPr/>
+      </p:nvGrpSpPr>
+      <p:grpSpPr>
+        <a:xfrm>
+          <a:off x="0" y="0"/>
+          <a:ext cx="0" cy="0"/>
+          <a:chOff x="0" y="0"/>
+          <a:chExt cx="0" cy="0"/>
+        </a:xfrm>
+      </p:grpSpPr>
+      <p:sp>
+        <p:nvSpPr>
+          <p:cNvPr id="2" name="幻灯片图像占位符 1"/>
+          <p:cNvSpPr>
+            <a:spLocks noGrp="1" noRot="1" noChangeAspect="1"/>
+          </p:cNvSpPr>
+          <p:nvPr>
+            <p:ph type="sldImg"/>
+          </p:nvPr>
+        </p:nvSpPr>
+        <p:spPr/>
+      </p:sp>
+      <p:sp>
+        <p:nvSpPr>
+          <p:cNvPr id="3" name="备注占位符 2"/>
+          <p:cNvSpPr>
+            <a:spLocks noGrp="1"/>
+          </p:cNvSpPr>
+          <p:nvPr>
+            <p:ph type="body" idx="1"/>
+          </p:nvPr>
+        </p:nvSpPr>
+        <p:spPr/>
+        <p:txBody>
+          <a:bodyPr/>
+          <a:lstStyle/>
+          <a:p>
+            <a:r>
+              <a:rPr lang="en-US" altLang="zh-CN" dirty="0" smtClean="0"/>
+              <a:t>Begin with an empty lattice and initialize all sites to zero.</a:t>
+            </a:r>
+          </a:p>
+          <a:p>
+            <a:r>
+              <a:rPr lang="en-US" altLang="zh-CN" dirty="0" smtClean="0"/>
+              <a:t>A way to deal with boundary condition: enlarge a N×N lattice to a (N+2)×(N+2) one</a:t>
+            </a:r>
+          </a:p>
+          <a:p>
+            <a:r>
+              <a:rPr lang="en-US" altLang="zh-CN" dirty="0" smtClean="0"/>
+              <a:t>Thus, every site equally has 4 neighbors </a:t>
+            </a:r>
+          </a:p>
+          <a:p>
+            <a:r>
+              <a:rPr lang="en-US" altLang="zh-CN" dirty="0" smtClean="0"/>
+              <a:t>Then we label the blue boxes with numbers 1 to 4N</a:t>
+            </a:r>
+          </a:p>
+          <a:p>
+            <a:r>
+              <a:rPr lang="en-US" altLang="zh-CN" dirty="0" smtClean="0"/>
+              <a:t>Since the four orange boxes have nothing to do with the grid which we are interested, we just ignore them</a:t>
+            </a:r>
+          </a:p>
+          <a:p>
+            <a:endParaRPr lang="zh-CN" altLang="en-US" dirty="0"/>
+          </a:p>
+        </p:txBody>
+      </p:sp>
+      <p:sp>
+        <p:nvSpPr>
+          <p:cNvPr id="4" name="灯片编号占位符 3"/>
+          <p:cNvSpPr>
+            <a:spLocks noGrp="1"/>
+          </p:cNvSpPr>
+          <p:nvPr>
+            <p:ph type="sldNum" sz="quarter" idx="10"/>
+          </p:nvPr>
+        </p:nvSpPr>
+        <p:spPr/>
+        <p:txBody>
+          <a:bodyPr/>
+          <a:lstStyle/>
+          <a:p>
+            <a:fld id="{43EF5E08-6E78-4D88-A15E-474DD860ACDA}" type="slidenum">
+              <a:rPr lang="zh-CN" altLang="en-US" smtClean="0"/>
+              <a:t>2</a:t>
+            </a:fld>
+            <a:endParaRPr lang="zh-CN" altLang="en-US"/>
+          </a:p>
+        </p:txBody>
+      </p:sp>
+    </p:spTree>
+    <p:extLst>
+      <p:ext uri="{BB962C8B-B14F-4D97-AF65-F5344CB8AC3E}">
+        <p14:creationId xmlns:p14="http://schemas.microsoft.com/office/powerpoint/2010/main" val="1542420976"/>
+      </p:ext>
+    </p:extLst>
+  </p:cSld>
+  <p:clrMapOvr>
+    <a:masterClrMapping/>
+  </p:clrMapOvr>
+</p:notes>
+</file>
+
+<file path=ppt/notesSlides/notesSlide2.xml><?xml version="1.0" encoding="utf-8"?>
+<p:notes xmlns:a="http://schemas.openxmlformats.org/drawingml/2006/main" xmlns:r="http://schemas.openxmlformats.org/officeDocument/2006/relationships" xmlns:p="http://schemas.openxmlformats.org/presentationml/2006/main">
+  <p:cSld>
+    <p:spTree>
+      <p:nvGrpSpPr>
+        <p:cNvPr id="1" name=""/>
+        <p:cNvGrpSpPr/>
+        <p:nvPr/>
+      </p:nvGrpSpPr>
+      <p:grpSpPr>
+        <a:xfrm>
+          <a:off x="0" y="0"/>
+          <a:ext cx="0" cy="0"/>
+          <a:chOff x="0" y="0"/>
+          <a:chExt cx="0" cy="0"/>
+        </a:xfrm>
+      </p:grpSpPr>
+      <p:sp>
+        <p:nvSpPr>
+          <p:cNvPr id="2" name="幻灯片图像占位符 1"/>
+          <p:cNvSpPr>
+            <a:spLocks noGrp="1" noRot="1" noChangeAspect="1"/>
+          </p:cNvSpPr>
+          <p:nvPr>
+            <p:ph type="sldImg"/>
+          </p:nvPr>
+        </p:nvSpPr>
+        <p:spPr/>
+      </p:sp>
+      <p:sp>
+        <p:nvSpPr>
+          <p:cNvPr id="3" name="备注占位符 2"/>
+          <p:cNvSpPr>
+            <a:spLocks noGrp="1"/>
+          </p:cNvSpPr>
+          <p:nvPr>
+            <p:ph type="body" idx="1"/>
+          </p:nvPr>
+        </p:nvSpPr>
+        <p:spPr/>
+        <p:txBody>
+          <a:bodyPr/>
+          <a:lstStyle/>
+          <a:p>
+            <a:r>
+              <a:rPr lang="en-US" altLang="zh-CN" dirty="0" smtClean="0"/>
+              <a:t>Select and occupy a random site, labeling it with number 4N+1, since it is the first cluster. Select another site at random and check neighboring sites to see if any belong to a cluster.</a:t>
+            </a:r>
+          </a:p>
+          <a:p>
+            <a:r>
+              <a:rPr lang="en-US" altLang="zh-CN" dirty="0" smtClean="0"/>
+              <a:t>If no, this new site is labeled with next cluster</a:t>
+            </a:r>
+          </a:p>
+          <a:p>
+            <a:r>
+              <a:rPr lang="en-US" altLang="zh-CN" dirty="0" smtClean="0"/>
+              <a:t>If yes, we give this mark number to all the neighboring clusters to make them a new bigger cluster.</a:t>
+            </a:r>
+          </a:p>
+          <a:p>
+            <a:endParaRPr lang="zh-CN" altLang="en-US" dirty="0"/>
+          </a:p>
+        </p:txBody>
+      </p:sp>
+      <p:sp>
+        <p:nvSpPr>
+          <p:cNvPr id="4" name="灯片编号占位符 3"/>
+          <p:cNvSpPr>
+            <a:spLocks noGrp="1"/>
+          </p:cNvSpPr>
+          <p:nvPr>
+            <p:ph type="sldNum" sz="quarter" idx="10"/>
+          </p:nvPr>
+        </p:nvSpPr>
+        <p:spPr/>
+        <p:txBody>
+          <a:bodyPr/>
+          <a:lstStyle/>
+          <a:p>
+            <a:fld id="{43EF5E08-6E78-4D88-A15E-474DD860ACDA}" type="slidenum">
+              <a:rPr lang="zh-CN" altLang="en-US" smtClean="0"/>
+              <a:t>3</a:t>
+            </a:fld>
+            <a:endParaRPr lang="zh-CN" altLang="en-US"/>
+          </a:p>
+        </p:txBody>
+      </p:sp>
+    </p:spTree>
+    <p:extLst>
+      <p:ext uri="{BB962C8B-B14F-4D97-AF65-F5344CB8AC3E}">
+        <p14:creationId xmlns:p14="http://schemas.microsoft.com/office/powerpoint/2010/main" val="2469730062"/>
+      </p:ext>
+    </p:extLst>
+  </p:cSld>
+  <p:clrMapOvr>
+    <a:masterClrMapping/>
+  </p:clrMapOvr>
+</p:notes>
+</file>
+
+<file path=ppt/notesSlides/notesSlide3.xml><?xml version="1.0" encoding="utf-8"?>
+<p:notes xmlns:a="http://schemas.openxmlformats.org/drawingml/2006/main" xmlns:r="http://schemas.openxmlformats.org/officeDocument/2006/relationships" xmlns:p="http://schemas.openxmlformats.org/presentationml/2006/main">
+  <p:cSld>
+    <p:spTree>
+      <p:nvGrpSpPr>
+        <p:cNvPr id="1" name=""/>
+        <p:cNvGrpSpPr/>
+        <p:nvPr/>
+      </p:nvGrpSpPr>
+      <p:grpSpPr>
+        <a:xfrm>
+          <a:off x="0" y="0"/>
+          <a:ext cx="0" cy="0"/>
+          <a:chOff x="0" y="0"/>
+          <a:chExt cx="0" cy="0"/>
+        </a:xfrm>
+      </p:grpSpPr>
+      <p:sp>
+        <p:nvSpPr>
+          <p:cNvPr id="2" name="幻灯片图像占位符 1"/>
+          <p:cNvSpPr>
+            <a:spLocks noGrp="1" noRot="1" noChangeAspect="1"/>
+          </p:cNvSpPr>
+          <p:nvPr>
+            <p:ph type="sldImg"/>
+          </p:nvPr>
+        </p:nvSpPr>
+        <p:spPr/>
+      </p:sp>
+      <p:sp>
+        <p:nvSpPr>
+          <p:cNvPr id="3" name="备注占位符 2"/>
+          <p:cNvSpPr>
+            <a:spLocks noGrp="1"/>
+          </p:cNvSpPr>
+          <p:nvPr>
+            <p:ph type="body" idx="1"/>
+          </p:nvPr>
+        </p:nvSpPr>
+        <p:spPr/>
+        <p:txBody>
+          <a:bodyPr/>
+          <a:lstStyle/>
+          <a:p>
+            <a:r>
+              <a:rPr lang="en-US" altLang="zh-CN" dirty="0" smtClean="0"/>
+              <a:t>Keep doing this, until the maximums of four blue lists are equal, which means a spanning cluster arises.</a:t>
+            </a:r>
+          </a:p>
+          <a:p>
+            <a:r>
+              <a:rPr lang="en-US" altLang="zh-CN" dirty="0" smtClean="0"/>
+              <a:t>From the value of the spanning cluster, we can directly know how many sites (the Value-4N)are occupied.</a:t>
+            </a:r>
+          </a:p>
+          <a:p>
+            <a:r>
+              <a:rPr lang="en-US" altLang="zh-CN" dirty="0" smtClean="0"/>
+              <a:t>Sweep the lattice we are interested (the small one), if its value equals to the value of the spanning cluster, we give 1 to it; if it is empty, we give -1 to it; otherwise, 0.</a:t>
+            </a:r>
+          </a:p>
+          <a:p>
+            <a:endParaRPr lang="zh-CN" altLang="en-US" dirty="0"/>
+          </a:p>
+        </p:txBody>
+      </p:sp>
+      <p:sp>
+        <p:nvSpPr>
+          <p:cNvPr id="4" name="灯片编号占位符 3"/>
+          <p:cNvSpPr>
+            <a:spLocks noGrp="1"/>
+          </p:cNvSpPr>
+          <p:nvPr>
+            <p:ph type="sldNum" sz="quarter" idx="10"/>
+          </p:nvPr>
+        </p:nvSpPr>
+        <p:spPr/>
+        <p:txBody>
+          <a:bodyPr/>
+          <a:lstStyle/>
+          <a:p>
+            <a:fld id="{43EF5E08-6E78-4D88-A15E-474DD860ACDA}" type="slidenum">
+              <a:rPr lang="zh-CN" altLang="en-US" smtClean="0"/>
+              <a:t>4</a:t>
+            </a:fld>
+            <a:endParaRPr lang="zh-CN" altLang="en-US"/>
+          </a:p>
+        </p:txBody>
+      </p:sp>
+    </p:spTree>
+    <p:extLst>
+      <p:ext uri="{BB962C8B-B14F-4D97-AF65-F5344CB8AC3E}">
+        <p14:creationId xmlns:p14="http://schemas.microsoft.com/office/powerpoint/2010/main" val="1705739233"/>
+      </p:ext>
+    </p:extLst>
+  </p:cSld>
+  <p:clrMapOvr>
+    <a:masterClrMapping/>
+  </p:clrMapOvr>
+</p:notes>
 </file>
 
 <file path=ppt/slideLayouts/slideLayout1.xml><?xml version="1.0" encoding="utf-8"?>
@@ -3003,7 +3673,7 @@
         </p:nvSpPr>
         <p:spPr>
           <a:xfrm>
-            <a:off x="8760784" y="4088025"/>
+            <a:off x="7853265" y="4048110"/>
             <a:ext cx="2814735" cy="1655762"/>
           </a:xfrm>
         </p:spPr>
@@ -3077,7 +3747,7 @@
       </p:sp>
       <p:pic>
         <p:nvPicPr>
-          <p:cNvPr id="5" name="Picture 4"/>
+          <p:cNvPr id="6" name="Picture 7"/>
           <p:cNvPicPr>
             <a:picLocks noChangeAspect="1"/>
           </p:cNvPicPr>
@@ -3097,14 +3767,62 @@
         </p:blipFill>
         <p:spPr>
           <a:xfrm>
-            <a:off x="2830224" y="2124665"/>
-            <a:ext cx="4663844" cy="4145639"/>
+            <a:off x="2562793" y="1883391"/>
+            <a:ext cx="4725111" cy="4771136"/>
           </a:xfrm>
           <a:prstGeom prst="rect">
             <a:avLst/>
           </a:prstGeom>
         </p:spPr>
       </p:pic>
+      <p:sp>
+        <p:nvSpPr>
+          <p:cNvPr id="4" name="矩形 3"/>
+          <p:cNvSpPr/>
+          <p:nvPr/>
+        </p:nvSpPr>
+        <p:spPr>
+          <a:xfrm>
+            <a:off x="4017772" y="1801657"/>
+            <a:ext cx="1815152" cy="286603"/>
+          </a:xfrm>
+          <a:prstGeom prst="rect">
+            <a:avLst/>
+          </a:prstGeom>
+          <a:solidFill>
+            <a:schemeClr val="bg1"/>
+          </a:solidFill>
+          <a:ln>
+            <a:solidFill>
+              <a:schemeClr val="bg1"/>
+            </a:solidFill>
+          </a:ln>
+        </p:spPr>
+        <p:style>
+          <a:lnRef idx="2">
+            <a:schemeClr val="accent1">
+              <a:shade val="50000"/>
+            </a:schemeClr>
+          </a:lnRef>
+          <a:fillRef idx="1">
+            <a:schemeClr val="accent1"/>
+          </a:fillRef>
+          <a:effectRef idx="0">
+            <a:schemeClr val="accent1"/>
+          </a:effectRef>
+          <a:fontRef idx="minor">
+            <a:schemeClr val="lt1"/>
+          </a:fontRef>
+        </p:style>
+        <p:txBody>
+          <a:bodyPr rtlCol="0" anchor="ctr"/>
+          <a:lstStyle/>
+          <a:p>
+            <a:pPr algn="ctr"/>
+            <a:endParaRPr lang="zh-CN" altLang="en-US"/>
+          </a:p>
+        </p:txBody>
+      </p:sp>
     </p:spTree>
     <p:extLst>
       <p:ext uri="{BB962C8B-B14F-4D97-AF65-F5344CB8AC3E}">
@@ -3115,6 +3833,13 @@
   <p:clrMapOvr>
     <a:masterClrMapping/>
   </p:clrMapOvr>
+  <p:timing>
+    <p:tnLst>
+      <p:par>
+        <p:cTn id="1" dur="indefinite" restart="never" nodeType="tmRoot"/>
+      </p:par>
+    </p:tnLst>
+  </p:timing>
 </p:sld>
 </file>
 
@@ -3144,7 +3869,7 @@
           <p:nvPr/>
         </p:nvPicPr>
         <p:blipFill>
-          <a:blip r:embed="rId2">
+          <a:blip r:embed="rId3">
             <a:extLst>
               <a:ext uri="{28A0092B-C50C-407E-A947-70E740481C1C}">
                 <a14:useLocalDpi xmlns:a14="http://schemas.microsoft.com/office/drawing/2010/main" val="0"/>
@@ -3157,7 +3882,7 @@
         </p:blipFill>
         <p:spPr>
           <a:xfrm>
-            <a:off x="1507787" y="792680"/>
+            <a:off x="1630617" y="1434125"/>
             <a:ext cx="3239311" cy="3457838"/>
           </a:xfrm>
           <a:prstGeom prst="rect">
@@ -3174,7 +3899,7 @@
           <p:nvPr/>
         </p:nvPicPr>
         <p:blipFill>
-          <a:blip r:embed="rId3">
+          <a:blip r:embed="rId4">
             <a:extLst>
               <a:ext uri="{28A0092B-C50C-407E-A947-70E740481C1C}">
                 <a14:useLocalDpi xmlns:a14="http://schemas.microsoft.com/office/drawing/2010/main" val="0"/>
@@ -3187,7 +3912,7 @@
         </p:blipFill>
         <p:spPr>
           <a:xfrm>
-            <a:off x="6332355" y="262313"/>
+            <a:off x="6769084" y="1044808"/>
             <a:ext cx="4321037" cy="4518571"/>
           </a:xfrm>
           <a:prstGeom prst="rect">
@@ -3203,7 +3928,7 @@
         </p:nvSpPr>
         <p:spPr>
           <a:xfrm>
-            <a:off x="5014433" y="2380547"/>
+            <a:off x="5137263" y="3021992"/>
             <a:ext cx="1050587" cy="282102"/>
           </a:xfrm>
           <a:prstGeom prst="rightArrow">
@@ -3244,62 +3969,63 @@
       </p:sp>
       <p:sp>
         <p:nvSpPr>
-          <p:cNvPr id="3" name="TextBox 2"/>
-          <p:cNvSpPr txBox="1"/>
+          <p:cNvPr id="7" name="矩形 6"/>
+          <p:cNvSpPr/>
           <p:nvPr/>
         </p:nvSpPr>
         <p:spPr>
           <a:xfrm>
-            <a:off x="1782146" y="4926562"/>
-            <a:ext cx="8154956" cy="1754326"/>
+            <a:off x="2445984" y="5237663"/>
+            <a:ext cx="1267719" cy="369332"/>
           </a:xfrm>
           <a:prstGeom prst="rect">
             <a:avLst/>
           </a:prstGeom>
-          <a:noFill/>
         </p:spPr>
         <p:txBody>
-          <a:bodyPr wrap="square" rtlCol="0">
+          <a:bodyPr wrap="none">
             <a:spAutoFit/>
           </a:bodyPr>
           <a:lstStyle/>
           <a:p>
             <a:r>
               <a:rPr lang="en-US" altLang="zh-CN" dirty="0"/>
-              <a:t>Begin with an empty lattice and initialize all sites to zero.</a:t>
-            </a:r>
-          </a:p>
-          <a:p>
+              <a:t>N×N lattice</a:t>
+            </a:r>
+            <a:endParaRPr lang="zh-CN" altLang="en-US" dirty="0"/>
+          </a:p>
+        </p:txBody>
+      </p:sp>
+      <p:sp>
+        <p:nvSpPr>
+          <p:cNvPr id="8" name="矩形 7"/>
+          <p:cNvSpPr/>
+          <p:nvPr/>
+        </p:nvSpPr>
+        <p:spPr>
+          <a:xfrm>
+            <a:off x="8159264" y="5378713"/>
+            <a:ext cx="2014719" cy="369332"/>
+          </a:xfrm>
+          <a:prstGeom prst="rect">
+            <a:avLst/>
+          </a:prstGeom>
+        </p:spPr>
+        <p:txBody>
+          <a:bodyPr wrap="none">
+            <a:spAutoFit/>
+          </a:bodyPr>
+          <a:lstStyle/>
+          <a:p>
+            <a:r>
+              <a:rPr lang="en-US" altLang="zh-CN" dirty="0" smtClean="0"/>
+              <a:t>(N+2)×(N+2) </a:t>
+            </a:r>
             <a:r>
               <a:rPr lang="en-US" altLang="zh-CN" dirty="0"/>
-              <a:t>A way to deal with boundary condition: enlarge a N×N lattice to a (N+2)×(N+2) one</a:t>
-            </a:r>
-          </a:p>
-          <a:p>
-            <a:r>
-              <a:rPr lang="en-US" altLang="zh-CN" dirty="0"/>
-              <a:t>Thus, every site equally has 4 neighbors </a:t>
-            </a:r>
-          </a:p>
-          <a:p>
-            <a:r>
-              <a:rPr lang="en-US" dirty="0"/>
-              <a:t>Then we label the blue boxes with numbers 1 to 4N</a:t>
-            </a:r>
-          </a:p>
-          <a:p>
-            <a:r>
-              <a:rPr lang="en-US" dirty="0"/>
-              <a:t>Since the four orange boxes have nothing to do with the grid </a:t>
-            </a:r>
-            <a:r>
-              <a:rPr lang="en-US" altLang="zh-CN" dirty="0"/>
-              <a:t>which </a:t>
-            </a:r>
-            <a:r>
-              <a:rPr lang="en-US" dirty="0"/>
-              <a:t>we are interested, we just ignore them</a:t>
-            </a:r>
+              <a:t>lattice</a:t>
+            </a:r>
+            <a:endParaRPr lang="zh-CN" altLang="en-US" dirty="0"/>
           </a:p>
         </p:txBody>
       </p:sp>
@@ -3313,6 +4039,181 @@
   <p:clrMapOvr>
     <a:masterClrMapping/>
   </p:clrMapOvr>
+  <p:timing>
+    <p:tnLst>
+      <p:par>
+        <p:cTn id="1" dur="indefinite" restart="never" nodeType="tmRoot">
+          <p:childTnLst>
+            <p:seq concurrent="1" nextAc="seek">
+              <p:cTn id="2" dur="indefinite" nodeType="mainSeq">
+                <p:childTnLst>
+                  <p:par>
+                    <p:cTn id="3" fill="hold">
+                      <p:stCondLst>
+                        <p:cond delay="indefinite"/>
+                      </p:stCondLst>
+                      <p:childTnLst>
+                        <p:par>
+                          <p:cTn id="4" fill="hold">
+                            <p:stCondLst>
+                              <p:cond delay="0"/>
+                            </p:stCondLst>
+                            <p:childTnLst>
+                              <p:par>
+                                <p:cTn id="5" presetID="22" presetClass="entr" presetSubtype="8" fill="hold" grpId="0" nodeType="clickEffect">
+                                  <p:stCondLst>
+                                    <p:cond delay="0"/>
+                                  </p:stCondLst>
+                                  <p:childTnLst>
+                                    <p:set>
+                                      <p:cBhvr>
+                                        <p:cTn id="6" dur="1" fill="hold">
+                                          <p:stCondLst>
+                                            <p:cond delay="0"/>
+                                          </p:stCondLst>
+                                        </p:cTn>
+                                        <p:tgtEl>
+                                          <p:spTgt spid="6"/>
+                                        </p:tgtEl>
+                                        <p:attrNameLst>
+                                          <p:attrName>style.visibility</p:attrName>
+                                        </p:attrNameLst>
+                                      </p:cBhvr>
+                                      <p:to>
+                                        <p:strVal val="visible"/>
+                                      </p:to>
+                                    </p:set>
+                                    <p:animEffect transition="in" filter="wipe(left)">
+                                      <p:cBhvr>
+                                        <p:cTn id="7" dur="500"/>
+                                        <p:tgtEl>
+                                          <p:spTgt spid="6"/>
+                                        </p:tgtEl>
+                                      </p:cBhvr>
+                                    </p:animEffect>
+                                  </p:childTnLst>
+                                </p:cTn>
+                              </p:par>
+                            </p:childTnLst>
+                          </p:cTn>
+                        </p:par>
+                      </p:childTnLst>
+                    </p:cTn>
+                  </p:par>
+                  <p:par>
+                    <p:cTn id="8" fill="hold">
+                      <p:stCondLst>
+                        <p:cond delay="indefinite"/>
+                      </p:stCondLst>
+                      <p:childTnLst>
+                        <p:par>
+                          <p:cTn id="9" fill="hold">
+                            <p:stCondLst>
+                              <p:cond delay="0"/>
+                            </p:stCondLst>
+                            <p:childTnLst>
+                              <p:par>
+                                <p:cTn id="10" presetID="22" presetClass="entr" presetSubtype="8" fill="hold" nodeType="clickEffect">
+                                  <p:stCondLst>
+                                    <p:cond delay="0"/>
+                                  </p:stCondLst>
+                                  <p:childTnLst>
+                                    <p:set>
+                                      <p:cBhvr>
+                                        <p:cTn id="11" dur="1" fill="hold">
+                                          <p:stCondLst>
+                                            <p:cond delay="0"/>
+                                          </p:stCondLst>
+                                        </p:cTn>
+                                        <p:tgtEl>
+                                          <p:spTgt spid="5"/>
+                                        </p:tgtEl>
+                                        <p:attrNameLst>
+                                          <p:attrName>style.visibility</p:attrName>
+                                        </p:attrNameLst>
+                                      </p:cBhvr>
+                                      <p:to>
+                                        <p:strVal val="visible"/>
+                                      </p:to>
+                                    </p:set>
+                                    <p:animEffect transition="in" filter="wipe(left)">
+                                      <p:cBhvr>
+                                        <p:cTn id="12" dur="500"/>
+                                        <p:tgtEl>
+                                          <p:spTgt spid="5"/>
+                                        </p:tgtEl>
+                                      </p:cBhvr>
+                                    </p:animEffect>
+                                  </p:childTnLst>
+                                </p:cTn>
+                              </p:par>
+                              <p:par>
+                                <p:cTn id="13" presetID="22" presetClass="entr" presetSubtype="8" fill="hold" grpId="0" nodeType="withEffect">
+                                  <p:stCondLst>
+                                    <p:cond delay="0"/>
+                                  </p:stCondLst>
+                                  <p:childTnLst>
+                                    <p:set>
+                                      <p:cBhvr>
+                                        <p:cTn id="14" dur="1" fill="hold">
+                                          <p:stCondLst>
+                                            <p:cond delay="0"/>
+                                          </p:stCondLst>
+                                        </p:cTn>
+                                        <p:tgtEl>
+                                          <p:spTgt spid="8"/>
+                                        </p:tgtEl>
+                                        <p:attrNameLst>
+                                          <p:attrName>style.visibility</p:attrName>
+                                        </p:attrNameLst>
+                                      </p:cBhvr>
+                                      <p:to>
+                                        <p:strVal val="visible"/>
+                                      </p:to>
+                                    </p:set>
+                                    <p:animEffect transition="in" filter="wipe(left)">
+                                      <p:cBhvr>
+                                        <p:cTn id="15" dur="500"/>
+                                        <p:tgtEl>
+                                          <p:spTgt spid="8"/>
+                                        </p:tgtEl>
+                                      </p:cBhvr>
+                                    </p:animEffect>
+                                  </p:childTnLst>
+                                </p:cTn>
+                              </p:par>
+                            </p:childTnLst>
+                          </p:cTn>
+                        </p:par>
+                      </p:childTnLst>
+                    </p:cTn>
+                  </p:par>
+                </p:childTnLst>
+              </p:cTn>
+              <p:prevCondLst>
+                <p:cond evt="onPrev" delay="0">
+                  <p:tgtEl>
+                    <p:sldTgt/>
+                  </p:tgtEl>
+                </p:cond>
+              </p:prevCondLst>
+              <p:nextCondLst>
+                <p:cond evt="onNext" delay="0">
+                  <p:tgtEl>
+                    <p:sldTgt/>
+                  </p:tgtEl>
+                </p:cond>
+              </p:nextCondLst>
+            </p:seq>
+          </p:childTnLst>
+        </p:cTn>
+      </p:par>
+    </p:tnLst>
+    <p:bldLst>
+      <p:bldP spid="6" grpId="0" animBg="1"/>
+      <p:bldP spid="8" grpId="0"/>
+    </p:bldLst>
+  </p:timing>
 </p:sld>
 </file>
 
@@ -3333,572 +4234,756 @@
           <a:chExt cx="0" cy="0"/>
         </a:xfrm>
       </p:grpSpPr>
-      <p:grpSp>
-        <p:nvGrpSpPr>
-          <p:cNvPr id="29" name="Group 28"/>
-          <p:cNvGrpSpPr/>
+      <p:pic>
+        <p:nvPicPr>
+          <p:cNvPr id="4" name="Picture 3"/>
+          <p:cNvPicPr>
+            <a:picLocks noChangeAspect="1"/>
+          </p:cNvPicPr>
           <p:nvPr/>
-        </p:nvGrpSpPr>
-        <p:grpSpPr>
-          <a:xfrm>
-            <a:off x="1396739" y="253615"/>
-            <a:ext cx="4240816" cy="4434683"/>
-            <a:chOff x="1152277" y="1046717"/>
-            <a:chExt cx="4240816" cy="4434683"/>
-          </a:xfrm>
-        </p:grpSpPr>
-        <p:pic>
-          <p:nvPicPr>
-            <p:cNvPr id="4" name="Picture 3"/>
-            <p:cNvPicPr>
-              <a:picLocks noChangeAspect="1"/>
-            </p:cNvPicPr>
-            <p:nvPr/>
-          </p:nvPicPr>
-          <p:blipFill>
-            <a:blip r:embed="rId2">
-              <a:extLst>
-                <a:ext uri="{28A0092B-C50C-407E-A947-70E740481C1C}">
-                  <a14:useLocalDpi xmlns:a14="http://schemas.microsoft.com/office/drawing/2010/main" val="0"/>
-                </a:ext>
-              </a:extLst>
-            </a:blip>
-            <a:stretch>
-              <a:fillRect/>
-            </a:stretch>
-          </p:blipFill>
-          <p:spPr>
-            <a:xfrm>
-              <a:off x="1152277" y="1046717"/>
-              <a:ext cx="4240816" cy="4434683"/>
-            </a:xfrm>
-            <a:prstGeom prst="rect">
-              <a:avLst/>
-            </a:prstGeom>
-          </p:spPr>
-        </p:pic>
-        <p:grpSp>
-          <p:nvGrpSpPr>
-            <p:cNvPr id="28" name="Group 27"/>
-            <p:cNvGrpSpPr/>
-            <p:nvPr/>
-          </p:nvGrpSpPr>
-          <p:grpSpPr>
-            <a:xfrm>
-              <a:off x="2995308" y="2407296"/>
-              <a:ext cx="1081517" cy="1673852"/>
-              <a:chOff x="2995308" y="2407296"/>
-              <a:chExt cx="1081517" cy="1673852"/>
-            </a:xfrm>
-          </p:grpSpPr>
-          <p:sp>
-            <p:nvSpPr>
-              <p:cNvPr id="5" name="Rectangle 4"/>
-              <p:cNvSpPr/>
-              <p:nvPr/>
-            </p:nvSpPr>
-            <p:spPr>
-              <a:xfrm>
-                <a:off x="3004639" y="2407296"/>
-                <a:ext cx="536093" cy="550507"/>
-              </a:xfrm>
-              <a:prstGeom prst="rect">
-                <a:avLst/>
-              </a:prstGeom>
-              <a:solidFill>
-                <a:schemeClr val="tx1"/>
-              </a:solidFill>
-              <a:ln>
-                <a:solidFill>
-                  <a:schemeClr val="tx1"/>
-                </a:solidFill>
-              </a:ln>
-            </p:spPr>
-            <p:style>
-              <a:lnRef idx="2">
-                <a:schemeClr val="accent1">
-                  <a:shade val="50000"/>
-                </a:schemeClr>
-              </a:lnRef>
-              <a:fillRef idx="1">
-                <a:schemeClr val="accent1"/>
-              </a:fillRef>
-              <a:effectRef idx="0">
-                <a:schemeClr val="accent1"/>
-              </a:effectRef>
-              <a:fontRef idx="minor">
-                <a:schemeClr val="lt1"/>
-              </a:fontRef>
-            </p:style>
-            <p:txBody>
-              <a:bodyPr rtlCol="0" anchor="ctr"/>
-              <a:lstStyle/>
-              <a:p>
-                <a:pPr algn="ctr"/>
-                <a:r>
-                  <a:rPr lang="en-US" dirty="0"/>
-                  <a:t>21</a:t>
-                </a:r>
-              </a:p>
-            </p:txBody>
-          </p:sp>
-          <p:sp>
-            <p:nvSpPr>
-              <p:cNvPr id="11" name="Rectangle 10"/>
-              <p:cNvSpPr/>
-              <p:nvPr/>
-            </p:nvSpPr>
-            <p:spPr>
-              <a:xfrm>
-                <a:off x="3540732" y="2970144"/>
-                <a:ext cx="536093" cy="550507"/>
-              </a:xfrm>
-              <a:prstGeom prst="rect">
-                <a:avLst/>
-              </a:prstGeom>
-              <a:solidFill>
-                <a:schemeClr val="tx1"/>
-              </a:solidFill>
-              <a:ln>
-                <a:solidFill>
-                  <a:schemeClr val="tx1"/>
-                </a:solidFill>
-              </a:ln>
-            </p:spPr>
-            <p:style>
-              <a:lnRef idx="2">
-                <a:schemeClr val="accent1">
-                  <a:shade val="50000"/>
-                </a:schemeClr>
-              </a:lnRef>
-              <a:fillRef idx="1">
-                <a:schemeClr val="accent1"/>
-              </a:fillRef>
-              <a:effectRef idx="0">
-                <a:schemeClr val="accent1"/>
-              </a:effectRef>
-              <a:fontRef idx="minor">
-                <a:schemeClr val="lt1"/>
-              </a:fontRef>
-            </p:style>
-            <p:txBody>
-              <a:bodyPr rtlCol="0" anchor="ctr"/>
-              <a:lstStyle/>
-              <a:p>
-                <a:pPr algn="ctr"/>
-                <a:r>
-                  <a:rPr lang="en-US" dirty="0"/>
-                  <a:t>22</a:t>
-                </a:r>
-              </a:p>
-            </p:txBody>
-          </p:sp>
-          <p:sp>
-            <p:nvSpPr>
-              <p:cNvPr id="12" name="Rectangle 11"/>
-              <p:cNvSpPr/>
-              <p:nvPr/>
-            </p:nvSpPr>
-            <p:spPr>
-              <a:xfrm>
-                <a:off x="2995308" y="3529982"/>
-                <a:ext cx="536093" cy="550507"/>
-              </a:xfrm>
-              <a:prstGeom prst="rect">
-                <a:avLst/>
-              </a:prstGeom>
-              <a:solidFill>
-                <a:schemeClr val="tx1"/>
-              </a:solidFill>
-              <a:ln>
-                <a:solidFill>
-                  <a:schemeClr val="tx1"/>
-                </a:solidFill>
-              </a:ln>
-            </p:spPr>
-            <p:style>
-              <a:lnRef idx="2">
-                <a:schemeClr val="accent1">
-                  <a:shade val="50000"/>
-                </a:schemeClr>
-              </a:lnRef>
-              <a:fillRef idx="1">
-                <a:schemeClr val="accent1"/>
-              </a:fillRef>
-              <a:effectRef idx="0">
-                <a:schemeClr val="accent1"/>
-              </a:effectRef>
-              <a:fontRef idx="minor">
-                <a:schemeClr val="lt1"/>
-              </a:fontRef>
-            </p:style>
-            <p:txBody>
-              <a:bodyPr rtlCol="0" anchor="ctr"/>
-              <a:lstStyle/>
-              <a:p>
-                <a:pPr algn="ctr"/>
-                <a:r>
-                  <a:rPr lang="en-US" dirty="0"/>
-                  <a:t>23</a:t>
-                </a:r>
-              </a:p>
-            </p:txBody>
-          </p:sp>
-          <p:sp>
-            <p:nvSpPr>
-              <p:cNvPr id="15" name="Rectangle 14"/>
-              <p:cNvSpPr/>
-              <p:nvPr/>
-            </p:nvSpPr>
-            <p:spPr>
-              <a:xfrm>
-                <a:off x="3540732" y="3530641"/>
-                <a:ext cx="536093" cy="550507"/>
-              </a:xfrm>
-              <a:prstGeom prst="rect">
-                <a:avLst/>
-              </a:prstGeom>
-              <a:solidFill>
-                <a:schemeClr val="tx1"/>
-              </a:solidFill>
-              <a:ln>
-                <a:solidFill>
-                  <a:schemeClr val="tx1"/>
-                </a:solidFill>
-              </a:ln>
-            </p:spPr>
-            <p:style>
-              <a:lnRef idx="2">
-                <a:schemeClr val="accent1">
-                  <a:shade val="50000"/>
-                </a:schemeClr>
-              </a:lnRef>
-              <a:fillRef idx="1">
-                <a:schemeClr val="accent1"/>
-              </a:fillRef>
-              <a:effectRef idx="0">
-                <a:schemeClr val="accent1"/>
-              </a:effectRef>
-              <a:fontRef idx="minor">
-                <a:schemeClr val="lt1"/>
-              </a:fontRef>
-            </p:style>
-            <p:txBody>
-              <a:bodyPr rtlCol="0" anchor="ctr"/>
-              <a:lstStyle/>
-              <a:p>
-                <a:pPr algn="ctr"/>
-                <a:r>
-                  <a:rPr lang="en-US" dirty="0"/>
-                  <a:t>24</a:t>
-                </a:r>
-              </a:p>
-            </p:txBody>
-          </p:sp>
-        </p:grpSp>
-      </p:grpSp>
-      <p:grpSp>
-        <p:nvGrpSpPr>
-          <p:cNvPr id="27" name="Group 26"/>
-          <p:cNvGrpSpPr/>
-          <p:nvPr/>
-        </p:nvGrpSpPr>
-        <p:grpSpPr>
-          <a:xfrm>
-            <a:off x="6346213" y="244280"/>
-            <a:ext cx="4240816" cy="4434683"/>
-            <a:chOff x="6265795" y="1046717"/>
-            <a:chExt cx="4240816" cy="4434683"/>
-          </a:xfrm>
-        </p:grpSpPr>
-        <p:pic>
-          <p:nvPicPr>
-            <p:cNvPr id="17" name="Picture 16"/>
-            <p:cNvPicPr>
-              <a:picLocks noChangeAspect="1"/>
-            </p:cNvPicPr>
-            <p:nvPr/>
-          </p:nvPicPr>
-          <p:blipFill>
-            <a:blip r:embed="rId2">
-              <a:extLst>
-                <a:ext uri="{28A0092B-C50C-407E-A947-70E740481C1C}">
-                  <a14:useLocalDpi xmlns:a14="http://schemas.microsoft.com/office/drawing/2010/main" val="0"/>
-                </a:ext>
-              </a:extLst>
-            </a:blip>
-            <a:stretch>
-              <a:fillRect/>
-            </a:stretch>
-          </p:blipFill>
-          <p:spPr>
-            <a:xfrm>
-              <a:off x="6265795" y="1046717"/>
-              <a:ext cx="4240816" cy="4434683"/>
-            </a:xfrm>
-            <a:prstGeom prst="rect">
-              <a:avLst/>
-            </a:prstGeom>
-          </p:spPr>
-        </p:pic>
-        <p:grpSp>
-          <p:nvGrpSpPr>
-            <p:cNvPr id="26" name="Group 25"/>
-            <p:cNvGrpSpPr/>
-            <p:nvPr/>
-          </p:nvGrpSpPr>
-          <p:grpSpPr>
-            <a:xfrm>
-              <a:off x="8105060" y="2407296"/>
-              <a:ext cx="1085282" cy="1696831"/>
-              <a:chOff x="8105060" y="2407296"/>
-              <a:chExt cx="1085282" cy="1696831"/>
-            </a:xfrm>
-          </p:grpSpPr>
-          <p:sp>
-            <p:nvSpPr>
-              <p:cNvPr id="18" name="Rectangle 17"/>
-              <p:cNvSpPr/>
-              <p:nvPr/>
-            </p:nvSpPr>
-            <p:spPr>
-              <a:xfrm>
-                <a:off x="8118156" y="2407296"/>
-                <a:ext cx="536093" cy="550507"/>
-              </a:xfrm>
-              <a:prstGeom prst="rect">
-                <a:avLst/>
-              </a:prstGeom>
-              <a:solidFill>
-                <a:schemeClr val="tx1"/>
-              </a:solidFill>
-              <a:ln>
-                <a:solidFill>
-                  <a:schemeClr val="tx1"/>
-                </a:solidFill>
-              </a:ln>
-            </p:spPr>
-            <p:style>
-              <a:lnRef idx="2">
-                <a:schemeClr val="accent1">
-                  <a:shade val="50000"/>
-                </a:schemeClr>
-              </a:lnRef>
-              <a:fillRef idx="1">
-                <a:schemeClr val="accent1"/>
-              </a:fillRef>
-              <a:effectRef idx="0">
-                <a:schemeClr val="accent1"/>
-              </a:effectRef>
-              <a:fontRef idx="minor">
-                <a:schemeClr val="lt1"/>
-              </a:fontRef>
-            </p:style>
-            <p:txBody>
-              <a:bodyPr rtlCol="0" anchor="ctr"/>
-              <a:lstStyle/>
-              <a:p>
-                <a:pPr algn="ctr"/>
-                <a:r>
-                  <a:rPr lang="en-US" dirty="0"/>
-                  <a:t>21</a:t>
-                </a:r>
-              </a:p>
-            </p:txBody>
-          </p:sp>
-          <p:sp>
-            <p:nvSpPr>
-              <p:cNvPr id="19" name="Rectangle 18"/>
-              <p:cNvSpPr/>
-              <p:nvPr/>
-            </p:nvSpPr>
-            <p:spPr>
-              <a:xfrm>
-                <a:off x="8654249" y="2970143"/>
-                <a:ext cx="536093" cy="550507"/>
-              </a:xfrm>
-              <a:prstGeom prst="rect">
-                <a:avLst/>
-              </a:prstGeom>
-              <a:solidFill>
-                <a:schemeClr val="tx1"/>
-              </a:solidFill>
-              <a:ln>
-                <a:solidFill>
-                  <a:schemeClr val="tx1"/>
-                </a:solidFill>
-              </a:ln>
-            </p:spPr>
-            <p:style>
-              <a:lnRef idx="2">
-                <a:schemeClr val="accent1">
-                  <a:shade val="50000"/>
-                </a:schemeClr>
-              </a:lnRef>
-              <a:fillRef idx="1">
-                <a:schemeClr val="accent1"/>
-              </a:fillRef>
-              <a:effectRef idx="0">
-                <a:schemeClr val="accent1"/>
-              </a:effectRef>
-              <a:fontRef idx="minor">
-                <a:schemeClr val="lt1"/>
-              </a:fontRef>
-            </p:style>
-            <p:txBody>
-              <a:bodyPr rtlCol="0" anchor="ctr"/>
-              <a:lstStyle/>
-              <a:p>
-                <a:pPr algn="ctr"/>
-                <a:r>
-                  <a:rPr lang="en-US" dirty="0"/>
-                  <a:t>24</a:t>
-                </a:r>
-              </a:p>
-            </p:txBody>
-          </p:sp>
-          <p:sp>
-            <p:nvSpPr>
-              <p:cNvPr id="20" name="Rectangle 19"/>
-              <p:cNvSpPr/>
-              <p:nvPr/>
-            </p:nvSpPr>
-            <p:spPr>
-              <a:xfrm>
-                <a:off x="8654249" y="3553620"/>
-                <a:ext cx="536093" cy="550507"/>
-              </a:xfrm>
-              <a:prstGeom prst="rect">
-                <a:avLst/>
-              </a:prstGeom>
-              <a:solidFill>
-                <a:schemeClr val="tx1"/>
-              </a:solidFill>
-              <a:ln>
-                <a:solidFill>
-                  <a:schemeClr val="tx1"/>
-                </a:solidFill>
-              </a:ln>
-            </p:spPr>
-            <p:style>
-              <a:lnRef idx="2">
-                <a:schemeClr val="accent1">
-                  <a:shade val="50000"/>
-                </a:schemeClr>
-              </a:lnRef>
-              <a:fillRef idx="1">
-                <a:schemeClr val="accent1"/>
-              </a:fillRef>
-              <a:effectRef idx="0">
-                <a:schemeClr val="accent1"/>
-              </a:effectRef>
-              <a:fontRef idx="minor">
-                <a:schemeClr val="lt1"/>
-              </a:fontRef>
-            </p:style>
-            <p:txBody>
-              <a:bodyPr rtlCol="0" anchor="ctr"/>
-              <a:lstStyle/>
-              <a:p>
-                <a:pPr algn="ctr"/>
-                <a:r>
-                  <a:rPr lang="en-US" dirty="0"/>
-                  <a:t>24</a:t>
-                </a:r>
-              </a:p>
-            </p:txBody>
-          </p:sp>
-          <p:sp>
-            <p:nvSpPr>
-              <p:cNvPr id="21" name="Rectangle 20"/>
-              <p:cNvSpPr/>
-              <p:nvPr/>
-            </p:nvSpPr>
-            <p:spPr>
-              <a:xfrm>
-                <a:off x="8105060" y="3520650"/>
-                <a:ext cx="536093" cy="550507"/>
-              </a:xfrm>
-              <a:prstGeom prst="rect">
-                <a:avLst/>
-              </a:prstGeom>
-              <a:solidFill>
-                <a:schemeClr val="tx1"/>
-              </a:solidFill>
-              <a:ln>
-                <a:solidFill>
-                  <a:schemeClr val="tx1"/>
-                </a:solidFill>
-              </a:ln>
-            </p:spPr>
-            <p:style>
-              <a:lnRef idx="2">
-                <a:schemeClr val="accent1">
-                  <a:shade val="50000"/>
-                </a:schemeClr>
-              </a:lnRef>
-              <a:fillRef idx="1">
-                <a:schemeClr val="accent1"/>
-              </a:fillRef>
-              <a:effectRef idx="0">
-                <a:schemeClr val="accent1"/>
-              </a:effectRef>
-              <a:fontRef idx="minor">
-                <a:schemeClr val="lt1"/>
-              </a:fontRef>
-            </p:style>
-            <p:txBody>
-              <a:bodyPr rtlCol="0" anchor="ctr"/>
-              <a:lstStyle/>
-              <a:p>
-                <a:pPr algn="ctr"/>
-                <a:r>
-                  <a:rPr lang="en-US" dirty="0"/>
-                  <a:t>24</a:t>
-                </a:r>
-              </a:p>
-            </p:txBody>
-          </p:sp>
-        </p:grpSp>
-      </p:grpSp>
-      <p:sp>
-        <p:nvSpPr>
-          <p:cNvPr id="3" name="TextBox 2"/>
-          <p:cNvSpPr txBox="1"/>
-          <p:nvPr/>
-        </p:nvSpPr>
+        </p:nvPicPr>
+        <p:blipFill>
+          <a:blip r:embed="rId3">
+            <a:extLst>
+              <a:ext uri="{28A0092B-C50C-407E-A947-70E740481C1C}">
+                <a14:useLocalDpi xmlns:a14="http://schemas.microsoft.com/office/drawing/2010/main" val="0"/>
+              </a:ext>
+            </a:extLst>
+          </a:blip>
+          <a:stretch>
+            <a:fillRect/>
+          </a:stretch>
+        </p:blipFill>
         <p:spPr>
           <a:xfrm>
-            <a:off x="1449688" y="4777234"/>
-            <a:ext cx="8724122" cy="1477328"/>
+            <a:off x="3937322" y="1199623"/>
+            <a:ext cx="4240816" cy="4434683"/>
           </a:xfrm>
           <a:prstGeom prst="rect">
             <a:avLst/>
           </a:prstGeom>
-          <a:noFill/>
         </p:spPr>
-        <p:txBody>
-          <a:bodyPr wrap="square" rtlCol="0">
-            <a:spAutoFit/>
-          </a:bodyPr>
+      </p:pic>
+      <p:sp>
+        <p:nvSpPr>
+          <p:cNvPr id="5" name="Rectangle 4"/>
+          <p:cNvSpPr/>
+          <p:nvPr/>
+        </p:nvSpPr>
+        <p:spPr>
+          <a:xfrm>
+            <a:off x="5789684" y="2558938"/>
+            <a:ext cx="536093" cy="550507"/>
+          </a:xfrm>
+          <a:prstGeom prst="rect">
+            <a:avLst/>
+          </a:prstGeom>
+          <a:solidFill>
+            <a:schemeClr val="tx1"/>
+          </a:solidFill>
+          <a:ln>
+            <a:solidFill>
+              <a:schemeClr val="tx1"/>
+            </a:solidFill>
+          </a:ln>
+        </p:spPr>
+        <p:style>
+          <a:lnRef idx="2">
+            <a:schemeClr val="accent1">
+              <a:shade val="50000"/>
+            </a:schemeClr>
+          </a:lnRef>
+          <a:fillRef idx="1">
+            <a:schemeClr val="accent1"/>
+          </a:fillRef>
+          <a:effectRef idx="0">
+            <a:schemeClr val="accent1"/>
+          </a:effectRef>
+          <a:fontRef idx="minor">
+            <a:schemeClr val="lt1"/>
+          </a:fontRef>
+        </p:style>
+        <p:txBody>
+          <a:bodyPr rtlCol="0" anchor="ctr"/>
           <a:lstStyle/>
           <a:p>
+            <a:pPr algn="ctr"/>
             <a:r>
               <a:rPr lang="en-US" dirty="0"/>
-              <a:t>Select and occupy a random site, labeling it with number 4N+1, since it is the first cluster. Select another site at random and check neighboring sites to see if any belong to a cluster.</a:t>
-            </a:r>
-          </a:p>
-          <a:p>
+              <a:t>21</a:t>
+            </a:r>
+          </a:p>
+        </p:txBody>
+      </p:sp>
+      <p:sp>
+        <p:nvSpPr>
+          <p:cNvPr id="11" name="Rectangle 10"/>
+          <p:cNvSpPr/>
+          <p:nvPr/>
+        </p:nvSpPr>
+        <p:spPr>
+          <a:xfrm>
+            <a:off x="6325777" y="3123050"/>
+            <a:ext cx="536093" cy="550507"/>
+          </a:xfrm>
+          <a:prstGeom prst="rect">
+            <a:avLst/>
+          </a:prstGeom>
+          <a:solidFill>
+            <a:schemeClr val="tx1"/>
+          </a:solidFill>
+          <a:ln>
+            <a:solidFill>
+              <a:schemeClr val="tx1"/>
+            </a:solidFill>
+          </a:ln>
+        </p:spPr>
+        <p:style>
+          <a:lnRef idx="2">
+            <a:schemeClr val="accent1">
+              <a:shade val="50000"/>
+            </a:schemeClr>
+          </a:lnRef>
+          <a:fillRef idx="1">
+            <a:schemeClr val="accent1"/>
+          </a:fillRef>
+          <a:effectRef idx="0">
+            <a:schemeClr val="accent1"/>
+          </a:effectRef>
+          <a:fontRef idx="minor">
+            <a:schemeClr val="lt1"/>
+          </a:fontRef>
+        </p:style>
+        <p:txBody>
+          <a:bodyPr rtlCol="0" anchor="ctr"/>
+          <a:lstStyle/>
+          <a:p>
+            <a:pPr algn="ctr"/>
             <a:r>
               <a:rPr lang="en-US" dirty="0"/>
-              <a:t>If no, this new site is labeled with next cluster</a:t>
-            </a:r>
-          </a:p>
-          <a:p>
+              <a:t>22</a:t>
+            </a:r>
+          </a:p>
+        </p:txBody>
+      </p:sp>
+      <p:sp>
+        <p:nvSpPr>
+          <p:cNvPr id="12" name="Rectangle 11"/>
+          <p:cNvSpPr/>
+          <p:nvPr/>
+        </p:nvSpPr>
+        <p:spPr>
+          <a:xfrm>
+            <a:off x="5780353" y="3682888"/>
+            <a:ext cx="536093" cy="550507"/>
+          </a:xfrm>
+          <a:prstGeom prst="rect">
+            <a:avLst/>
+          </a:prstGeom>
+          <a:solidFill>
+            <a:schemeClr val="tx1"/>
+          </a:solidFill>
+          <a:ln>
+            <a:solidFill>
+              <a:schemeClr val="tx1"/>
+            </a:solidFill>
+          </a:ln>
+        </p:spPr>
+        <p:style>
+          <a:lnRef idx="2">
+            <a:schemeClr val="accent1">
+              <a:shade val="50000"/>
+            </a:schemeClr>
+          </a:lnRef>
+          <a:fillRef idx="1">
+            <a:schemeClr val="accent1"/>
+          </a:fillRef>
+          <a:effectRef idx="0">
+            <a:schemeClr val="accent1"/>
+          </a:effectRef>
+          <a:fontRef idx="minor">
+            <a:schemeClr val="lt1"/>
+          </a:fontRef>
+        </p:style>
+        <p:txBody>
+          <a:bodyPr rtlCol="0" anchor="ctr"/>
+          <a:lstStyle/>
+          <a:p>
+            <a:pPr algn="ctr"/>
             <a:r>
               <a:rPr lang="en-US" dirty="0"/>
-              <a:t>If yes, we give this mark number to all the neighboring clusters to make them a new bigger cluster.</a:t>
-            </a:r>
+              <a:t>23</a:t>
+            </a:r>
+          </a:p>
+        </p:txBody>
+      </p:sp>
+      <p:sp>
+        <p:nvSpPr>
+          <p:cNvPr id="15" name="Rectangle 14"/>
+          <p:cNvSpPr/>
+          <p:nvPr/>
+        </p:nvSpPr>
+        <p:spPr>
+          <a:xfrm>
+            <a:off x="6325777" y="3683547"/>
+            <a:ext cx="536093" cy="550507"/>
+          </a:xfrm>
+          <a:prstGeom prst="rect">
+            <a:avLst/>
+          </a:prstGeom>
+          <a:solidFill>
+            <a:schemeClr val="tx1"/>
+          </a:solidFill>
+          <a:ln>
+            <a:solidFill>
+              <a:schemeClr val="tx1"/>
+            </a:solidFill>
+          </a:ln>
+        </p:spPr>
+        <p:style>
+          <a:lnRef idx="2">
+            <a:schemeClr val="accent1">
+              <a:shade val="50000"/>
+            </a:schemeClr>
+          </a:lnRef>
+          <a:fillRef idx="1">
+            <a:schemeClr val="accent1"/>
+          </a:fillRef>
+          <a:effectRef idx="0">
+            <a:schemeClr val="accent1"/>
+          </a:effectRef>
+          <a:fontRef idx="minor">
+            <a:schemeClr val="lt1"/>
+          </a:fontRef>
+        </p:style>
+        <p:txBody>
+          <a:bodyPr rtlCol="0" anchor="ctr"/>
+          <a:lstStyle/>
+          <a:p>
+            <a:pPr algn="ctr"/>
+            <a:r>
+              <a:rPr lang="en-US" dirty="0"/>
+              <a:t>24</a:t>
+            </a:r>
+          </a:p>
+        </p:txBody>
+      </p:sp>
+      <p:sp>
+        <p:nvSpPr>
+          <p:cNvPr id="19" name="Rectangle 18"/>
+          <p:cNvSpPr/>
+          <p:nvPr/>
+        </p:nvSpPr>
+        <p:spPr>
+          <a:xfrm>
+            <a:off x="6332325" y="3156019"/>
+            <a:ext cx="536093" cy="550507"/>
+          </a:xfrm>
+          <a:prstGeom prst="rect">
+            <a:avLst/>
+          </a:prstGeom>
+          <a:solidFill>
+            <a:schemeClr val="tx1"/>
+          </a:solidFill>
+          <a:ln>
+            <a:solidFill>
+              <a:schemeClr val="tx1"/>
+            </a:solidFill>
+          </a:ln>
+        </p:spPr>
+        <p:style>
+          <a:lnRef idx="2">
+            <a:schemeClr val="accent1">
+              <a:shade val="50000"/>
+            </a:schemeClr>
+          </a:lnRef>
+          <a:fillRef idx="1">
+            <a:schemeClr val="accent1"/>
+          </a:fillRef>
+          <a:effectRef idx="0">
+            <a:schemeClr val="accent1"/>
+          </a:effectRef>
+          <a:fontRef idx="minor">
+            <a:schemeClr val="lt1"/>
+          </a:fontRef>
+        </p:style>
+        <p:txBody>
+          <a:bodyPr rtlCol="0" anchor="ctr"/>
+          <a:lstStyle/>
+          <a:p>
+            <a:pPr algn="ctr"/>
+            <a:r>
+              <a:rPr lang="en-US" dirty="0" smtClean="0"/>
+              <a:t>24</a:t>
+            </a:r>
+            <a:endParaRPr lang="en-US" dirty="0"/>
+          </a:p>
+        </p:txBody>
+      </p:sp>
+      <p:sp>
+        <p:nvSpPr>
+          <p:cNvPr id="21" name="Rectangle 20"/>
+          <p:cNvSpPr/>
+          <p:nvPr/>
+        </p:nvSpPr>
+        <p:spPr>
+          <a:xfrm>
+            <a:off x="5796232" y="3687209"/>
+            <a:ext cx="536093" cy="550507"/>
+          </a:xfrm>
+          <a:prstGeom prst="rect">
+            <a:avLst/>
+          </a:prstGeom>
+          <a:solidFill>
+            <a:schemeClr val="tx1"/>
+          </a:solidFill>
+          <a:ln>
+            <a:solidFill>
+              <a:schemeClr val="tx1"/>
+            </a:solidFill>
+          </a:ln>
+        </p:spPr>
+        <p:style>
+          <a:lnRef idx="2">
+            <a:schemeClr val="accent1">
+              <a:shade val="50000"/>
+            </a:schemeClr>
+          </a:lnRef>
+          <a:fillRef idx="1">
+            <a:schemeClr val="accent1"/>
+          </a:fillRef>
+          <a:effectRef idx="0">
+            <a:schemeClr val="accent1"/>
+          </a:effectRef>
+          <a:fontRef idx="minor">
+            <a:schemeClr val="lt1"/>
+          </a:fontRef>
+        </p:style>
+        <p:txBody>
+          <a:bodyPr rtlCol="0" anchor="ctr"/>
+          <a:lstStyle/>
+          <a:p>
+            <a:pPr algn="ctr"/>
+            <a:r>
+              <a:rPr lang="en-US" dirty="0"/>
+              <a:t>24</a:t>
+            </a:r>
+          </a:p>
+        </p:txBody>
+      </p:sp>
+      <p:sp>
+        <p:nvSpPr>
+          <p:cNvPr id="25" name="Rectangle 20"/>
+          <p:cNvSpPr/>
+          <p:nvPr/>
+        </p:nvSpPr>
+        <p:spPr>
+          <a:xfrm>
+            <a:off x="5222707" y="3136702"/>
+            <a:ext cx="536093" cy="550507"/>
+          </a:xfrm>
+          <a:prstGeom prst="rect">
+            <a:avLst/>
+          </a:prstGeom>
+          <a:solidFill>
+            <a:schemeClr val="tx1"/>
+          </a:solidFill>
+          <a:ln>
+            <a:solidFill>
+              <a:schemeClr val="tx1"/>
+            </a:solidFill>
+          </a:ln>
+        </p:spPr>
+        <p:style>
+          <a:lnRef idx="2">
+            <a:schemeClr val="accent1">
+              <a:shade val="50000"/>
+            </a:schemeClr>
+          </a:lnRef>
+          <a:fillRef idx="1">
+            <a:schemeClr val="accent1"/>
+          </a:fillRef>
+          <a:effectRef idx="0">
+            <a:schemeClr val="accent1"/>
+          </a:effectRef>
+          <a:fontRef idx="minor">
+            <a:schemeClr val="lt1"/>
+          </a:fontRef>
+        </p:style>
+        <p:txBody>
+          <a:bodyPr rtlCol="0" anchor="ctr"/>
+          <a:lstStyle/>
+          <a:p>
+            <a:pPr algn="ctr"/>
+            <a:r>
+              <a:rPr lang="en-US" dirty="0" smtClean="0"/>
+              <a:t>25</a:t>
+            </a:r>
+            <a:endParaRPr lang="en-US" dirty="0"/>
+          </a:p>
+        </p:txBody>
+      </p:sp>
+      <p:sp>
+        <p:nvSpPr>
+          <p:cNvPr id="30" name="Rectangle 20"/>
+          <p:cNvSpPr/>
+          <p:nvPr/>
+        </p:nvSpPr>
+        <p:spPr>
+          <a:xfrm>
+            <a:off x="5241423" y="3698854"/>
+            <a:ext cx="536093" cy="550507"/>
+          </a:xfrm>
+          <a:prstGeom prst="rect">
+            <a:avLst/>
+          </a:prstGeom>
+          <a:solidFill>
+            <a:schemeClr val="tx1"/>
+          </a:solidFill>
+          <a:ln>
+            <a:solidFill>
+              <a:schemeClr val="tx1"/>
+            </a:solidFill>
+          </a:ln>
+        </p:spPr>
+        <p:style>
+          <a:lnRef idx="2">
+            <a:schemeClr val="accent1">
+              <a:shade val="50000"/>
+            </a:schemeClr>
+          </a:lnRef>
+          <a:fillRef idx="1">
+            <a:schemeClr val="accent1"/>
+          </a:fillRef>
+          <a:effectRef idx="0">
+            <a:schemeClr val="accent1"/>
+          </a:effectRef>
+          <a:fontRef idx="minor">
+            <a:schemeClr val="lt1"/>
+          </a:fontRef>
+        </p:style>
+        <p:txBody>
+          <a:bodyPr rtlCol="0" anchor="ctr"/>
+          <a:lstStyle/>
+          <a:p>
+            <a:pPr algn="ctr"/>
+            <a:r>
+              <a:rPr lang="en-US" dirty="0" smtClean="0"/>
+              <a:t>26</a:t>
+            </a:r>
+            <a:endParaRPr lang="en-US" dirty="0"/>
+          </a:p>
+        </p:txBody>
+      </p:sp>
+      <p:sp>
+        <p:nvSpPr>
+          <p:cNvPr id="31" name="Rectangle 20"/>
+          <p:cNvSpPr/>
+          <p:nvPr/>
+        </p:nvSpPr>
+        <p:spPr>
+          <a:xfrm>
+            <a:off x="5230646" y="3132381"/>
+            <a:ext cx="536093" cy="550507"/>
+          </a:xfrm>
+          <a:prstGeom prst="rect">
+            <a:avLst/>
+          </a:prstGeom>
+          <a:solidFill>
+            <a:schemeClr val="tx1"/>
+          </a:solidFill>
+          <a:ln>
+            <a:solidFill>
+              <a:schemeClr val="tx1"/>
+            </a:solidFill>
+          </a:ln>
+        </p:spPr>
+        <p:style>
+          <a:lnRef idx="2">
+            <a:schemeClr val="accent1">
+              <a:shade val="50000"/>
+            </a:schemeClr>
+          </a:lnRef>
+          <a:fillRef idx="1">
+            <a:schemeClr val="accent1"/>
+          </a:fillRef>
+          <a:effectRef idx="0">
+            <a:schemeClr val="accent1"/>
+          </a:effectRef>
+          <a:fontRef idx="minor">
+            <a:schemeClr val="lt1"/>
+          </a:fontRef>
+        </p:style>
+        <p:txBody>
+          <a:bodyPr rtlCol="0" anchor="ctr"/>
+          <a:lstStyle/>
+          <a:p>
+            <a:pPr algn="ctr"/>
+            <a:r>
+              <a:rPr lang="en-US" dirty="0" smtClean="0"/>
+              <a:t>26</a:t>
+            </a:r>
+            <a:endParaRPr lang="en-US" dirty="0"/>
+          </a:p>
+        </p:txBody>
+      </p:sp>
+      <p:sp>
+        <p:nvSpPr>
+          <p:cNvPr id="32" name="Rectangle 20"/>
+          <p:cNvSpPr/>
+          <p:nvPr/>
+        </p:nvSpPr>
+        <p:spPr>
+          <a:xfrm>
+            <a:off x="5796231" y="3679359"/>
+            <a:ext cx="536093" cy="550507"/>
+          </a:xfrm>
+          <a:prstGeom prst="rect">
+            <a:avLst/>
+          </a:prstGeom>
+          <a:solidFill>
+            <a:schemeClr val="tx1"/>
+          </a:solidFill>
+          <a:ln>
+            <a:solidFill>
+              <a:schemeClr val="tx1"/>
+            </a:solidFill>
+          </a:ln>
+        </p:spPr>
+        <p:style>
+          <a:lnRef idx="2">
+            <a:schemeClr val="accent1">
+              <a:shade val="50000"/>
+            </a:schemeClr>
+          </a:lnRef>
+          <a:fillRef idx="1">
+            <a:schemeClr val="accent1"/>
+          </a:fillRef>
+          <a:effectRef idx="0">
+            <a:schemeClr val="accent1"/>
+          </a:effectRef>
+          <a:fontRef idx="minor">
+            <a:schemeClr val="lt1"/>
+          </a:fontRef>
+        </p:style>
+        <p:txBody>
+          <a:bodyPr rtlCol="0" anchor="ctr"/>
+          <a:lstStyle/>
+          <a:p>
+            <a:pPr algn="ctr"/>
+            <a:r>
+              <a:rPr lang="en-US" dirty="0" smtClean="0"/>
+              <a:t>26</a:t>
+            </a:r>
+            <a:endParaRPr lang="en-US" dirty="0"/>
+          </a:p>
+        </p:txBody>
+      </p:sp>
+      <p:sp>
+        <p:nvSpPr>
+          <p:cNvPr id="33" name="Rectangle 20"/>
+          <p:cNvSpPr/>
+          <p:nvPr/>
+        </p:nvSpPr>
+        <p:spPr>
+          <a:xfrm>
+            <a:off x="6313609" y="3681407"/>
+            <a:ext cx="536093" cy="550507"/>
+          </a:xfrm>
+          <a:prstGeom prst="rect">
+            <a:avLst/>
+          </a:prstGeom>
+          <a:solidFill>
+            <a:schemeClr val="tx1"/>
+          </a:solidFill>
+          <a:ln>
+            <a:solidFill>
+              <a:schemeClr val="tx1"/>
+            </a:solidFill>
+          </a:ln>
+        </p:spPr>
+        <p:style>
+          <a:lnRef idx="2">
+            <a:schemeClr val="accent1">
+              <a:shade val="50000"/>
+            </a:schemeClr>
+          </a:lnRef>
+          <a:fillRef idx="1">
+            <a:schemeClr val="accent1"/>
+          </a:fillRef>
+          <a:effectRef idx="0">
+            <a:schemeClr val="accent1"/>
+          </a:effectRef>
+          <a:fontRef idx="minor">
+            <a:schemeClr val="lt1"/>
+          </a:fontRef>
+        </p:style>
+        <p:txBody>
+          <a:bodyPr rtlCol="0" anchor="ctr"/>
+          <a:lstStyle/>
+          <a:p>
+            <a:pPr algn="ctr"/>
+            <a:r>
+              <a:rPr lang="en-US" dirty="0" smtClean="0"/>
+              <a:t>26</a:t>
+            </a:r>
+            <a:endParaRPr lang="en-US" dirty="0"/>
+          </a:p>
+        </p:txBody>
+      </p:sp>
+      <p:sp>
+        <p:nvSpPr>
+          <p:cNvPr id="34" name="Rectangle 20"/>
+          <p:cNvSpPr/>
+          <p:nvPr/>
+        </p:nvSpPr>
+        <p:spPr>
+          <a:xfrm>
+            <a:off x="6318676" y="3156019"/>
+            <a:ext cx="536093" cy="550507"/>
+          </a:xfrm>
+          <a:prstGeom prst="rect">
+            <a:avLst/>
+          </a:prstGeom>
+          <a:solidFill>
+            <a:schemeClr val="tx1"/>
+          </a:solidFill>
+          <a:ln>
+            <a:solidFill>
+              <a:schemeClr val="tx1"/>
+            </a:solidFill>
+          </a:ln>
+        </p:spPr>
+        <p:style>
+          <a:lnRef idx="2">
+            <a:schemeClr val="accent1">
+              <a:shade val="50000"/>
+            </a:schemeClr>
+          </a:lnRef>
+          <a:fillRef idx="1">
+            <a:schemeClr val="accent1"/>
+          </a:fillRef>
+          <a:effectRef idx="0">
+            <a:schemeClr val="accent1"/>
+          </a:effectRef>
+          <a:fontRef idx="minor">
+            <a:schemeClr val="lt1"/>
+          </a:fontRef>
+        </p:style>
+        <p:txBody>
+          <a:bodyPr rtlCol="0" anchor="ctr"/>
+          <a:lstStyle/>
+          <a:p>
+            <a:pPr algn="ctr"/>
+            <a:r>
+              <a:rPr lang="en-US" dirty="0" smtClean="0"/>
+              <a:t>26</a:t>
+            </a:r>
+            <a:endParaRPr lang="en-US" dirty="0"/>
+          </a:p>
+        </p:txBody>
+      </p:sp>
+      <p:sp>
+        <p:nvSpPr>
+          <p:cNvPr id="35" name="Rectangle 20"/>
+          <p:cNvSpPr/>
+          <p:nvPr/>
+        </p:nvSpPr>
+        <p:spPr>
+          <a:xfrm>
+            <a:off x="4706693" y="2558937"/>
+            <a:ext cx="536093" cy="550507"/>
+          </a:xfrm>
+          <a:prstGeom prst="rect">
+            <a:avLst/>
+          </a:prstGeom>
+          <a:solidFill>
+            <a:schemeClr val="tx1"/>
+          </a:solidFill>
+          <a:ln>
+            <a:solidFill>
+              <a:schemeClr val="tx1"/>
+            </a:solidFill>
+          </a:ln>
+        </p:spPr>
+        <p:style>
+          <a:lnRef idx="2">
+            <a:schemeClr val="accent1">
+              <a:shade val="50000"/>
+            </a:schemeClr>
+          </a:lnRef>
+          <a:fillRef idx="1">
+            <a:schemeClr val="accent1"/>
+          </a:fillRef>
+          <a:effectRef idx="0">
+            <a:schemeClr val="accent1"/>
+          </a:effectRef>
+          <a:fontRef idx="minor">
+            <a:schemeClr val="lt1"/>
+          </a:fontRef>
+        </p:style>
+        <p:txBody>
+          <a:bodyPr rtlCol="0" anchor="ctr"/>
+          <a:lstStyle/>
+          <a:p>
+            <a:pPr algn="ctr"/>
+            <a:r>
+              <a:rPr lang="en-US" dirty="0" smtClean="0"/>
+              <a:t>27</a:t>
+            </a:r>
+            <a:endParaRPr lang="en-US" dirty="0"/>
+          </a:p>
+        </p:txBody>
+      </p:sp>
+      <p:sp>
+        <p:nvSpPr>
+          <p:cNvPr id="36" name="Rectangle 20"/>
+          <p:cNvSpPr/>
+          <p:nvPr/>
+        </p:nvSpPr>
+        <p:spPr>
+          <a:xfrm>
+            <a:off x="4173874" y="2560350"/>
+            <a:ext cx="536093" cy="550507"/>
+          </a:xfrm>
+          <a:prstGeom prst="rect">
+            <a:avLst/>
+          </a:prstGeom>
+          <a:solidFill>
+            <a:schemeClr val="tx1"/>
+          </a:solidFill>
+          <a:ln>
+            <a:solidFill>
+              <a:schemeClr val="tx1"/>
+            </a:solidFill>
+          </a:ln>
+        </p:spPr>
+        <p:style>
+          <a:lnRef idx="2">
+            <a:schemeClr val="accent1">
+              <a:shade val="50000"/>
+            </a:schemeClr>
+          </a:lnRef>
+          <a:fillRef idx="1">
+            <a:schemeClr val="accent1"/>
+          </a:fillRef>
+          <a:effectRef idx="0">
+            <a:schemeClr val="accent1"/>
+          </a:effectRef>
+          <a:fontRef idx="minor">
+            <a:schemeClr val="lt1"/>
+          </a:fontRef>
+        </p:style>
+        <p:txBody>
+          <a:bodyPr rtlCol="0" anchor="ctr"/>
+          <a:lstStyle/>
+          <a:p>
+            <a:pPr algn="ctr"/>
+            <a:r>
+              <a:rPr lang="en-US" dirty="0" smtClean="0"/>
+              <a:t>27</a:t>
+            </a:r>
+            <a:endParaRPr lang="en-US" dirty="0"/>
           </a:p>
         </p:txBody>
       </p:sp>
@@ -3912,6 +4997,722 @@
   <p:clrMapOvr>
     <a:masterClrMapping/>
   </p:clrMapOvr>
+  <p:timing>
+    <p:tnLst>
+      <p:par>
+        <p:cTn id="1" dur="indefinite" restart="never" nodeType="tmRoot">
+          <p:childTnLst>
+            <p:seq concurrent="1" nextAc="seek">
+              <p:cTn id="2" dur="indefinite" nodeType="mainSeq">
+                <p:childTnLst>
+                  <p:par>
+                    <p:cTn id="3" fill="hold">
+                      <p:stCondLst>
+                        <p:cond delay="indefinite"/>
+                      </p:stCondLst>
+                      <p:childTnLst>
+                        <p:par>
+                          <p:cTn id="4" fill="hold">
+                            <p:stCondLst>
+                              <p:cond delay="0"/>
+                            </p:stCondLst>
+                            <p:childTnLst>
+                              <p:par>
+                                <p:cTn id="5" presetID="6" presetClass="entr" presetSubtype="32" fill="hold" grpId="0" nodeType="clickEffect">
+                                  <p:stCondLst>
+                                    <p:cond delay="0"/>
+                                  </p:stCondLst>
+                                  <p:childTnLst>
+                                    <p:set>
+                                      <p:cBhvr>
+                                        <p:cTn id="6" dur="1" fill="hold">
+                                          <p:stCondLst>
+                                            <p:cond delay="0"/>
+                                          </p:stCondLst>
+                                        </p:cTn>
+                                        <p:tgtEl>
+                                          <p:spTgt spid="5"/>
+                                        </p:tgtEl>
+                                        <p:attrNameLst>
+                                          <p:attrName>style.visibility</p:attrName>
+                                        </p:attrNameLst>
+                                      </p:cBhvr>
+                                      <p:to>
+                                        <p:strVal val="visible"/>
+                                      </p:to>
+                                    </p:set>
+                                    <p:animEffect transition="in" filter="circle(out)">
+                                      <p:cBhvr>
+                                        <p:cTn id="7" dur="500"/>
+                                        <p:tgtEl>
+                                          <p:spTgt spid="5"/>
+                                        </p:tgtEl>
+                                      </p:cBhvr>
+                                    </p:animEffect>
+                                  </p:childTnLst>
+                                </p:cTn>
+                              </p:par>
+                            </p:childTnLst>
+                          </p:cTn>
+                        </p:par>
+                      </p:childTnLst>
+                    </p:cTn>
+                  </p:par>
+                  <p:par>
+                    <p:cTn id="8" fill="hold">
+                      <p:stCondLst>
+                        <p:cond delay="indefinite"/>
+                      </p:stCondLst>
+                      <p:childTnLst>
+                        <p:par>
+                          <p:cTn id="9" fill="hold">
+                            <p:stCondLst>
+                              <p:cond delay="0"/>
+                            </p:stCondLst>
+                            <p:childTnLst>
+                              <p:par>
+                                <p:cTn id="10" presetID="6" presetClass="entr" presetSubtype="32" fill="hold" grpId="0" nodeType="clickEffect">
+                                  <p:stCondLst>
+                                    <p:cond delay="0"/>
+                                  </p:stCondLst>
+                                  <p:childTnLst>
+                                    <p:set>
+                                      <p:cBhvr>
+                                        <p:cTn id="11" dur="1" fill="hold">
+                                          <p:stCondLst>
+                                            <p:cond delay="0"/>
+                                          </p:stCondLst>
+                                        </p:cTn>
+                                        <p:tgtEl>
+                                          <p:spTgt spid="11"/>
+                                        </p:tgtEl>
+                                        <p:attrNameLst>
+                                          <p:attrName>style.visibility</p:attrName>
+                                        </p:attrNameLst>
+                                      </p:cBhvr>
+                                      <p:to>
+                                        <p:strVal val="visible"/>
+                                      </p:to>
+                                    </p:set>
+                                    <p:animEffect transition="in" filter="circle(out)">
+                                      <p:cBhvr>
+                                        <p:cTn id="12" dur="500"/>
+                                        <p:tgtEl>
+                                          <p:spTgt spid="11"/>
+                                        </p:tgtEl>
+                                      </p:cBhvr>
+                                    </p:animEffect>
+                                  </p:childTnLst>
+                                </p:cTn>
+                              </p:par>
+                            </p:childTnLst>
+                          </p:cTn>
+                        </p:par>
+                      </p:childTnLst>
+                    </p:cTn>
+                  </p:par>
+                  <p:par>
+                    <p:cTn id="13" fill="hold">
+                      <p:stCondLst>
+                        <p:cond delay="indefinite"/>
+                      </p:stCondLst>
+                      <p:childTnLst>
+                        <p:par>
+                          <p:cTn id="14" fill="hold">
+                            <p:stCondLst>
+                              <p:cond delay="0"/>
+                            </p:stCondLst>
+                            <p:childTnLst>
+                              <p:par>
+                                <p:cTn id="15" presetID="6" presetClass="entr" presetSubtype="32" fill="hold" grpId="0" nodeType="clickEffect">
+                                  <p:stCondLst>
+                                    <p:cond delay="0"/>
+                                  </p:stCondLst>
+                                  <p:childTnLst>
+                                    <p:set>
+                                      <p:cBhvr>
+                                        <p:cTn id="16" dur="1" fill="hold">
+                                          <p:stCondLst>
+                                            <p:cond delay="0"/>
+                                          </p:stCondLst>
+                                        </p:cTn>
+                                        <p:tgtEl>
+                                          <p:spTgt spid="12"/>
+                                        </p:tgtEl>
+                                        <p:attrNameLst>
+                                          <p:attrName>style.visibility</p:attrName>
+                                        </p:attrNameLst>
+                                      </p:cBhvr>
+                                      <p:to>
+                                        <p:strVal val="visible"/>
+                                      </p:to>
+                                    </p:set>
+                                    <p:animEffect transition="in" filter="circle(out)">
+                                      <p:cBhvr>
+                                        <p:cTn id="17" dur="500"/>
+                                        <p:tgtEl>
+                                          <p:spTgt spid="12"/>
+                                        </p:tgtEl>
+                                      </p:cBhvr>
+                                    </p:animEffect>
+                                  </p:childTnLst>
+                                </p:cTn>
+                              </p:par>
+                            </p:childTnLst>
+                          </p:cTn>
+                        </p:par>
+                      </p:childTnLst>
+                    </p:cTn>
+                  </p:par>
+                  <p:par>
+                    <p:cTn id="18" fill="hold">
+                      <p:stCondLst>
+                        <p:cond delay="indefinite"/>
+                      </p:stCondLst>
+                      <p:childTnLst>
+                        <p:par>
+                          <p:cTn id="19" fill="hold">
+                            <p:stCondLst>
+                              <p:cond delay="0"/>
+                            </p:stCondLst>
+                            <p:childTnLst>
+                              <p:par>
+                                <p:cTn id="20" presetID="6" presetClass="entr" presetSubtype="32" fill="hold" grpId="0" nodeType="clickEffect">
+                                  <p:stCondLst>
+                                    <p:cond delay="0"/>
+                                  </p:stCondLst>
+                                  <p:childTnLst>
+                                    <p:set>
+                                      <p:cBhvr>
+                                        <p:cTn id="21" dur="1" fill="hold">
+                                          <p:stCondLst>
+                                            <p:cond delay="0"/>
+                                          </p:stCondLst>
+                                        </p:cTn>
+                                        <p:tgtEl>
+                                          <p:spTgt spid="15"/>
+                                        </p:tgtEl>
+                                        <p:attrNameLst>
+                                          <p:attrName>style.visibility</p:attrName>
+                                        </p:attrNameLst>
+                                      </p:cBhvr>
+                                      <p:to>
+                                        <p:strVal val="visible"/>
+                                      </p:to>
+                                    </p:set>
+                                    <p:animEffect transition="in" filter="circle(out)">
+                                      <p:cBhvr>
+                                        <p:cTn id="22" dur="500"/>
+                                        <p:tgtEl>
+                                          <p:spTgt spid="15"/>
+                                        </p:tgtEl>
+                                      </p:cBhvr>
+                                    </p:animEffect>
+                                  </p:childTnLst>
+                                </p:cTn>
+                              </p:par>
+                            </p:childTnLst>
+                          </p:cTn>
+                        </p:par>
+                      </p:childTnLst>
+                    </p:cTn>
+                  </p:par>
+                  <p:par>
+                    <p:cTn id="23" fill="hold">
+                      <p:stCondLst>
+                        <p:cond delay="indefinite"/>
+                      </p:stCondLst>
+                      <p:childTnLst>
+                        <p:par>
+                          <p:cTn id="24" fill="hold">
+                            <p:stCondLst>
+                              <p:cond delay="0"/>
+                            </p:stCondLst>
+                            <p:childTnLst>
+                              <p:par>
+                                <p:cTn id="25" presetID="10" presetClass="entr" presetSubtype="0" fill="hold" grpId="0" nodeType="clickEffect">
+                                  <p:stCondLst>
+                                    <p:cond delay="0"/>
+                                  </p:stCondLst>
+                                  <p:childTnLst>
+                                    <p:set>
+                                      <p:cBhvr>
+                                        <p:cTn id="26" dur="1" fill="hold">
+                                          <p:stCondLst>
+                                            <p:cond delay="0"/>
+                                          </p:stCondLst>
+                                        </p:cTn>
+                                        <p:tgtEl>
+                                          <p:spTgt spid="19"/>
+                                        </p:tgtEl>
+                                        <p:attrNameLst>
+                                          <p:attrName>style.visibility</p:attrName>
+                                        </p:attrNameLst>
+                                      </p:cBhvr>
+                                      <p:to>
+                                        <p:strVal val="visible"/>
+                                      </p:to>
+                                    </p:set>
+                                    <p:animEffect transition="in" filter="fade">
+                                      <p:cBhvr>
+                                        <p:cTn id="27" dur="500"/>
+                                        <p:tgtEl>
+                                          <p:spTgt spid="19"/>
+                                        </p:tgtEl>
+                                      </p:cBhvr>
+                                    </p:animEffect>
+                                  </p:childTnLst>
+                                </p:cTn>
+                              </p:par>
+                              <p:par>
+                                <p:cTn id="28" presetID="10" presetClass="entr" presetSubtype="0" fill="hold" grpId="0" nodeType="withEffect">
+                                  <p:stCondLst>
+                                    <p:cond delay="0"/>
+                                  </p:stCondLst>
+                                  <p:childTnLst>
+                                    <p:set>
+                                      <p:cBhvr>
+                                        <p:cTn id="29" dur="1" fill="hold">
+                                          <p:stCondLst>
+                                            <p:cond delay="0"/>
+                                          </p:stCondLst>
+                                        </p:cTn>
+                                        <p:tgtEl>
+                                          <p:spTgt spid="21"/>
+                                        </p:tgtEl>
+                                        <p:attrNameLst>
+                                          <p:attrName>style.visibility</p:attrName>
+                                        </p:attrNameLst>
+                                      </p:cBhvr>
+                                      <p:to>
+                                        <p:strVal val="visible"/>
+                                      </p:to>
+                                    </p:set>
+                                    <p:animEffect transition="in" filter="fade">
+                                      <p:cBhvr>
+                                        <p:cTn id="30" dur="500"/>
+                                        <p:tgtEl>
+                                          <p:spTgt spid="21"/>
+                                        </p:tgtEl>
+                                      </p:cBhvr>
+                                    </p:animEffect>
+                                  </p:childTnLst>
+                                </p:cTn>
+                              </p:par>
+                            </p:childTnLst>
+                          </p:cTn>
+                        </p:par>
+                      </p:childTnLst>
+                    </p:cTn>
+                  </p:par>
+                  <p:par>
+                    <p:cTn id="31" fill="hold">
+                      <p:stCondLst>
+                        <p:cond delay="indefinite"/>
+                      </p:stCondLst>
+                      <p:childTnLst>
+                        <p:par>
+                          <p:cTn id="32" fill="hold">
+                            <p:stCondLst>
+                              <p:cond delay="0"/>
+                            </p:stCondLst>
+                            <p:childTnLst>
+                              <p:par>
+                                <p:cTn id="33" presetID="10" presetClass="entr" presetSubtype="0" fill="hold" grpId="0" nodeType="clickEffect">
+                                  <p:stCondLst>
+                                    <p:cond delay="0"/>
+                                  </p:stCondLst>
+                                  <p:childTnLst>
+                                    <p:set>
+                                      <p:cBhvr>
+                                        <p:cTn id="34" dur="1" fill="hold">
+                                          <p:stCondLst>
+                                            <p:cond delay="0"/>
+                                          </p:stCondLst>
+                                        </p:cTn>
+                                        <p:tgtEl>
+                                          <p:spTgt spid="25"/>
+                                        </p:tgtEl>
+                                        <p:attrNameLst>
+                                          <p:attrName>style.visibility</p:attrName>
+                                        </p:attrNameLst>
+                                      </p:cBhvr>
+                                      <p:to>
+                                        <p:strVal val="visible"/>
+                                      </p:to>
+                                    </p:set>
+                                    <p:animEffect transition="in" filter="fade">
+                                      <p:cBhvr>
+                                        <p:cTn id="35" dur="500"/>
+                                        <p:tgtEl>
+                                          <p:spTgt spid="25"/>
+                                        </p:tgtEl>
+                                      </p:cBhvr>
+                                    </p:animEffect>
+                                  </p:childTnLst>
+                                </p:cTn>
+                              </p:par>
+                            </p:childTnLst>
+                          </p:cTn>
+                        </p:par>
+                      </p:childTnLst>
+                    </p:cTn>
+                  </p:par>
+                  <p:par>
+                    <p:cTn id="36" fill="hold">
+                      <p:stCondLst>
+                        <p:cond delay="indefinite"/>
+                      </p:stCondLst>
+                      <p:childTnLst>
+                        <p:par>
+                          <p:cTn id="37" fill="hold">
+                            <p:stCondLst>
+                              <p:cond delay="0"/>
+                            </p:stCondLst>
+                            <p:childTnLst>
+                              <p:par>
+                                <p:cTn id="38" presetID="10" presetClass="entr" presetSubtype="0" fill="hold" grpId="0" nodeType="clickEffect">
+                                  <p:stCondLst>
+                                    <p:cond delay="0"/>
+                                  </p:stCondLst>
+                                  <p:childTnLst>
+                                    <p:set>
+                                      <p:cBhvr>
+                                        <p:cTn id="39" dur="1" fill="hold">
+                                          <p:stCondLst>
+                                            <p:cond delay="0"/>
+                                          </p:stCondLst>
+                                        </p:cTn>
+                                        <p:tgtEl>
+                                          <p:spTgt spid="30"/>
+                                        </p:tgtEl>
+                                        <p:attrNameLst>
+                                          <p:attrName>style.visibility</p:attrName>
+                                        </p:attrNameLst>
+                                      </p:cBhvr>
+                                      <p:to>
+                                        <p:strVal val="visible"/>
+                                      </p:to>
+                                    </p:set>
+                                    <p:animEffect transition="in" filter="fade">
+                                      <p:cBhvr>
+                                        <p:cTn id="40" dur="500"/>
+                                        <p:tgtEl>
+                                          <p:spTgt spid="30"/>
+                                        </p:tgtEl>
+                                      </p:cBhvr>
+                                    </p:animEffect>
+                                  </p:childTnLst>
+                                </p:cTn>
+                              </p:par>
+                            </p:childTnLst>
+                          </p:cTn>
+                        </p:par>
+                      </p:childTnLst>
+                    </p:cTn>
+                  </p:par>
+                  <p:par>
+                    <p:cTn id="41" fill="hold">
+                      <p:stCondLst>
+                        <p:cond delay="indefinite"/>
+                      </p:stCondLst>
+                      <p:childTnLst>
+                        <p:par>
+                          <p:cTn id="42" fill="hold">
+                            <p:stCondLst>
+                              <p:cond delay="0"/>
+                            </p:stCondLst>
+                            <p:childTnLst>
+                              <p:par>
+                                <p:cTn id="43" presetID="10" presetClass="entr" presetSubtype="0" fill="hold" grpId="0" nodeType="clickEffect">
+                                  <p:stCondLst>
+                                    <p:cond delay="0"/>
+                                  </p:stCondLst>
+                                  <p:childTnLst>
+                                    <p:set>
+                                      <p:cBhvr>
+                                        <p:cTn id="44" dur="1" fill="hold">
+                                          <p:stCondLst>
+                                            <p:cond delay="0"/>
+                                          </p:stCondLst>
+                                        </p:cTn>
+                                        <p:tgtEl>
+                                          <p:spTgt spid="31"/>
+                                        </p:tgtEl>
+                                        <p:attrNameLst>
+                                          <p:attrName>style.visibility</p:attrName>
+                                        </p:attrNameLst>
+                                      </p:cBhvr>
+                                      <p:to>
+                                        <p:strVal val="visible"/>
+                                      </p:to>
+                                    </p:set>
+                                    <p:animEffect transition="in" filter="fade">
+                                      <p:cBhvr>
+                                        <p:cTn id="45" dur="500"/>
+                                        <p:tgtEl>
+                                          <p:spTgt spid="31"/>
+                                        </p:tgtEl>
+                                      </p:cBhvr>
+                                    </p:animEffect>
+                                  </p:childTnLst>
+                                </p:cTn>
+                              </p:par>
+                              <p:par>
+                                <p:cTn id="46" presetID="10" presetClass="entr" presetSubtype="0" fill="hold" grpId="0" nodeType="withEffect">
+                                  <p:stCondLst>
+                                    <p:cond delay="0"/>
+                                  </p:stCondLst>
+                                  <p:childTnLst>
+                                    <p:set>
+                                      <p:cBhvr>
+                                        <p:cTn id="47" dur="1" fill="hold">
+                                          <p:stCondLst>
+                                            <p:cond delay="0"/>
+                                          </p:stCondLst>
+                                        </p:cTn>
+                                        <p:tgtEl>
+                                          <p:spTgt spid="32"/>
+                                        </p:tgtEl>
+                                        <p:attrNameLst>
+                                          <p:attrName>style.visibility</p:attrName>
+                                        </p:attrNameLst>
+                                      </p:cBhvr>
+                                      <p:to>
+                                        <p:strVal val="visible"/>
+                                      </p:to>
+                                    </p:set>
+                                    <p:animEffect transition="in" filter="fade">
+                                      <p:cBhvr>
+                                        <p:cTn id="48" dur="500"/>
+                                        <p:tgtEl>
+                                          <p:spTgt spid="32"/>
+                                        </p:tgtEl>
+                                      </p:cBhvr>
+                                    </p:animEffect>
+                                  </p:childTnLst>
+                                </p:cTn>
+                              </p:par>
+                              <p:par>
+                                <p:cTn id="49" presetID="10" presetClass="entr" presetSubtype="0" fill="hold" grpId="0" nodeType="withEffect">
+                                  <p:stCondLst>
+                                    <p:cond delay="0"/>
+                                  </p:stCondLst>
+                                  <p:childTnLst>
+                                    <p:set>
+                                      <p:cBhvr>
+                                        <p:cTn id="50" dur="1" fill="hold">
+                                          <p:stCondLst>
+                                            <p:cond delay="0"/>
+                                          </p:stCondLst>
+                                        </p:cTn>
+                                        <p:tgtEl>
+                                          <p:spTgt spid="33"/>
+                                        </p:tgtEl>
+                                        <p:attrNameLst>
+                                          <p:attrName>style.visibility</p:attrName>
+                                        </p:attrNameLst>
+                                      </p:cBhvr>
+                                      <p:to>
+                                        <p:strVal val="visible"/>
+                                      </p:to>
+                                    </p:set>
+                                    <p:animEffect transition="in" filter="fade">
+                                      <p:cBhvr>
+                                        <p:cTn id="51" dur="500"/>
+                                        <p:tgtEl>
+                                          <p:spTgt spid="33"/>
+                                        </p:tgtEl>
+                                      </p:cBhvr>
+                                    </p:animEffect>
+                                  </p:childTnLst>
+                                </p:cTn>
+                              </p:par>
+                              <p:par>
+                                <p:cTn id="52" presetID="10" presetClass="entr" presetSubtype="0" fill="hold" grpId="0" nodeType="withEffect">
+                                  <p:stCondLst>
+                                    <p:cond delay="0"/>
+                                  </p:stCondLst>
+                                  <p:childTnLst>
+                                    <p:set>
+                                      <p:cBhvr>
+                                        <p:cTn id="53" dur="1" fill="hold">
+                                          <p:stCondLst>
+                                            <p:cond delay="0"/>
+                                          </p:stCondLst>
+                                        </p:cTn>
+                                        <p:tgtEl>
+                                          <p:spTgt spid="34"/>
+                                        </p:tgtEl>
+                                        <p:attrNameLst>
+                                          <p:attrName>style.visibility</p:attrName>
+                                        </p:attrNameLst>
+                                      </p:cBhvr>
+                                      <p:to>
+                                        <p:strVal val="visible"/>
+                                      </p:to>
+                                    </p:set>
+                                    <p:animEffect transition="in" filter="fade">
+                                      <p:cBhvr>
+                                        <p:cTn id="54" dur="500"/>
+                                        <p:tgtEl>
+                                          <p:spTgt spid="34"/>
+                                        </p:tgtEl>
+                                      </p:cBhvr>
+                                    </p:animEffect>
+                                  </p:childTnLst>
+                                </p:cTn>
+                              </p:par>
+                            </p:childTnLst>
+                          </p:cTn>
+                        </p:par>
+                      </p:childTnLst>
+                    </p:cTn>
+                  </p:par>
+                  <p:par>
+                    <p:cTn id="55" fill="hold">
+                      <p:stCondLst>
+                        <p:cond delay="indefinite"/>
+                      </p:stCondLst>
+                      <p:childTnLst>
+                        <p:par>
+                          <p:cTn id="56" fill="hold">
+                            <p:stCondLst>
+                              <p:cond delay="0"/>
+                            </p:stCondLst>
+                            <p:childTnLst>
+                              <p:par>
+                                <p:cTn id="57" presetID="10" presetClass="entr" presetSubtype="0" fill="hold" grpId="0" nodeType="clickEffect">
+                                  <p:stCondLst>
+                                    <p:cond delay="0"/>
+                                  </p:stCondLst>
+                                  <p:childTnLst>
+                                    <p:set>
+                                      <p:cBhvr>
+                                        <p:cTn id="58" dur="1" fill="hold">
+                                          <p:stCondLst>
+                                            <p:cond delay="0"/>
+                                          </p:stCondLst>
+                                        </p:cTn>
+                                        <p:tgtEl>
+                                          <p:spTgt spid="35"/>
+                                        </p:tgtEl>
+                                        <p:attrNameLst>
+                                          <p:attrName>style.visibility</p:attrName>
+                                        </p:attrNameLst>
+                                      </p:cBhvr>
+                                      <p:to>
+                                        <p:strVal val="visible"/>
+                                      </p:to>
+                                    </p:set>
+                                    <p:animEffect transition="in" filter="fade">
+                                      <p:cBhvr>
+                                        <p:cTn id="59" dur="500"/>
+                                        <p:tgtEl>
+                                          <p:spTgt spid="35"/>
+                                        </p:tgtEl>
+                                      </p:cBhvr>
+                                    </p:animEffect>
+                                  </p:childTnLst>
+                                </p:cTn>
+                              </p:par>
+                            </p:childTnLst>
+                          </p:cTn>
+                        </p:par>
+                      </p:childTnLst>
+                    </p:cTn>
+                  </p:par>
+                  <p:par>
+                    <p:cTn id="60" fill="hold">
+                      <p:stCondLst>
+                        <p:cond delay="indefinite"/>
+                      </p:stCondLst>
+                      <p:childTnLst>
+                        <p:par>
+                          <p:cTn id="61" fill="hold">
+                            <p:stCondLst>
+                              <p:cond delay="0"/>
+                            </p:stCondLst>
+                            <p:childTnLst>
+                              <p:par>
+                                <p:cTn id="62" presetID="10" presetClass="entr" presetSubtype="0" fill="hold" grpId="0" nodeType="clickEffect">
+                                  <p:stCondLst>
+                                    <p:cond delay="0"/>
+                                  </p:stCondLst>
+                                  <p:childTnLst>
+                                    <p:set>
+                                      <p:cBhvr>
+                                        <p:cTn id="63" dur="1" fill="hold">
+                                          <p:stCondLst>
+                                            <p:cond delay="0"/>
+                                          </p:stCondLst>
+                                        </p:cTn>
+                                        <p:tgtEl>
+                                          <p:spTgt spid="36"/>
+                                        </p:tgtEl>
+                                        <p:attrNameLst>
+                                          <p:attrName>style.visibility</p:attrName>
+                                        </p:attrNameLst>
+                                      </p:cBhvr>
+                                      <p:to>
+                                        <p:strVal val="visible"/>
+                                      </p:to>
+                                    </p:set>
+                                    <p:animEffect transition="in" filter="fade">
+                                      <p:cBhvr>
+                                        <p:cTn id="64" dur="500"/>
+                                        <p:tgtEl>
+                                          <p:spTgt spid="36"/>
+                                        </p:tgtEl>
+                                      </p:cBhvr>
+                                    </p:animEffect>
+                                  </p:childTnLst>
+                                </p:cTn>
+                              </p:par>
+                            </p:childTnLst>
+                          </p:cTn>
+                        </p:par>
+                      </p:childTnLst>
+                    </p:cTn>
+                  </p:par>
+                </p:childTnLst>
+              </p:cTn>
+              <p:prevCondLst>
+                <p:cond evt="onPrev" delay="0">
+                  <p:tgtEl>
+                    <p:sldTgt/>
+                  </p:tgtEl>
+                </p:cond>
+              </p:prevCondLst>
+              <p:nextCondLst>
+                <p:cond evt="onNext" delay="0">
+                  <p:tgtEl>
+                    <p:sldTgt/>
+                  </p:tgtEl>
+                </p:cond>
+              </p:nextCondLst>
+            </p:seq>
+          </p:childTnLst>
+        </p:cTn>
+      </p:par>
+    </p:tnLst>
+    <p:bldLst>
+      <p:bldP spid="5" grpId="0" animBg="1"/>
+      <p:bldP spid="11" grpId="0" animBg="1"/>
+      <p:bldP spid="12" grpId="0" animBg="1"/>
+      <p:bldP spid="15" grpId="0" animBg="1"/>
+      <p:bldP spid="19" grpId="0" animBg="1"/>
+      <p:bldP spid="21" grpId="0" animBg="1"/>
+      <p:bldP spid="25" grpId="0" animBg="1"/>
+      <p:bldP spid="30" grpId="0" animBg="1"/>
+      <p:bldP spid="31" grpId="0" animBg="1"/>
+      <p:bldP spid="32" grpId="0" animBg="1"/>
+      <p:bldP spid="33" grpId="0" animBg="1"/>
+      <p:bldP spid="34" grpId="0" animBg="1"/>
+      <p:bldP spid="35" grpId="0" animBg="1"/>
+      <p:bldP spid="36" grpId="0" animBg="1"/>
+    </p:bldLst>
+  </p:timing>
 </p:sld>
 </file>
 
@@ -3934,13 +5735,13 @@
       </p:grpSpPr>
       <p:grpSp>
         <p:nvGrpSpPr>
-          <p:cNvPr id="17" name="Group 16"/>
+          <p:cNvPr id="4" name="Group 3"/>
           <p:cNvGrpSpPr/>
           <p:nvPr/>
         </p:nvGrpSpPr>
         <p:grpSpPr>
           <a:xfrm>
-            <a:off x="1451199" y="356248"/>
+            <a:off x="1482152" y="1081919"/>
             <a:ext cx="4240816" cy="4434683"/>
             <a:chOff x="1451199" y="981400"/>
             <a:chExt cx="4240816" cy="4434683"/>
@@ -3948,7 +5749,7 @@
         </p:grpSpPr>
         <p:grpSp>
           <p:nvGrpSpPr>
-            <p:cNvPr id="4" name="Group 3"/>
+            <p:cNvPr id="5" name="Group 4"/>
             <p:cNvGrpSpPr/>
             <p:nvPr/>
           </p:nvGrpSpPr>
@@ -3962,14 +5763,14 @@
           </p:grpSpPr>
           <p:pic>
             <p:nvPicPr>
-              <p:cNvPr id="5" name="Picture 4"/>
+              <p:cNvPr id="7" name="Picture 6"/>
               <p:cNvPicPr>
                 <a:picLocks noChangeAspect="1"/>
               </p:cNvPicPr>
               <p:nvPr/>
             </p:nvPicPr>
             <p:blipFill>
-              <a:blip r:embed="rId2">
+              <a:blip r:embed="rId3">
                 <a:extLst>
                   <a:ext uri="{28A0092B-C50C-407E-A947-70E740481C1C}">
                     <a14:useLocalDpi xmlns:a14="http://schemas.microsoft.com/office/drawing/2010/main" val="0"/>
@@ -3992,21 +5793,21 @@
           </p:pic>
           <p:grpSp>
             <p:nvGrpSpPr>
-              <p:cNvPr id="6" name="Group 5"/>
+              <p:cNvPr id="8" name="Group 7"/>
               <p:cNvGrpSpPr/>
               <p:nvPr/>
             </p:nvGrpSpPr>
             <p:grpSpPr>
               <a:xfrm>
                 <a:off x="8105060" y="2407296"/>
-                <a:ext cx="1085282" cy="1696831"/>
+                <a:ext cx="1085282" cy="1683183"/>
                 <a:chOff x="8105060" y="2407296"/>
-                <a:chExt cx="1085282" cy="1696831"/>
+                <a:chExt cx="1085282" cy="1683183"/>
               </a:xfrm>
             </p:grpSpPr>
             <p:sp>
               <p:nvSpPr>
-                <p:cNvPr id="7" name="Rectangle 6"/>
+                <p:cNvPr id="9" name="Rectangle 8"/>
                 <p:cNvSpPr/>
                 <p:nvPr/>
               </p:nvSpPr>
@@ -4050,14 +5851,14 @@
                   <a:pPr algn="ctr"/>
                   <a:r>
                     <a:rPr lang="en-US" dirty="0"/>
-                    <a:t>21</a:t>
+                    <a:t>33</a:t>
                   </a:r>
                 </a:p>
               </p:txBody>
             </p:sp>
             <p:sp>
               <p:nvSpPr>
-                <p:cNvPr id="8" name="Rectangle 7"/>
+                <p:cNvPr id="10" name="Rectangle 9"/>
                 <p:cNvSpPr/>
                 <p:nvPr/>
               </p:nvSpPr>
@@ -4101,20 +5902,20 @@
                   <a:pPr algn="ctr"/>
                   <a:r>
                     <a:rPr lang="en-US" dirty="0"/>
-                    <a:t>24</a:t>
+                    <a:t>33</a:t>
                   </a:r>
                 </a:p>
               </p:txBody>
             </p:sp>
             <p:sp>
               <p:nvSpPr>
-                <p:cNvPr id="9" name="Rectangle 8"/>
+                <p:cNvPr id="11" name="Rectangle 10"/>
                 <p:cNvSpPr/>
                 <p:nvPr/>
               </p:nvSpPr>
               <p:spPr>
                 <a:xfrm>
-                  <a:off x="8654249" y="3553620"/>
+                  <a:off x="8654249" y="3539972"/>
                   <a:ext cx="536093" cy="550507"/>
                 </a:xfrm>
                 <a:prstGeom prst="rect">
@@ -4152,14 +5953,14 @@
                   <a:pPr algn="ctr"/>
                   <a:r>
                     <a:rPr lang="en-US" dirty="0"/>
-                    <a:t>24</a:t>
+                    <a:t>33</a:t>
                   </a:r>
                 </a:p>
               </p:txBody>
             </p:sp>
             <p:sp>
               <p:nvSpPr>
-                <p:cNvPr id="10" name="Rectangle 9"/>
+                <p:cNvPr id="12" name="Rectangle 11"/>
                 <p:cNvSpPr/>
                 <p:nvPr/>
               </p:nvSpPr>
@@ -4203,7 +6004,7 @@
                   <a:pPr algn="ctr"/>
                   <a:r>
                     <a:rPr lang="en-US" dirty="0"/>
-                    <a:t>24</a:t>
+                    <a:t>33</a:t>
                   </a:r>
                 </a:p>
               </p:txBody>
@@ -4212,338 +6013,13 @@
         </p:grpSp>
         <p:sp>
           <p:nvSpPr>
-            <p:cNvPr id="11" name="Rectangle 10"/>
+            <p:cNvPr id="6" name="Rectangle 5"/>
             <p:cNvSpPr/>
             <p:nvPr/>
           </p:nvSpPr>
           <p:spPr>
             <a:xfrm>
-              <a:off x="2236497" y="2923489"/>
-              <a:ext cx="536093" cy="550507"/>
-            </a:xfrm>
-            <a:prstGeom prst="rect">
-              <a:avLst/>
-            </a:prstGeom>
-            <a:solidFill>
-              <a:schemeClr val="tx1"/>
-            </a:solidFill>
-          </p:spPr>
-          <p:style>
-            <a:lnRef idx="2">
-              <a:schemeClr val="accent1">
-                <a:shade val="50000"/>
-              </a:schemeClr>
-            </a:lnRef>
-            <a:fillRef idx="1">
-              <a:schemeClr val="accent1"/>
-            </a:fillRef>
-            <a:effectRef idx="0">
-              <a:schemeClr val="accent1"/>
-            </a:effectRef>
-            <a:fontRef idx="minor">
-              <a:schemeClr val="lt1"/>
-            </a:fontRef>
-          </p:style>
-          <p:txBody>
-            <a:bodyPr rtlCol="0" anchor="ctr"/>
-            <a:lstStyle/>
-            <a:p>
-              <a:pPr algn="ctr"/>
-              <a:r>
-                <a:rPr lang="en-US" dirty="0"/>
-                <a:t>25</a:t>
-              </a:r>
-            </a:p>
-          </p:txBody>
-        </p:sp>
-      </p:grpSp>
-      <p:grpSp>
-        <p:nvGrpSpPr>
-          <p:cNvPr id="19" name="Group 18"/>
-          <p:cNvGrpSpPr/>
-          <p:nvPr/>
-        </p:nvGrpSpPr>
-        <p:grpSpPr>
-          <a:xfrm>
-            <a:off x="6477313" y="346917"/>
-            <a:ext cx="4240816" cy="4434683"/>
-            <a:chOff x="1451199" y="981400"/>
-            <a:chExt cx="4240816" cy="4434683"/>
-          </a:xfrm>
-        </p:grpSpPr>
-        <p:grpSp>
-          <p:nvGrpSpPr>
-            <p:cNvPr id="20" name="Group 19"/>
-            <p:cNvGrpSpPr/>
-            <p:nvPr/>
-          </p:nvGrpSpPr>
-          <p:grpSpPr>
-            <a:xfrm>
-              <a:off x="1451199" y="981400"/>
-              <a:ext cx="4240816" cy="4434683"/>
-              <a:chOff x="6265795" y="1046717"/>
-              <a:chExt cx="4240816" cy="4434683"/>
-            </a:xfrm>
-          </p:grpSpPr>
-          <p:pic>
-            <p:nvPicPr>
-              <p:cNvPr id="26" name="Picture 25"/>
-              <p:cNvPicPr>
-                <a:picLocks noChangeAspect="1"/>
-              </p:cNvPicPr>
-              <p:nvPr/>
-            </p:nvPicPr>
-            <p:blipFill>
-              <a:blip r:embed="rId2">
-                <a:extLst>
-                  <a:ext uri="{28A0092B-C50C-407E-A947-70E740481C1C}">
-                    <a14:useLocalDpi xmlns:a14="http://schemas.microsoft.com/office/drawing/2010/main" val="0"/>
-                  </a:ext>
-                </a:extLst>
-              </a:blip>
-              <a:stretch>
-                <a:fillRect/>
-              </a:stretch>
-            </p:blipFill>
-            <p:spPr>
-              <a:xfrm>
-                <a:off x="6265795" y="1046717"/>
-                <a:ext cx="4240816" cy="4434683"/>
-              </a:xfrm>
-              <a:prstGeom prst="rect">
-                <a:avLst/>
-              </a:prstGeom>
-            </p:spPr>
-          </p:pic>
-          <p:grpSp>
-            <p:nvGrpSpPr>
-              <p:cNvPr id="27" name="Group 26"/>
-              <p:cNvGrpSpPr/>
-              <p:nvPr/>
-            </p:nvGrpSpPr>
-            <p:grpSpPr>
-              <a:xfrm>
-                <a:off x="8105060" y="2407296"/>
-                <a:ext cx="1085282" cy="1696831"/>
-                <a:chOff x="8105060" y="2407296"/>
-                <a:chExt cx="1085282" cy="1696831"/>
-              </a:xfrm>
-            </p:grpSpPr>
-            <p:sp>
-              <p:nvSpPr>
-                <p:cNvPr id="28" name="Rectangle 27"/>
-                <p:cNvSpPr/>
-                <p:nvPr/>
-              </p:nvSpPr>
-              <p:spPr>
-                <a:xfrm>
-                  <a:off x="8118156" y="2407296"/>
-                  <a:ext cx="536093" cy="550507"/>
-                </a:xfrm>
-                <a:prstGeom prst="rect">
-                  <a:avLst/>
-                </a:prstGeom>
-                <a:solidFill>
-                  <a:schemeClr val="tx1"/>
-                </a:solidFill>
-                <a:ln>
-                  <a:solidFill>
-                    <a:schemeClr val="tx1"/>
-                  </a:solidFill>
-                </a:ln>
-              </p:spPr>
-              <p:style>
-                <a:lnRef idx="2">
-                  <a:schemeClr val="accent1">
-                    <a:shade val="50000"/>
-                  </a:schemeClr>
-                </a:lnRef>
-                <a:fillRef idx="1">
-                  <a:schemeClr val="accent1"/>
-                </a:fillRef>
-                <a:effectRef idx="0">
-                  <a:schemeClr val="accent1"/>
-                </a:effectRef>
-                <a:fontRef idx="minor">
-                  <a:schemeClr val="lt1"/>
-                </a:fontRef>
-              </p:style>
-              <p:txBody>
-                <a:bodyPr rtlCol="0" anchor="ctr"/>
-                <a:lstStyle/>
-                <a:p>
-                  <a:pPr algn="ctr"/>
-                  <a:r>
-                    <a:rPr lang="en-US" dirty="0"/>
-                    <a:t>21</a:t>
-                  </a:r>
-                </a:p>
-              </p:txBody>
-            </p:sp>
-            <p:sp>
-              <p:nvSpPr>
-                <p:cNvPr id="29" name="Rectangle 28"/>
-                <p:cNvSpPr/>
-                <p:nvPr/>
-              </p:nvSpPr>
-              <p:spPr>
-                <a:xfrm>
-                  <a:off x="8654249" y="2970143"/>
-                  <a:ext cx="536093" cy="550507"/>
-                </a:xfrm>
-                <a:prstGeom prst="rect">
-                  <a:avLst/>
-                </a:prstGeom>
-                <a:solidFill>
-                  <a:schemeClr val="tx1"/>
-                </a:solidFill>
-                <a:ln>
-                  <a:solidFill>
-                    <a:schemeClr val="tx1"/>
-                  </a:solidFill>
-                </a:ln>
-              </p:spPr>
-              <p:style>
-                <a:lnRef idx="2">
-                  <a:schemeClr val="accent1">
-                    <a:shade val="50000"/>
-                  </a:schemeClr>
-                </a:lnRef>
-                <a:fillRef idx="1">
-                  <a:schemeClr val="accent1"/>
-                </a:fillRef>
-                <a:effectRef idx="0">
-                  <a:schemeClr val="accent1"/>
-                </a:effectRef>
-                <a:fontRef idx="minor">
-                  <a:schemeClr val="lt1"/>
-                </a:fontRef>
-              </p:style>
-              <p:txBody>
-                <a:bodyPr rtlCol="0" anchor="ctr"/>
-                <a:lstStyle/>
-                <a:p>
-                  <a:pPr algn="ctr"/>
-                  <a:r>
-                    <a:rPr lang="en-US" dirty="0"/>
-                    <a:t>24</a:t>
-                  </a:r>
-                </a:p>
-              </p:txBody>
-            </p:sp>
-            <p:sp>
-              <p:nvSpPr>
-                <p:cNvPr id="30" name="Rectangle 29"/>
-                <p:cNvSpPr/>
-                <p:nvPr/>
-              </p:nvSpPr>
-              <p:spPr>
-                <a:xfrm>
-                  <a:off x="8654249" y="3553620"/>
-                  <a:ext cx="536093" cy="550507"/>
-                </a:xfrm>
-                <a:prstGeom prst="rect">
-                  <a:avLst/>
-                </a:prstGeom>
-                <a:solidFill>
-                  <a:schemeClr val="tx1"/>
-                </a:solidFill>
-                <a:ln>
-                  <a:solidFill>
-                    <a:schemeClr val="tx1"/>
-                  </a:solidFill>
-                </a:ln>
-              </p:spPr>
-              <p:style>
-                <a:lnRef idx="2">
-                  <a:schemeClr val="accent1">
-                    <a:shade val="50000"/>
-                  </a:schemeClr>
-                </a:lnRef>
-                <a:fillRef idx="1">
-                  <a:schemeClr val="accent1"/>
-                </a:fillRef>
-                <a:effectRef idx="0">
-                  <a:schemeClr val="accent1"/>
-                </a:effectRef>
-                <a:fontRef idx="minor">
-                  <a:schemeClr val="lt1"/>
-                </a:fontRef>
-              </p:style>
-              <p:txBody>
-                <a:bodyPr rtlCol="0" anchor="ctr"/>
-                <a:lstStyle/>
-                <a:p>
-                  <a:pPr algn="ctr"/>
-                  <a:r>
-                    <a:rPr lang="en-US" dirty="0"/>
-                    <a:t>24</a:t>
-                  </a:r>
-                </a:p>
-              </p:txBody>
-            </p:sp>
-            <p:sp>
-              <p:nvSpPr>
-                <p:cNvPr id="31" name="Rectangle 30"/>
-                <p:cNvSpPr/>
-                <p:nvPr/>
-              </p:nvSpPr>
-              <p:spPr>
-                <a:xfrm>
-                  <a:off x="8105060" y="3520650"/>
-                  <a:ext cx="536093" cy="550507"/>
-                </a:xfrm>
-                <a:prstGeom prst="rect">
-                  <a:avLst/>
-                </a:prstGeom>
-                <a:solidFill>
-                  <a:schemeClr val="tx1"/>
-                </a:solidFill>
-                <a:ln>
-                  <a:solidFill>
-                    <a:schemeClr val="tx1"/>
-                  </a:solidFill>
-                </a:ln>
-              </p:spPr>
-              <p:style>
-                <a:lnRef idx="2">
-                  <a:schemeClr val="accent1">
-                    <a:shade val="50000"/>
-                  </a:schemeClr>
-                </a:lnRef>
-                <a:fillRef idx="1">
-                  <a:schemeClr val="accent1"/>
-                </a:fillRef>
-                <a:effectRef idx="0">
-                  <a:schemeClr val="accent1"/>
-                </a:effectRef>
-                <a:fontRef idx="minor">
-                  <a:schemeClr val="lt1"/>
-                </a:fontRef>
-              </p:style>
-              <p:txBody>
-                <a:bodyPr rtlCol="0" anchor="ctr"/>
-                <a:lstStyle/>
-                <a:p>
-                  <a:pPr algn="ctr"/>
-                  <a:r>
-                    <a:rPr lang="en-US" dirty="0"/>
-                    <a:t>24</a:t>
-                  </a:r>
-                </a:p>
-              </p:txBody>
-            </p:sp>
-          </p:grpSp>
-        </p:grpSp>
-        <p:sp>
-          <p:nvSpPr>
-            <p:cNvPr id="21" name="Rectangle 20"/>
-            <p:cNvSpPr/>
-            <p:nvPr/>
-          </p:nvSpPr>
-          <p:spPr>
-            <a:xfrm>
-              <a:off x="2236497" y="2923489"/>
+              <a:off x="2210468" y="2908076"/>
               <a:ext cx="536093" cy="550507"/>
             </a:xfrm>
             <a:prstGeom prst="rect">
@@ -4581,7 +6057,7 @@
               <a:pPr algn="ctr"/>
               <a:r>
                 <a:rPr lang="en-US" dirty="0"/>
-                <a:t>25</a:t>
+                <a:t>33</a:t>
               </a:r>
             </a:p>
           </p:txBody>
@@ -4589,13 +6065,13 @@
       </p:grpSp>
       <p:sp>
         <p:nvSpPr>
-          <p:cNvPr id="32" name="Rectangle 31"/>
+          <p:cNvPr id="13" name="Rectangle 12"/>
           <p:cNvSpPr/>
           <p:nvPr/>
         </p:nvSpPr>
         <p:spPr>
           <a:xfrm>
-            <a:off x="6726518" y="2289006"/>
+            <a:off x="4419795" y="3010358"/>
             <a:ext cx="536093" cy="550507"/>
           </a:xfrm>
           <a:prstGeom prst="rect">
@@ -4633,98 +6109,955 @@
             <a:pPr algn="ctr"/>
             <a:r>
               <a:rPr lang="en-US" dirty="0"/>
-              <a:t>25</a:t>
-            </a:r>
-          </a:p>
-        </p:txBody>
-      </p:sp>
-      <p:sp>
-        <p:nvSpPr>
-          <p:cNvPr id="2" name="TextBox 1"/>
-          <p:cNvSpPr txBox="1"/>
+              <a:t>33</a:t>
+            </a:r>
+          </a:p>
+        </p:txBody>
+      </p:sp>
+      <p:sp>
+        <p:nvSpPr>
+          <p:cNvPr id="14" name="Rectangle 13"/>
+          <p:cNvSpPr/>
           <p:nvPr/>
         </p:nvSpPr>
         <p:spPr>
           <a:xfrm>
-            <a:off x="1722945" y="4762939"/>
-            <a:ext cx="8705461" cy="646331"/>
+            <a:off x="4937669" y="3010322"/>
+            <a:ext cx="536093" cy="550507"/>
           </a:xfrm>
           <a:prstGeom prst="rect">
             <a:avLst/>
           </a:prstGeom>
-          <a:noFill/>
+          <a:solidFill>
+            <a:schemeClr val="tx1"/>
+          </a:solidFill>
+          <a:ln>
+            <a:solidFill>
+              <a:schemeClr val="tx1"/>
+            </a:solidFill>
+          </a:ln>
         </p:spPr>
-        <p:txBody>
-          <a:bodyPr wrap="square" rtlCol="0">
-            <a:spAutoFit/>
-          </a:bodyPr>
+        <p:style>
+          <a:lnRef idx="2">
+            <a:schemeClr val="accent1">
+              <a:shade val="50000"/>
+            </a:schemeClr>
+          </a:lnRef>
+          <a:fillRef idx="1">
+            <a:schemeClr val="accent1"/>
+          </a:fillRef>
+          <a:effectRef idx="0">
+            <a:schemeClr val="accent1"/>
+          </a:effectRef>
+          <a:fontRef idx="minor">
+            <a:schemeClr val="lt1"/>
+          </a:fontRef>
+        </p:style>
+        <p:txBody>
+          <a:bodyPr rtlCol="0" anchor="ctr"/>
           <a:lstStyle/>
           <a:p>
+            <a:pPr algn="ctr"/>
             <a:r>
               <a:rPr lang="en-US" dirty="0"/>
-              <a:t>If a new occupied site touches the boundary, we just give its mark number to the blue neighboring site as well. Due to the enlarged lattice, every site in the grid is </a:t>
-            </a:r>
-            <a:r>
-              <a:rPr lang="en-US" altLang="zh-CN" dirty="0"/>
-              <a:t>equal.</a:t>
+              <a:t>33</a:t>
+            </a:r>
+          </a:p>
+        </p:txBody>
+      </p:sp>
+      <p:sp>
+        <p:nvSpPr>
+          <p:cNvPr id="15" name="Rectangle 14"/>
+          <p:cNvSpPr/>
+          <p:nvPr/>
+        </p:nvSpPr>
+        <p:spPr>
+          <a:xfrm>
+            <a:off x="2267450" y="2454838"/>
+            <a:ext cx="536093" cy="550507"/>
+          </a:xfrm>
+          <a:prstGeom prst="rect">
+            <a:avLst/>
+          </a:prstGeom>
+          <a:solidFill>
+            <a:schemeClr val="tx1"/>
+          </a:solidFill>
+          <a:ln>
+            <a:solidFill>
+              <a:schemeClr val="tx1"/>
+            </a:solidFill>
+          </a:ln>
+        </p:spPr>
+        <p:style>
+          <a:lnRef idx="2">
+            <a:schemeClr val="accent1">
+              <a:shade val="50000"/>
+            </a:schemeClr>
+          </a:lnRef>
+          <a:fillRef idx="1">
+            <a:schemeClr val="accent1"/>
+          </a:fillRef>
+          <a:effectRef idx="0">
+            <a:schemeClr val="accent1"/>
+          </a:effectRef>
+          <a:fontRef idx="minor">
+            <a:schemeClr val="lt1"/>
+          </a:fontRef>
+        </p:style>
+        <p:txBody>
+          <a:bodyPr rtlCol="0" anchor="ctr"/>
+          <a:lstStyle/>
+          <a:p>
+            <a:pPr algn="ctr"/>
+            <a:r>
+              <a:rPr lang="en-US" dirty="0"/>
+              <a:t>33</a:t>
+            </a:r>
+          </a:p>
+        </p:txBody>
+      </p:sp>
+      <p:sp>
+        <p:nvSpPr>
+          <p:cNvPr id="16" name="Rectangle 15"/>
+          <p:cNvSpPr/>
+          <p:nvPr/>
+        </p:nvSpPr>
+        <p:spPr>
+          <a:xfrm>
+            <a:off x="1718813" y="3005345"/>
+            <a:ext cx="536093" cy="550507"/>
+          </a:xfrm>
+          <a:prstGeom prst="rect">
+            <a:avLst/>
+          </a:prstGeom>
+          <a:solidFill>
+            <a:schemeClr val="tx1"/>
+          </a:solidFill>
+          <a:ln>
+            <a:solidFill>
+              <a:schemeClr val="tx1"/>
+            </a:solidFill>
+          </a:ln>
+        </p:spPr>
+        <p:style>
+          <a:lnRef idx="2">
+            <a:schemeClr val="accent1">
+              <a:shade val="50000"/>
+            </a:schemeClr>
+          </a:lnRef>
+          <a:fillRef idx="1">
+            <a:schemeClr val="accent1"/>
+          </a:fillRef>
+          <a:effectRef idx="0">
+            <a:schemeClr val="accent1"/>
+          </a:effectRef>
+          <a:fontRef idx="minor">
+            <a:schemeClr val="lt1"/>
+          </a:fontRef>
+        </p:style>
+        <p:txBody>
+          <a:bodyPr rtlCol="0" anchor="ctr"/>
+          <a:lstStyle/>
+          <a:p>
+            <a:pPr algn="ctr"/>
+            <a:r>
+              <a:rPr lang="en-US" dirty="0"/>
+              <a:t>33</a:t>
+            </a:r>
+          </a:p>
+        </p:txBody>
+      </p:sp>
+      <p:sp>
+        <p:nvSpPr>
+          <p:cNvPr id="17" name="Rectangle 16"/>
+          <p:cNvSpPr/>
+          <p:nvPr/>
+        </p:nvSpPr>
+        <p:spPr>
+          <a:xfrm>
+            <a:off x="2798420" y="2442498"/>
+            <a:ext cx="536093" cy="550507"/>
+          </a:xfrm>
+          <a:prstGeom prst="rect">
+            <a:avLst/>
+          </a:prstGeom>
+          <a:solidFill>
+            <a:schemeClr val="tx1"/>
+          </a:solidFill>
+          <a:ln>
+            <a:solidFill>
+              <a:schemeClr val="tx1"/>
+            </a:solidFill>
+          </a:ln>
+        </p:spPr>
+        <p:style>
+          <a:lnRef idx="2">
+            <a:schemeClr val="accent1">
+              <a:shade val="50000"/>
+            </a:schemeClr>
+          </a:lnRef>
+          <a:fillRef idx="1">
+            <a:schemeClr val="accent1"/>
+          </a:fillRef>
+          <a:effectRef idx="0">
+            <a:schemeClr val="accent1"/>
+          </a:effectRef>
+          <a:fontRef idx="minor">
+            <a:schemeClr val="lt1"/>
+          </a:fontRef>
+        </p:style>
+        <p:txBody>
+          <a:bodyPr rtlCol="0" anchor="ctr"/>
+          <a:lstStyle/>
+          <a:p>
+            <a:pPr algn="ctr"/>
+            <a:r>
+              <a:rPr lang="en-US" dirty="0"/>
+              <a:t>33</a:t>
+            </a:r>
+          </a:p>
+        </p:txBody>
+      </p:sp>
+      <p:sp>
+        <p:nvSpPr>
+          <p:cNvPr id="18" name="Rectangle 17"/>
+          <p:cNvSpPr/>
+          <p:nvPr/>
+        </p:nvSpPr>
+        <p:spPr>
+          <a:xfrm>
+            <a:off x="3870605" y="2451505"/>
+            <a:ext cx="536093" cy="550507"/>
+          </a:xfrm>
+          <a:prstGeom prst="rect">
+            <a:avLst/>
+          </a:prstGeom>
+          <a:solidFill>
+            <a:schemeClr val="tx1"/>
+          </a:solidFill>
+          <a:ln>
+            <a:solidFill>
+              <a:schemeClr val="tx1"/>
+            </a:solidFill>
+          </a:ln>
+        </p:spPr>
+        <p:style>
+          <a:lnRef idx="2">
+            <a:schemeClr val="accent1">
+              <a:shade val="50000"/>
+            </a:schemeClr>
+          </a:lnRef>
+          <a:fillRef idx="1">
+            <a:schemeClr val="accent1"/>
+          </a:fillRef>
+          <a:effectRef idx="0">
+            <a:schemeClr val="accent1"/>
+          </a:effectRef>
+          <a:fontRef idx="minor">
+            <a:schemeClr val="lt1"/>
+          </a:fontRef>
+        </p:style>
+        <p:txBody>
+          <a:bodyPr rtlCol="0" anchor="ctr"/>
+          <a:lstStyle/>
+          <a:p>
+            <a:pPr algn="ctr"/>
+            <a:r>
+              <a:rPr lang="en-US" dirty="0"/>
+              <a:t>33</a:t>
+            </a:r>
+          </a:p>
+        </p:txBody>
+      </p:sp>
+      <p:sp>
+        <p:nvSpPr>
+          <p:cNvPr id="19" name="Rectangle 18"/>
+          <p:cNvSpPr/>
+          <p:nvPr/>
+        </p:nvSpPr>
+        <p:spPr>
+          <a:xfrm>
+            <a:off x="3865483" y="1891991"/>
+            <a:ext cx="536093" cy="550507"/>
+          </a:xfrm>
+          <a:prstGeom prst="rect">
+            <a:avLst/>
+          </a:prstGeom>
+          <a:solidFill>
+            <a:schemeClr val="tx1"/>
+          </a:solidFill>
+          <a:ln>
+            <a:solidFill>
+              <a:schemeClr val="tx1"/>
+            </a:solidFill>
+          </a:ln>
+        </p:spPr>
+        <p:style>
+          <a:lnRef idx="2">
+            <a:schemeClr val="accent1">
+              <a:shade val="50000"/>
+            </a:schemeClr>
+          </a:lnRef>
+          <a:fillRef idx="1">
+            <a:schemeClr val="accent1"/>
+          </a:fillRef>
+          <a:effectRef idx="0">
+            <a:schemeClr val="accent1"/>
+          </a:effectRef>
+          <a:fontRef idx="minor">
+            <a:schemeClr val="lt1"/>
+          </a:fontRef>
+        </p:style>
+        <p:txBody>
+          <a:bodyPr rtlCol="0" anchor="ctr"/>
+          <a:lstStyle/>
+          <a:p>
+            <a:pPr algn="ctr"/>
+            <a:r>
+              <a:rPr lang="en-US" dirty="0"/>
+              <a:t>33</a:t>
+            </a:r>
+          </a:p>
+        </p:txBody>
+      </p:sp>
+      <p:sp>
+        <p:nvSpPr>
+          <p:cNvPr id="20" name="Rectangle 19"/>
+          <p:cNvSpPr/>
+          <p:nvPr/>
+        </p:nvSpPr>
+        <p:spPr>
+          <a:xfrm>
+            <a:off x="4410686" y="3568192"/>
+            <a:ext cx="536093" cy="550507"/>
+          </a:xfrm>
+          <a:prstGeom prst="rect">
+            <a:avLst/>
+          </a:prstGeom>
+          <a:solidFill>
+            <a:schemeClr val="tx1"/>
+          </a:solidFill>
+          <a:ln>
+            <a:solidFill>
+              <a:schemeClr val="tx1"/>
+            </a:solidFill>
+          </a:ln>
+        </p:spPr>
+        <p:style>
+          <a:lnRef idx="2">
+            <a:schemeClr val="accent1">
+              <a:shade val="50000"/>
+            </a:schemeClr>
+          </a:lnRef>
+          <a:fillRef idx="1">
+            <a:schemeClr val="accent1"/>
+          </a:fillRef>
+          <a:effectRef idx="0">
+            <a:schemeClr val="accent1"/>
+          </a:effectRef>
+          <a:fontRef idx="minor">
+            <a:schemeClr val="lt1"/>
+          </a:fontRef>
+        </p:style>
+        <p:txBody>
+          <a:bodyPr rtlCol="0" anchor="ctr"/>
+          <a:lstStyle/>
+          <a:p>
+            <a:pPr algn="ctr"/>
+            <a:r>
+              <a:rPr lang="en-US" dirty="0"/>
+              <a:t>33</a:t>
+            </a:r>
+          </a:p>
+        </p:txBody>
+      </p:sp>
+      <p:sp>
+        <p:nvSpPr>
+          <p:cNvPr id="21" name="Rectangle 20"/>
+          <p:cNvSpPr/>
+          <p:nvPr/>
+        </p:nvSpPr>
+        <p:spPr>
+          <a:xfrm>
+            <a:off x="4401576" y="4113361"/>
+            <a:ext cx="536093" cy="550507"/>
+          </a:xfrm>
+          <a:prstGeom prst="rect">
+            <a:avLst/>
+          </a:prstGeom>
+          <a:solidFill>
+            <a:schemeClr val="tx1"/>
+          </a:solidFill>
+          <a:ln>
+            <a:solidFill>
+              <a:schemeClr val="tx1"/>
+            </a:solidFill>
+          </a:ln>
+        </p:spPr>
+        <p:style>
+          <a:lnRef idx="2">
+            <a:schemeClr val="accent1">
+              <a:shade val="50000"/>
+            </a:schemeClr>
+          </a:lnRef>
+          <a:fillRef idx="1">
+            <a:schemeClr val="accent1"/>
+          </a:fillRef>
+          <a:effectRef idx="0">
+            <a:schemeClr val="accent1"/>
+          </a:effectRef>
+          <a:fontRef idx="minor">
+            <a:schemeClr val="lt1"/>
+          </a:fontRef>
+        </p:style>
+        <p:txBody>
+          <a:bodyPr rtlCol="0" anchor="ctr"/>
+          <a:lstStyle/>
+          <a:p>
+            <a:pPr algn="ctr"/>
+            <a:r>
+              <a:rPr lang="en-US" dirty="0"/>
+              <a:t>33</a:t>
+            </a:r>
+          </a:p>
+        </p:txBody>
+      </p:sp>
+      <p:sp>
+        <p:nvSpPr>
+          <p:cNvPr id="22" name="Rectangle 21"/>
+          <p:cNvSpPr/>
+          <p:nvPr/>
+        </p:nvSpPr>
+        <p:spPr>
+          <a:xfrm>
+            <a:off x="2283160" y="4149970"/>
+            <a:ext cx="536093" cy="550507"/>
+          </a:xfrm>
+          <a:prstGeom prst="rect">
+            <a:avLst/>
+          </a:prstGeom>
+          <a:solidFill>
+            <a:schemeClr val="tx1"/>
+          </a:solidFill>
+          <a:ln>
+            <a:solidFill>
+              <a:schemeClr val="tx1"/>
+            </a:solidFill>
+          </a:ln>
+        </p:spPr>
+        <p:style>
+          <a:lnRef idx="2">
+            <a:schemeClr val="accent1">
+              <a:shade val="50000"/>
+            </a:schemeClr>
+          </a:lnRef>
+          <a:fillRef idx="1">
+            <a:schemeClr val="accent1"/>
+          </a:fillRef>
+          <a:effectRef idx="0">
+            <a:schemeClr val="accent1"/>
+          </a:effectRef>
+          <a:fontRef idx="minor">
+            <a:schemeClr val="lt1"/>
+          </a:fontRef>
+        </p:style>
+        <p:txBody>
+          <a:bodyPr rtlCol="0" anchor="ctr"/>
+          <a:lstStyle/>
+          <a:p>
+            <a:pPr algn="ctr"/>
+            <a:r>
+              <a:rPr lang="en-US" dirty="0" smtClean="0"/>
+              <a:t>27</a:t>
             </a:r>
             <a:endParaRPr lang="en-US" dirty="0"/>
           </a:p>
         </p:txBody>
       </p:sp>
-    </p:spTree>
-    <p:extLst>
-      <p:ext uri="{BB962C8B-B14F-4D97-AF65-F5344CB8AC3E}">
-        <p14:creationId xmlns:p14="http://schemas.microsoft.com/office/powerpoint/2010/main" val="940513010"/>
-      </p:ext>
-    </p:extLst>
-  </p:cSld>
-  <p:clrMapOvr>
-    <a:masterClrMapping/>
-  </p:clrMapOvr>
-</p:sld>
-</file>
-
-<file path=ppt/slides/slide5.xml><?xml version="1.0" encoding="utf-8"?>
-<p:sld xmlns:a="http://schemas.openxmlformats.org/drawingml/2006/main" xmlns:r="http://schemas.openxmlformats.org/officeDocument/2006/relationships" xmlns:p="http://schemas.openxmlformats.org/presentationml/2006/main">
-  <p:cSld>
-    <p:spTree>
-      <p:nvGrpSpPr>
-        <p:cNvPr id="1" name=""/>
-        <p:cNvGrpSpPr/>
-        <p:nvPr/>
-      </p:nvGrpSpPr>
-      <p:grpSpPr>
-        <a:xfrm>
-          <a:off x="0" y="0"/>
-          <a:ext cx="0" cy="0"/>
-          <a:chOff x="0" y="0"/>
-          <a:chExt cx="0" cy="0"/>
-        </a:xfrm>
-      </p:grpSpPr>
+      <p:sp>
+        <p:nvSpPr>
+          <p:cNvPr id="23" name="Rectangle 22"/>
+          <p:cNvSpPr/>
+          <p:nvPr/>
+        </p:nvSpPr>
+        <p:spPr>
+          <a:xfrm>
+            <a:off x="4401575" y="4665893"/>
+            <a:ext cx="536093" cy="550507"/>
+          </a:xfrm>
+          <a:prstGeom prst="rect">
+            <a:avLst/>
+          </a:prstGeom>
+          <a:solidFill>
+            <a:schemeClr val="tx1"/>
+          </a:solidFill>
+          <a:ln>
+            <a:solidFill>
+              <a:schemeClr val="tx1"/>
+            </a:solidFill>
+          </a:ln>
+        </p:spPr>
+        <p:style>
+          <a:lnRef idx="2">
+            <a:schemeClr val="accent1">
+              <a:shade val="50000"/>
+            </a:schemeClr>
+          </a:lnRef>
+          <a:fillRef idx="1">
+            <a:schemeClr val="accent1"/>
+          </a:fillRef>
+          <a:effectRef idx="0">
+            <a:schemeClr val="accent1"/>
+          </a:effectRef>
+          <a:fontRef idx="minor">
+            <a:schemeClr val="lt1"/>
+          </a:fontRef>
+        </p:style>
+        <p:txBody>
+          <a:bodyPr rtlCol="0" anchor="ctr"/>
+          <a:lstStyle/>
+          <a:p>
+            <a:pPr algn="ctr"/>
+            <a:r>
+              <a:rPr lang="en-US" dirty="0"/>
+              <a:t>33</a:t>
+            </a:r>
+          </a:p>
+        </p:txBody>
+      </p:sp>
+      <p:sp>
+        <p:nvSpPr>
+          <p:cNvPr id="24" name="Rectangle 23"/>
+          <p:cNvSpPr/>
+          <p:nvPr/>
+        </p:nvSpPr>
+        <p:spPr>
+          <a:xfrm>
+            <a:off x="4916835" y="4115386"/>
+            <a:ext cx="536093" cy="550507"/>
+          </a:xfrm>
+          <a:prstGeom prst="rect">
+            <a:avLst/>
+          </a:prstGeom>
+          <a:solidFill>
+            <a:schemeClr val="tx1"/>
+          </a:solidFill>
+          <a:ln>
+            <a:solidFill>
+              <a:schemeClr val="tx1"/>
+            </a:solidFill>
+          </a:ln>
+        </p:spPr>
+        <p:style>
+          <a:lnRef idx="2">
+            <a:schemeClr val="accent1">
+              <a:shade val="50000"/>
+            </a:schemeClr>
+          </a:lnRef>
+          <a:fillRef idx="1">
+            <a:schemeClr val="accent1"/>
+          </a:fillRef>
+          <a:effectRef idx="0">
+            <a:schemeClr val="accent1"/>
+          </a:effectRef>
+          <a:fontRef idx="minor">
+            <a:schemeClr val="lt1"/>
+          </a:fontRef>
+        </p:style>
+        <p:txBody>
+          <a:bodyPr rtlCol="0" anchor="ctr"/>
+          <a:lstStyle/>
+          <a:p>
+            <a:pPr algn="ctr"/>
+            <a:r>
+              <a:rPr lang="en-US" dirty="0"/>
+              <a:t>33</a:t>
+            </a:r>
+          </a:p>
+        </p:txBody>
+      </p:sp>
+      <p:sp>
+        <p:nvSpPr>
+          <p:cNvPr id="25" name="Rectangle 24"/>
+          <p:cNvSpPr/>
+          <p:nvPr/>
+        </p:nvSpPr>
+        <p:spPr>
+          <a:xfrm>
+            <a:off x="4920822" y="3576851"/>
+            <a:ext cx="536093" cy="550507"/>
+          </a:xfrm>
+          <a:prstGeom prst="rect">
+            <a:avLst/>
+          </a:prstGeom>
+          <a:solidFill>
+            <a:schemeClr val="tx1"/>
+          </a:solidFill>
+          <a:ln>
+            <a:solidFill>
+              <a:schemeClr val="tx1"/>
+            </a:solidFill>
+          </a:ln>
+        </p:spPr>
+        <p:style>
+          <a:lnRef idx="2">
+            <a:schemeClr val="accent1">
+              <a:shade val="50000"/>
+            </a:schemeClr>
+          </a:lnRef>
+          <a:fillRef idx="1">
+            <a:schemeClr val="accent1"/>
+          </a:fillRef>
+          <a:effectRef idx="0">
+            <a:schemeClr val="accent1"/>
+          </a:effectRef>
+          <a:fontRef idx="minor">
+            <a:schemeClr val="lt1"/>
+          </a:fontRef>
+        </p:style>
+        <p:txBody>
+          <a:bodyPr rtlCol="0" anchor="ctr"/>
+          <a:lstStyle/>
+          <a:p>
+            <a:pPr algn="ctr"/>
+            <a:r>
+              <a:rPr lang="en-US" dirty="0"/>
+              <a:t>33</a:t>
+            </a:r>
+          </a:p>
+        </p:txBody>
+      </p:sp>
+      <p:sp>
+        <p:nvSpPr>
+          <p:cNvPr id="26" name="Rectangle 25"/>
+          <p:cNvSpPr/>
+          <p:nvPr/>
+        </p:nvSpPr>
+        <p:spPr>
+          <a:xfrm>
+            <a:off x="1718261" y="2442497"/>
+            <a:ext cx="536093" cy="550507"/>
+          </a:xfrm>
+          <a:prstGeom prst="rect">
+            <a:avLst/>
+          </a:prstGeom>
+          <a:solidFill>
+            <a:schemeClr val="tx1"/>
+          </a:solidFill>
+          <a:ln>
+            <a:solidFill>
+              <a:schemeClr val="tx1"/>
+            </a:solidFill>
+          </a:ln>
+        </p:spPr>
+        <p:style>
+          <a:lnRef idx="2">
+            <a:schemeClr val="accent1">
+              <a:shade val="50000"/>
+            </a:schemeClr>
+          </a:lnRef>
+          <a:fillRef idx="1">
+            <a:schemeClr val="accent1"/>
+          </a:fillRef>
+          <a:effectRef idx="0">
+            <a:schemeClr val="accent1"/>
+          </a:effectRef>
+          <a:fontRef idx="minor">
+            <a:schemeClr val="lt1"/>
+          </a:fontRef>
+        </p:style>
+        <p:txBody>
+          <a:bodyPr rtlCol="0" anchor="ctr"/>
+          <a:lstStyle/>
+          <a:p>
+            <a:pPr algn="ctr"/>
+            <a:r>
+              <a:rPr lang="en-US" dirty="0"/>
+              <a:t>33</a:t>
+            </a:r>
+          </a:p>
+        </p:txBody>
+      </p:sp>
+      <p:sp>
+        <p:nvSpPr>
+          <p:cNvPr id="27" name="Rectangle 26"/>
+          <p:cNvSpPr/>
+          <p:nvPr/>
+        </p:nvSpPr>
+        <p:spPr>
+          <a:xfrm>
+            <a:off x="3874593" y="1344645"/>
+            <a:ext cx="536093" cy="550507"/>
+          </a:xfrm>
+          <a:prstGeom prst="rect">
+            <a:avLst/>
+          </a:prstGeom>
+          <a:solidFill>
+            <a:schemeClr val="tx1"/>
+          </a:solidFill>
+          <a:ln>
+            <a:solidFill>
+              <a:schemeClr val="tx1"/>
+            </a:solidFill>
+          </a:ln>
+        </p:spPr>
+        <p:style>
+          <a:lnRef idx="2">
+            <a:schemeClr val="accent1">
+              <a:shade val="50000"/>
+            </a:schemeClr>
+          </a:lnRef>
+          <a:fillRef idx="1">
+            <a:schemeClr val="accent1"/>
+          </a:fillRef>
+          <a:effectRef idx="0">
+            <a:schemeClr val="accent1"/>
+          </a:effectRef>
+          <a:fontRef idx="minor">
+            <a:schemeClr val="lt1"/>
+          </a:fontRef>
+        </p:style>
+        <p:txBody>
+          <a:bodyPr rtlCol="0" anchor="ctr"/>
+          <a:lstStyle/>
+          <a:p>
+            <a:pPr algn="ctr"/>
+            <a:r>
+              <a:rPr lang="en-US" dirty="0"/>
+              <a:t>33</a:t>
+            </a:r>
+          </a:p>
+        </p:txBody>
+      </p:sp>
+      <p:sp>
+        <p:nvSpPr>
+          <p:cNvPr id="28" name="Rectangle 27"/>
+          <p:cNvSpPr/>
+          <p:nvPr/>
+        </p:nvSpPr>
+        <p:spPr>
+          <a:xfrm>
+            <a:off x="2264889" y="4676534"/>
+            <a:ext cx="536093" cy="550507"/>
+          </a:xfrm>
+          <a:prstGeom prst="rect">
+            <a:avLst/>
+          </a:prstGeom>
+          <a:solidFill>
+            <a:schemeClr val="tx1"/>
+          </a:solidFill>
+          <a:ln>
+            <a:solidFill>
+              <a:schemeClr val="tx1"/>
+            </a:solidFill>
+          </a:ln>
+        </p:spPr>
+        <p:style>
+          <a:lnRef idx="2">
+            <a:schemeClr val="accent1">
+              <a:shade val="50000"/>
+            </a:schemeClr>
+          </a:lnRef>
+          <a:fillRef idx="1">
+            <a:schemeClr val="accent1"/>
+          </a:fillRef>
+          <a:effectRef idx="0">
+            <a:schemeClr val="accent1"/>
+          </a:effectRef>
+          <a:fontRef idx="minor">
+            <a:schemeClr val="lt1"/>
+          </a:fontRef>
+        </p:style>
+        <p:txBody>
+          <a:bodyPr rtlCol="0" anchor="ctr"/>
+          <a:lstStyle/>
+          <a:p>
+            <a:pPr algn="ctr"/>
+            <a:r>
+              <a:rPr lang="en-US" dirty="0" smtClean="0"/>
+              <a:t>27</a:t>
+            </a:r>
+            <a:endParaRPr lang="en-US" dirty="0"/>
+          </a:p>
+        </p:txBody>
+      </p:sp>
+      <p:sp>
+        <p:nvSpPr>
+          <p:cNvPr id="61" name="Rectangle 5"/>
+          <p:cNvSpPr/>
+          <p:nvPr/>
+        </p:nvSpPr>
+        <p:spPr>
+          <a:xfrm>
+            <a:off x="2801836" y="3000184"/>
+            <a:ext cx="536093" cy="550507"/>
+          </a:xfrm>
+          <a:prstGeom prst="rect">
+            <a:avLst/>
+          </a:prstGeom>
+          <a:solidFill>
+            <a:schemeClr val="tx1"/>
+          </a:solidFill>
+          <a:ln>
+            <a:solidFill>
+              <a:schemeClr val="tx1"/>
+            </a:solidFill>
+          </a:ln>
+        </p:spPr>
+        <p:style>
+          <a:lnRef idx="2">
+            <a:schemeClr val="accent1">
+              <a:shade val="50000"/>
+            </a:schemeClr>
+          </a:lnRef>
+          <a:fillRef idx="1">
+            <a:schemeClr val="accent1"/>
+          </a:fillRef>
+          <a:effectRef idx="0">
+            <a:schemeClr val="accent1"/>
+          </a:effectRef>
+          <a:fontRef idx="minor">
+            <a:schemeClr val="lt1"/>
+          </a:fontRef>
+        </p:style>
+        <p:txBody>
+          <a:bodyPr rtlCol="0" anchor="ctr"/>
+          <a:lstStyle/>
+          <a:p>
+            <a:pPr algn="ctr"/>
+            <a:r>
+              <a:rPr lang="en-US" dirty="0"/>
+              <a:t>33</a:t>
+            </a:r>
+          </a:p>
+        </p:txBody>
+      </p:sp>
+      <p:sp>
+        <p:nvSpPr>
+          <p:cNvPr id="62" name="Rectangle 5"/>
+          <p:cNvSpPr/>
+          <p:nvPr/>
+        </p:nvSpPr>
+        <p:spPr>
+          <a:xfrm>
+            <a:off x="2800982" y="3559077"/>
+            <a:ext cx="536093" cy="550507"/>
+          </a:xfrm>
+          <a:prstGeom prst="rect">
+            <a:avLst/>
+          </a:prstGeom>
+          <a:solidFill>
+            <a:schemeClr val="tx1"/>
+          </a:solidFill>
+          <a:ln>
+            <a:solidFill>
+              <a:schemeClr val="tx1"/>
+            </a:solidFill>
+          </a:ln>
+        </p:spPr>
+        <p:style>
+          <a:lnRef idx="2">
+            <a:schemeClr val="accent1">
+              <a:shade val="50000"/>
+            </a:schemeClr>
+          </a:lnRef>
+          <a:fillRef idx="1">
+            <a:schemeClr val="accent1"/>
+          </a:fillRef>
+          <a:effectRef idx="0">
+            <a:schemeClr val="accent1"/>
+          </a:effectRef>
+          <a:fontRef idx="minor">
+            <a:schemeClr val="lt1"/>
+          </a:fontRef>
+        </p:style>
+        <p:txBody>
+          <a:bodyPr rtlCol="0" anchor="ctr"/>
+          <a:lstStyle/>
+          <a:p>
+            <a:pPr algn="ctr"/>
+            <a:r>
+              <a:rPr lang="en-US" dirty="0"/>
+              <a:t>33</a:t>
+            </a:r>
+          </a:p>
+        </p:txBody>
+      </p:sp>
+      <p:sp>
+        <p:nvSpPr>
+          <p:cNvPr id="96" name="Rectangle 27"/>
+          <p:cNvSpPr/>
+          <p:nvPr/>
+        </p:nvSpPr>
+        <p:spPr>
+          <a:xfrm>
+            <a:off x="1735181" y="4147582"/>
+            <a:ext cx="536093" cy="550507"/>
+          </a:xfrm>
+          <a:prstGeom prst="rect">
+            <a:avLst/>
+          </a:prstGeom>
+          <a:solidFill>
+            <a:schemeClr val="tx1"/>
+          </a:solidFill>
+          <a:ln>
+            <a:solidFill>
+              <a:schemeClr val="tx1"/>
+            </a:solidFill>
+          </a:ln>
+        </p:spPr>
+        <p:style>
+          <a:lnRef idx="2">
+            <a:schemeClr val="accent1">
+              <a:shade val="50000"/>
+            </a:schemeClr>
+          </a:lnRef>
+          <a:fillRef idx="1">
+            <a:schemeClr val="accent1"/>
+          </a:fillRef>
+          <a:effectRef idx="0">
+            <a:schemeClr val="accent1"/>
+          </a:effectRef>
+          <a:fontRef idx="minor">
+            <a:schemeClr val="lt1"/>
+          </a:fontRef>
+        </p:style>
+        <p:txBody>
+          <a:bodyPr rtlCol="0" anchor="ctr"/>
+          <a:lstStyle/>
+          <a:p>
+            <a:pPr algn="ctr"/>
+            <a:r>
+              <a:rPr lang="en-US" dirty="0" smtClean="0"/>
+              <a:t>27</a:t>
+            </a:r>
+            <a:endParaRPr lang="en-US" dirty="0"/>
+          </a:p>
+        </p:txBody>
+      </p:sp>
       <p:grpSp>
         <p:nvGrpSpPr>
-          <p:cNvPr id="63" name="Group 62"/>
+          <p:cNvPr id="32" name="组合 31"/>
           <p:cNvGrpSpPr/>
           <p:nvPr/>
         </p:nvGrpSpPr>
         <p:grpSpPr>
           <a:xfrm>
-            <a:off x="1550391" y="235758"/>
-            <a:ext cx="4240816" cy="4434683"/>
-            <a:chOff x="1522758" y="878763"/>
-            <a:chExt cx="4240816" cy="4434683"/>
+            <a:off x="6054307" y="563572"/>
+            <a:ext cx="5301937" cy="5423729"/>
+            <a:chOff x="5953990" y="-307912"/>
+            <a:chExt cx="5301937" cy="5423729"/>
           </a:xfrm>
         </p:grpSpPr>
         <p:grpSp>
           <p:nvGrpSpPr>
-            <p:cNvPr id="4" name="Group 3"/>
+            <p:cNvPr id="65" name="Group 64"/>
             <p:cNvGrpSpPr/>
             <p:nvPr/>
           </p:nvGrpSpPr>
           <p:grpSpPr>
             <a:xfrm>
-              <a:off x="1522758" y="878763"/>
+              <a:off x="6489754" y="197627"/>
               <a:ext cx="4240816" cy="4434683"/>
               <a:chOff x="1451199" y="981400"/>
               <a:chExt cx="4240816" cy="4434683"/>
@@ -4732,7 +7065,7 @@
           </p:grpSpPr>
           <p:grpSp>
             <p:nvGrpSpPr>
-              <p:cNvPr id="5" name="Group 4"/>
+              <p:cNvPr id="82" name="Group 81"/>
               <p:cNvGrpSpPr/>
               <p:nvPr/>
             </p:nvGrpSpPr>
@@ -4746,14 +7079,14 @@
             </p:grpSpPr>
             <p:pic>
               <p:nvPicPr>
-                <p:cNvPr id="7" name="Picture 6"/>
+                <p:cNvPr id="84" name="Picture 83"/>
                 <p:cNvPicPr>
                   <a:picLocks noChangeAspect="1"/>
                 </p:cNvPicPr>
                 <p:nvPr/>
               </p:nvPicPr>
               <p:blipFill>
-                <a:blip r:embed="rId2">
+                <a:blip r:embed="rId3">
                   <a:extLst>
                     <a:ext uri="{28A0092B-C50C-407E-A947-70E740481C1C}">
                       <a14:useLocalDpi xmlns:a14="http://schemas.microsoft.com/office/drawing/2010/main" val="0"/>
@@ -4776,21 +7109,21 @@
             </p:pic>
             <p:grpSp>
               <p:nvGrpSpPr>
-                <p:cNvPr id="8" name="Group 7"/>
+                <p:cNvPr id="85" name="Group 84"/>
                 <p:cNvGrpSpPr/>
                 <p:nvPr/>
               </p:nvGrpSpPr>
               <p:grpSpPr>
                 <a:xfrm>
                   <a:off x="8105060" y="2407296"/>
-                  <a:ext cx="1085282" cy="1696831"/>
+                  <a:ext cx="1085282" cy="1677509"/>
                   <a:chOff x="8105060" y="2407296"/>
-                  <a:chExt cx="1085282" cy="1696831"/>
+                  <a:chExt cx="1085282" cy="1677509"/>
                 </a:xfrm>
               </p:grpSpPr>
               <p:sp>
                 <p:nvSpPr>
-                  <p:cNvPr id="9" name="Rectangle 8"/>
+                  <p:cNvPr id="86" name="Rectangle 85"/>
                   <p:cNvSpPr/>
                   <p:nvPr/>
                 </p:nvSpPr>
@@ -4841,13 +7174,13 @@
               </p:sp>
               <p:sp>
                 <p:nvSpPr>
-                  <p:cNvPr id="10" name="Rectangle 9"/>
+                  <p:cNvPr id="87" name="Rectangle 86"/>
                   <p:cNvSpPr/>
                   <p:nvPr/>
                 </p:nvSpPr>
                 <p:spPr>
                   <a:xfrm>
-                    <a:off x="8654249" y="2970143"/>
+                    <a:off x="8640601" y="2970143"/>
                     <a:ext cx="536093" cy="550507"/>
                   </a:xfrm>
                   <a:prstGeom prst="rect">
@@ -4892,13 +7225,13 @@
               </p:sp>
               <p:sp>
                 <p:nvSpPr>
-                  <p:cNvPr id="11" name="Rectangle 10"/>
+                  <p:cNvPr id="88" name="Rectangle 87"/>
                   <p:cNvSpPr/>
                   <p:nvPr/>
                 </p:nvSpPr>
                 <p:spPr>
                   <a:xfrm>
-                    <a:off x="8654249" y="3553620"/>
+                    <a:off x="8654249" y="3526324"/>
                     <a:ext cx="536093" cy="550507"/>
                   </a:xfrm>
                   <a:prstGeom prst="rect">
@@ -4943,13 +7276,13 @@
               </p:sp>
               <p:sp>
                 <p:nvSpPr>
-                  <p:cNvPr id="12" name="Rectangle 11"/>
+                  <p:cNvPr id="89" name="Rectangle 88"/>
                   <p:cNvSpPr/>
                   <p:nvPr/>
                 </p:nvSpPr>
                 <p:spPr>
                   <a:xfrm>
-                    <a:off x="8105060" y="3520650"/>
+                    <a:off x="8105060" y="3534298"/>
                     <a:ext cx="536093" cy="550507"/>
                   </a:xfrm>
                   <a:prstGeom prst="rect">
@@ -4996,13 +7329,13 @@
           </p:grpSp>
           <p:sp>
             <p:nvSpPr>
-              <p:cNvPr id="6" name="Rectangle 5"/>
+              <p:cNvPr id="83" name="Rectangle 82"/>
               <p:cNvSpPr/>
               <p:nvPr/>
             </p:nvSpPr>
             <p:spPr>
               <a:xfrm>
-                <a:off x="2236497" y="2923489"/>
+                <a:off x="2236497" y="2909841"/>
                 <a:ext cx="536093" cy="550507"/>
               </a:xfrm>
               <a:prstGeom prst="rect">
@@ -5048,13 +7381,13 @@
         </p:grpSp>
         <p:sp>
           <p:nvSpPr>
-            <p:cNvPr id="13" name="Rectangle 12"/>
+            <p:cNvPr id="66" name="Rectangle 65"/>
             <p:cNvSpPr/>
             <p:nvPr/>
           </p:nvSpPr>
           <p:spPr>
             <a:xfrm>
-              <a:off x="4460401" y="2820850"/>
+              <a:off x="9427397" y="2139714"/>
               <a:ext cx="536093" cy="550507"/>
             </a:xfrm>
             <a:prstGeom prst="rect">
@@ -5099,13 +7432,13 @@
         </p:sp>
         <p:sp>
           <p:nvSpPr>
-            <p:cNvPr id="14" name="Rectangle 13"/>
+            <p:cNvPr id="67" name="Rectangle 66"/>
             <p:cNvSpPr/>
             <p:nvPr/>
           </p:nvSpPr>
           <p:spPr>
             <a:xfrm>
-              <a:off x="4978275" y="2807166"/>
+              <a:off x="9945271" y="2126030"/>
               <a:ext cx="536093" cy="550507"/>
             </a:xfrm>
             <a:prstGeom prst="rect">
@@ -5150,13 +7483,13 @@
         </p:sp>
         <p:sp>
           <p:nvSpPr>
-            <p:cNvPr id="15" name="Rectangle 14"/>
+            <p:cNvPr id="68" name="Rectangle 67"/>
             <p:cNvSpPr/>
             <p:nvPr/>
           </p:nvSpPr>
           <p:spPr>
             <a:xfrm>
-              <a:off x="2308056" y="2251682"/>
+              <a:off x="7275052" y="1570546"/>
               <a:ext cx="536093" cy="550507"/>
             </a:xfrm>
             <a:prstGeom prst="rect">
@@ -5201,13 +7534,13 @@
         </p:sp>
         <p:sp>
           <p:nvSpPr>
-            <p:cNvPr id="16" name="Rectangle 15"/>
+            <p:cNvPr id="69" name="Rectangle 68"/>
             <p:cNvSpPr/>
             <p:nvPr/>
           </p:nvSpPr>
           <p:spPr>
             <a:xfrm>
-              <a:off x="1745771" y="2802189"/>
+              <a:off x="6712767" y="2121053"/>
               <a:ext cx="536093" cy="550507"/>
             </a:xfrm>
             <a:prstGeom prst="rect">
@@ -5252,13 +7585,13 @@
         </p:sp>
         <p:sp>
           <p:nvSpPr>
-            <p:cNvPr id="17" name="Rectangle 16"/>
+            <p:cNvPr id="70" name="Rectangle 69"/>
             <p:cNvSpPr/>
             <p:nvPr/>
           </p:nvSpPr>
           <p:spPr>
             <a:xfrm>
-              <a:off x="2839026" y="2239342"/>
+              <a:off x="7806022" y="1558206"/>
               <a:ext cx="536093" cy="550507"/>
             </a:xfrm>
             <a:prstGeom prst="rect">
@@ -5303,13 +7636,13 @@
         </p:sp>
         <p:sp>
           <p:nvSpPr>
-            <p:cNvPr id="18" name="Rectangle 17"/>
+            <p:cNvPr id="71" name="Rectangle 70"/>
             <p:cNvSpPr/>
             <p:nvPr/>
           </p:nvSpPr>
           <p:spPr>
             <a:xfrm>
-              <a:off x="3911211" y="2261997"/>
+              <a:off x="8878207" y="1567213"/>
               <a:ext cx="536093" cy="550507"/>
             </a:xfrm>
             <a:prstGeom prst="rect">
@@ -5354,13 +7687,13 @@
         </p:sp>
         <p:sp>
           <p:nvSpPr>
-            <p:cNvPr id="19" name="Rectangle 18"/>
+            <p:cNvPr id="72" name="Rectangle 71"/>
             <p:cNvSpPr/>
             <p:nvPr/>
           </p:nvSpPr>
           <p:spPr>
             <a:xfrm>
-              <a:off x="3906089" y="1688835"/>
+              <a:off x="8873085" y="1007699"/>
               <a:ext cx="536093" cy="550507"/>
             </a:xfrm>
             <a:prstGeom prst="rect">
@@ -5405,13 +7738,13 @@
         </p:sp>
         <p:sp>
           <p:nvSpPr>
-            <p:cNvPr id="20" name="Rectangle 19"/>
+            <p:cNvPr id="73" name="Rectangle 72"/>
             <p:cNvSpPr/>
             <p:nvPr/>
           </p:nvSpPr>
           <p:spPr>
             <a:xfrm>
-              <a:off x="4451292" y="3365036"/>
+              <a:off x="9418288" y="2683900"/>
               <a:ext cx="536093" cy="550507"/>
             </a:xfrm>
             <a:prstGeom prst="rect">
@@ -5456,13 +7789,13 @@
         </p:sp>
         <p:sp>
           <p:nvSpPr>
-            <p:cNvPr id="21" name="Rectangle 20"/>
+            <p:cNvPr id="74" name="Rectangle 73"/>
             <p:cNvSpPr/>
             <p:nvPr/>
           </p:nvSpPr>
           <p:spPr>
             <a:xfrm>
-              <a:off x="4442182" y="3910205"/>
+              <a:off x="9409178" y="3229069"/>
               <a:ext cx="536093" cy="550507"/>
             </a:xfrm>
             <a:prstGeom prst="rect">
@@ -5507,13 +7840,324 @@
         </p:sp>
         <p:sp>
           <p:nvSpPr>
-            <p:cNvPr id="22" name="Rectangle 21"/>
+            <p:cNvPr id="75" name="Rectangle 74"/>
             <p:cNvSpPr/>
             <p:nvPr/>
           </p:nvSpPr>
           <p:spPr>
             <a:xfrm>
-              <a:off x="2825930" y="3934206"/>
+              <a:off x="7273589" y="3238979"/>
+              <a:ext cx="536093" cy="550507"/>
+            </a:xfrm>
+            <a:prstGeom prst="rect">
+              <a:avLst/>
+            </a:prstGeom>
+            <a:solidFill>
+              <a:schemeClr val="bg1">
+                <a:lumMod val="50000"/>
+              </a:schemeClr>
+            </a:solidFill>
+            <a:ln>
+              <a:solidFill>
+                <a:schemeClr val="bg1">
+                  <a:lumMod val="50000"/>
+                </a:schemeClr>
+              </a:solidFill>
+            </a:ln>
+          </p:spPr>
+          <p:style>
+            <a:lnRef idx="2">
+              <a:schemeClr val="accent1">
+                <a:shade val="50000"/>
+              </a:schemeClr>
+            </a:lnRef>
+            <a:fillRef idx="1">
+              <a:schemeClr val="accent1"/>
+            </a:fillRef>
+            <a:effectRef idx="0">
+              <a:schemeClr val="accent1"/>
+            </a:effectRef>
+            <a:fontRef idx="minor">
+              <a:schemeClr val="lt1"/>
+            </a:fontRef>
+          </p:style>
+          <p:txBody>
+            <a:bodyPr rtlCol="0" anchor="ctr"/>
+            <a:lstStyle/>
+            <a:p>
+              <a:pPr algn="ctr"/>
+              <a:r>
+                <a:rPr lang="en-US" dirty="0" smtClean="0"/>
+                <a:t>27</a:t>
+              </a:r>
+              <a:endParaRPr lang="en-US" dirty="0"/>
+            </a:p>
+          </p:txBody>
+        </p:sp>
+        <p:sp>
+          <p:nvSpPr>
+            <p:cNvPr id="76" name="Rectangle 75"/>
+            <p:cNvSpPr/>
+            <p:nvPr/>
+          </p:nvSpPr>
+          <p:spPr>
+            <a:xfrm>
+              <a:off x="9409177" y="3781601"/>
+              <a:ext cx="536093" cy="550507"/>
+            </a:xfrm>
+            <a:prstGeom prst="rect">
+              <a:avLst/>
+            </a:prstGeom>
+            <a:solidFill>
+              <a:schemeClr val="tx1"/>
+            </a:solidFill>
+            <a:ln>
+              <a:solidFill>
+                <a:schemeClr val="tx1"/>
+              </a:solidFill>
+            </a:ln>
+          </p:spPr>
+          <p:style>
+            <a:lnRef idx="2">
+              <a:schemeClr val="accent1">
+                <a:shade val="50000"/>
+              </a:schemeClr>
+            </a:lnRef>
+            <a:fillRef idx="1">
+              <a:schemeClr val="accent1"/>
+            </a:fillRef>
+            <a:effectRef idx="0">
+              <a:schemeClr val="accent1"/>
+            </a:effectRef>
+            <a:fontRef idx="minor">
+              <a:schemeClr val="lt1"/>
+            </a:fontRef>
+          </p:style>
+          <p:txBody>
+            <a:bodyPr rtlCol="0" anchor="ctr"/>
+            <a:lstStyle/>
+            <a:p>
+              <a:pPr algn="ctr"/>
+              <a:r>
+                <a:rPr lang="en-US" dirty="0"/>
+                <a:t>33</a:t>
+              </a:r>
+            </a:p>
+          </p:txBody>
+        </p:sp>
+        <p:sp>
+          <p:nvSpPr>
+            <p:cNvPr id="77" name="Rectangle 76"/>
+            <p:cNvSpPr/>
+            <p:nvPr/>
+          </p:nvSpPr>
+          <p:spPr>
+            <a:xfrm>
+              <a:off x="9924437" y="3231094"/>
+              <a:ext cx="536093" cy="550507"/>
+            </a:xfrm>
+            <a:prstGeom prst="rect">
+              <a:avLst/>
+            </a:prstGeom>
+            <a:solidFill>
+              <a:schemeClr val="tx1"/>
+            </a:solidFill>
+            <a:ln>
+              <a:solidFill>
+                <a:schemeClr val="tx1"/>
+              </a:solidFill>
+            </a:ln>
+          </p:spPr>
+          <p:style>
+            <a:lnRef idx="2">
+              <a:schemeClr val="accent1">
+                <a:shade val="50000"/>
+              </a:schemeClr>
+            </a:lnRef>
+            <a:fillRef idx="1">
+              <a:schemeClr val="accent1"/>
+            </a:fillRef>
+            <a:effectRef idx="0">
+              <a:schemeClr val="accent1"/>
+            </a:effectRef>
+            <a:fontRef idx="minor">
+              <a:schemeClr val="lt1"/>
+            </a:fontRef>
+          </p:style>
+          <p:txBody>
+            <a:bodyPr rtlCol="0" anchor="ctr"/>
+            <a:lstStyle/>
+            <a:p>
+              <a:pPr algn="ctr"/>
+              <a:r>
+                <a:rPr lang="en-US" dirty="0"/>
+                <a:t>33</a:t>
+              </a:r>
+            </a:p>
+          </p:txBody>
+        </p:sp>
+        <p:sp>
+          <p:nvSpPr>
+            <p:cNvPr id="78" name="Rectangle 77"/>
+            <p:cNvSpPr/>
+            <p:nvPr/>
+          </p:nvSpPr>
+          <p:spPr>
+            <a:xfrm>
+              <a:off x="9928424" y="2692559"/>
+              <a:ext cx="536093" cy="550507"/>
+            </a:xfrm>
+            <a:prstGeom prst="rect">
+              <a:avLst/>
+            </a:prstGeom>
+            <a:solidFill>
+              <a:schemeClr val="tx1"/>
+            </a:solidFill>
+            <a:ln>
+              <a:solidFill>
+                <a:schemeClr val="tx1"/>
+              </a:solidFill>
+            </a:ln>
+          </p:spPr>
+          <p:style>
+            <a:lnRef idx="2">
+              <a:schemeClr val="accent1">
+                <a:shade val="50000"/>
+              </a:schemeClr>
+            </a:lnRef>
+            <a:fillRef idx="1">
+              <a:schemeClr val="accent1"/>
+            </a:fillRef>
+            <a:effectRef idx="0">
+              <a:schemeClr val="accent1"/>
+            </a:effectRef>
+            <a:fontRef idx="minor">
+              <a:schemeClr val="lt1"/>
+            </a:fontRef>
+          </p:style>
+          <p:txBody>
+            <a:bodyPr rtlCol="0" anchor="ctr"/>
+            <a:lstStyle/>
+            <a:p>
+              <a:pPr algn="ctr"/>
+              <a:r>
+                <a:rPr lang="en-US" dirty="0"/>
+                <a:t>33</a:t>
+              </a:r>
+            </a:p>
+          </p:txBody>
+        </p:sp>
+        <p:sp>
+          <p:nvSpPr>
+            <p:cNvPr id="79" name="Rectangle 78"/>
+            <p:cNvSpPr/>
+            <p:nvPr/>
+          </p:nvSpPr>
+          <p:spPr>
+            <a:xfrm>
+              <a:off x="6725863" y="1558205"/>
+              <a:ext cx="536093" cy="550507"/>
+            </a:xfrm>
+            <a:prstGeom prst="rect">
+              <a:avLst/>
+            </a:prstGeom>
+            <a:solidFill>
+              <a:schemeClr val="tx1"/>
+            </a:solidFill>
+            <a:ln>
+              <a:solidFill>
+                <a:schemeClr val="tx1"/>
+              </a:solidFill>
+            </a:ln>
+          </p:spPr>
+          <p:style>
+            <a:lnRef idx="2">
+              <a:schemeClr val="accent1">
+                <a:shade val="50000"/>
+              </a:schemeClr>
+            </a:lnRef>
+            <a:fillRef idx="1">
+              <a:schemeClr val="accent1"/>
+            </a:fillRef>
+            <a:effectRef idx="0">
+              <a:schemeClr val="accent1"/>
+            </a:effectRef>
+            <a:fontRef idx="minor">
+              <a:schemeClr val="lt1"/>
+            </a:fontRef>
+          </p:style>
+          <p:txBody>
+            <a:bodyPr rtlCol="0" anchor="ctr"/>
+            <a:lstStyle/>
+            <a:p>
+              <a:pPr algn="ctr"/>
+              <a:r>
+                <a:rPr lang="en-US" dirty="0"/>
+                <a:t>33</a:t>
+              </a:r>
+            </a:p>
+          </p:txBody>
+        </p:sp>
+        <p:sp>
+          <p:nvSpPr>
+            <p:cNvPr id="80" name="Rectangle 79"/>
+            <p:cNvSpPr/>
+            <p:nvPr/>
+          </p:nvSpPr>
+          <p:spPr>
+            <a:xfrm>
+              <a:off x="8882195" y="460353"/>
+              <a:ext cx="536093" cy="550507"/>
+            </a:xfrm>
+            <a:prstGeom prst="rect">
+              <a:avLst/>
+            </a:prstGeom>
+            <a:solidFill>
+              <a:schemeClr val="tx1"/>
+            </a:solidFill>
+            <a:ln>
+              <a:solidFill>
+                <a:schemeClr val="tx1"/>
+              </a:solidFill>
+            </a:ln>
+          </p:spPr>
+          <p:style>
+            <a:lnRef idx="2">
+              <a:schemeClr val="accent1">
+                <a:shade val="50000"/>
+              </a:schemeClr>
+            </a:lnRef>
+            <a:fillRef idx="1">
+              <a:schemeClr val="accent1"/>
+            </a:fillRef>
+            <a:effectRef idx="0">
+              <a:schemeClr val="accent1"/>
+            </a:effectRef>
+            <a:fontRef idx="minor">
+              <a:schemeClr val="lt1"/>
+            </a:fontRef>
+          </p:style>
+          <p:txBody>
+            <a:bodyPr rtlCol="0" anchor="ctr"/>
+            <a:lstStyle/>
+            <a:p>
+              <a:pPr algn="ctr"/>
+              <a:r>
+                <a:rPr lang="en-US" dirty="0"/>
+                <a:t>33</a:t>
+              </a:r>
+            </a:p>
+          </p:txBody>
+        </p:sp>
+        <p:sp>
+          <p:nvSpPr>
+            <p:cNvPr id="81" name="Rectangle 80"/>
+            <p:cNvSpPr/>
+            <p:nvPr/>
+          </p:nvSpPr>
+          <p:spPr>
+            <a:xfrm>
+              <a:off x="7806022" y="3822051"/>
               <a:ext cx="536093" cy="550507"/>
             </a:xfrm>
             <a:prstGeom prst="rect">
@@ -5558,1495 +8202,13 @@
         </p:sp>
         <p:sp>
           <p:nvSpPr>
-            <p:cNvPr id="23" name="Rectangle 22"/>
-            <p:cNvSpPr/>
-            <p:nvPr/>
-          </p:nvSpPr>
-          <p:spPr>
-            <a:xfrm>
-              <a:off x="4442181" y="4462737"/>
-              <a:ext cx="536093" cy="550507"/>
-            </a:xfrm>
-            <a:prstGeom prst="rect">
-              <a:avLst/>
-            </a:prstGeom>
-            <a:solidFill>
-              <a:schemeClr val="tx1"/>
-            </a:solidFill>
-            <a:ln>
-              <a:solidFill>
-                <a:schemeClr val="tx1"/>
-              </a:solidFill>
-            </a:ln>
-          </p:spPr>
-          <p:style>
-            <a:lnRef idx="2">
-              <a:schemeClr val="accent1">
-                <a:shade val="50000"/>
-              </a:schemeClr>
-            </a:lnRef>
-            <a:fillRef idx="1">
-              <a:schemeClr val="accent1"/>
-            </a:fillRef>
-            <a:effectRef idx="0">
-              <a:schemeClr val="accent1"/>
-            </a:effectRef>
-            <a:fontRef idx="minor">
-              <a:schemeClr val="lt1"/>
-            </a:fontRef>
-          </p:style>
-          <p:txBody>
-            <a:bodyPr rtlCol="0" anchor="ctr"/>
-            <a:lstStyle/>
-            <a:p>
-              <a:pPr algn="ctr"/>
-              <a:r>
-                <a:rPr lang="en-US" dirty="0"/>
-                <a:t>33</a:t>
-              </a:r>
-            </a:p>
-          </p:txBody>
-        </p:sp>
-        <p:sp>
-          <p:nvSpPr>
-            <p:cNvPr id="24" name="Rectangle 23"/>
-            <p:cNvSpPr/>
-            <p:nvPr/>
-          </p:nvSpPr>
-          <p:spPr>
-            <a:xfrm>
-              <a:off x="4957441" y="3912230"/>
-              <a:ext cx="536093" cy="550507"/>
-            </a:xfrm>
-            <a:prstGeom prst="rect">
-              <a:avLst/>
-            </a:prstGeom>
-            <a:solidFill>
-              <a:schemeClr val="tx1"/>
-            </a:solidFill>
-            <a:ln>
-              <a:solidFill>
-                <a:schemeClr val="tx1"/>
-              </a:solidFill>
-            </a:ln>
-          </p:spPr>
-          <p:style>
-            <a:lnRef idx="2">
-              <a:schemeClr val="accent1">
-                <a:shade val="50000"/>
-              </a:schemeClr>
-            </a:lnRef>
-            <a:fillRef idx="1">
-              <a:schemeClr val="accent1"/>
-            </a:fillRef>
-            <a:effectRef idx="0">
-              <a:schemeClr val="accent1"/>
-            </a:effectRef>
-            <a:fontRef idx="minor">
-              <a:schemeClr val="lt1"/>
-            </a:fontRef>
-          </p:style>
-          <p:txBody>
-            <a:bodyPr rtlCol="0" anchor="ctr"/>
-            <a:lstStyle/>
-            <a:p>
-              <a:pPr algn="ctr"/>
-              <a:r>
-                <a:rPr lang="en-US" dirty="0"/>
-                <a:t>33</a:t>
-              </a:r>
-            </a:p>
-          </p:txBody>
-        </p:sp>
-        <p:sp>
-          <p:nvSpPr>
-            <p:cNvPr id="25" name="Rectangle 24"/>
-            <p:cNvSpPr/>
-            <p:nvPr/>
-          </p:nvSpPr>
-          <p:spPr>
-            <a:xfrm>
-              <a:off x="4961428" y="3373695"/>
-              <a:ext cx="536093" cy="550507"/>
-            </a:xfrm>
-            <a:prstGeom prst="rect">
-              <a:avLst/>
-            </a:prstGeom>
-            <a:solidFill>
-              <a:schemeClr val="tx1"/>
-            </a:solidFill>
-            <a:ln>
-              <a:solidFill>
-                <a:schemeClr val="tx1"/>
-              </a:solidFill>
-            </a:ln>
-          </p:spPr>
-          <p:style>
-            <a:lnRef idx="2">
-              <a:schemeClr val="accent1">
-                <a:shade val="50000"/>
-              </a:schemeClr>
-            </a:lnRef>
-            <a:fillRef idx="1">
-              <a:schemeClr val="accent1"/>
-            </a:fillRef>
-            <a:effectRef idx="0">
-              <a:schemeClr val="accent1"/>
-            </a:effectRef>
-            <a:fontRef idx="minor">
-              <a:schemeClr val="lt1"/>
-            </a:fontRef>
-          </p:style>
-          <p:txBody>
-            <a:bodyPr rtlCol="0" anchor="ctr"/>
-            <a:lstStyle/>
-            <a:p>
-              <a:pPr algn="ctr"/>
-              <a:r>
-                <a:rPr lang="en-US" dirty="0"/>
-                <a:t>33</a:t>
-              </a:r>
-            </a:p>
-          </p:txBody>
-        </p:sp>
-        <p:sp>
-          <p:nvSpPr>
-            <p:cNvPr id="26" name="Rectangle 25"/>
-            <p:cNvSpPr/>
-            <p:nvPr/>
-          </p:nvSpPr>
-          <p:spPr>
-            <a:xfrm>
-              <a:off x="1758867" y="2239341"/>
-              <a:ext cx="536093" cy="550507"/>
-            </a:xfrm>
-            <a:prstGeom prst="rect">
-              <a:avLst/>
-            </a:prstGeom>
-            <a:solidFill>
-              <a:schemeClr val="tx1"/>
-            </a:solidFill>
-            <a:ln>
-              <a:solidFill>
-                <a:schemeClr val="tx1"/>
-              </a:solidFill>
-            </a:ln>
-          </p:spPr>
-          <p:style>
-            <a:lnRef idx="2">
-              <a:schemeClr val="accent1">
-                <a:shade val="50000"/>
-              </a:schemeClr>
-            </a:lnRef>
-            <a:fillRef idx="1">
-              <a:schemeClr val="accent1"/>
-            </a:fillRef>
-            <a:effectRef idx="0">
-              <a:schemeClr val="accent1"/>
-            </a:effectRef>
-            <a:fontRef idx="minor">
-              <a:schemeClr val="lt1"/>
-            </a:fontRef>
-          </p:style>
-          <p:txBody>
-            <a:bodyPr rtlCol="0" anchor="ctr"/>
-            <a:lstStyle/>
-            <a:p>
-              <a:pPr algn="ctr"/>
-              <a:r>
-                <a:rPr lang="en-US" dirty="0"/>
-                <a:t>33</a:t>
-              </a:r>
-            </a:p>
-          </p:txBody>
-        </p:sp>
-        <p:sp>
-          <p:nvSpPr>
-            <p:cNvPr id="27" name="Rectangle 26"/>
-            <p:cNvSpPr/>
-            <p:nvPr/>
-          </p:nvSpPr>
-          <p:spPr>
-            <a:xfrm>
-              <a:off x="3915199" y="1141489"/>
-              <a:ext cx="536093" cy="550507"/>
-            </a:xfrm>
-            <a:prstGeom prst="rect">
-              <a:avLst/>
-            </a:prstGeom>
-            <a:solidFill>
-              <a:schemeClr val="tx1"/>
-            </a:solidFill>
-            <a:ln>
-              <a:solidFill>
-                <a:schemeClr val="tx1"/>
-              </a:solidFill>
-            </a:ln>
-          </p:spPr>
-          <p:style>
-            <a:lnRef idx="2">
-              <a:schemeClr val="accent1">
-                <a:shade val="50000"/>
-              </a:schemeClr>
-            </a:lnRef>
-            <a:fillRef idx="1">
-              <a:schemeClr val="accent1"/>
-            </a:fillRef>
-            <a:effectRef idx="0">
-              <a:schemeClr val="accent1"/>
-            </a:effectRef>
-            <a:fontRef idx="minor">
-              <a:schemeClr val="lt1"/>
-            </a:fontRef>
-          </p:style>
-          <p:txBody>
-            <a:bodyPr rtlCol="0" anchor="ctr"/>
-            <a:lstStyle/>
-            <a:p>
-              <a:pPr algn="ctr"/>
-              <a:r>
-                <a:rPr lang="en-US" dirty="0"/>
-                <a:t>33</a:t>
-              </a:r>
-            </a:p>
-          </p:txBody>
-        </p:sp>
-        <p:sp>
-          <p:nvSpPr>
-            <p:cNvPr id="28" name="Rectangle 27"/>
-            <p:cNvSpPr/>
-            <p:nvPr/>
-          </p:nvSpPr>
-          <p:spPr>
-            <a:xfrm>
-              <a:off x="2839026" y="4503187"/>
-              <a:ext cx="536093" cy="550507"/>
-            </a:xfrm>
-            <a:prstGeom prst="rect">
-              <a:avLst/>
-            </a:prstGeom>
-            <a:solidFill>
-              <a:schemeClr val="tx1"/>
-            </a:solidFill>
-            <a:ln>
-              <a:solidFill>
-                <a:schemeClr val="tx1"/>
-              </a:solidFill>
-            </a:ln>
-          </p:spPr>
-          <p:style>
-            <a:lnRef idx="2">
-              <a:schemeClr val="accent1">
-                <a:shade val="50000"/>
-              </a:schemeClr>
-            </a:lnRef>
-            <a:fillRef idx="1">
-              <a:schemeClr val="accent1"/>
-            </a:fillRef>
-            <a:effectRef idx="0">
-              <a:schemeClr val="accent1"/>
-            </a:effectRef>
-            <a:fontRef idx="minor">
-              <a:schemeClr val="lt1"/>
-            </a:fontRef>
-          </p:style>
-          <p:txBody>
-            <a:bodyPr rtlCol="0" anchor="ctr"/>
-            <a:lstStyle/>
-            <a:p>
-              <a:pPr algn="ctr"/>
-              <a:r>
-                <a:rPr lang="en-US" dirty="0"/>
-                <a:t>26</a:t>
-              </a:r>
-            </a:p>
-          </p:txBody>
-        </p:sp>
-      </p:grpSp>
-      <p:grpSp>
-        <p:nvGrpSpPr>
-          <p:cNvPr id="94" name="Group 93"/>
-          <p:cNvGrpSpPr/>
-          <p:nvPr/>
-        </p:nvGrpSpPr>
-        <p:grpSpPr>
-          <a:xfrm>
-            <a:off x="5953990" y="-307912"/>
-            <a:ext cx="5300732" cy="5423729"/>
-            <a:chOff x="5953990" y="382555"/>
-            <a:chExt cx="5300732" cy="5423729"/>
-          </a:xfrm>
-        </p:grpSpPr>
-        <p:grpSp>
-          <p:nvGrpSpPr>
-            <p:cNvPr id="64" name="Group 63"/>
-            <p:cNvGrpSpPr/>
-            <p:nvPr/>
-          </p:nvGrpSpPr>
-          <p:grpSpPr>
-            <a:xfrm>
-              <a:off x="6489754" y="888094"/>
-              <a:ext cx="4240816" cy="4434683"/>
-              <a:chOff x="1522758" y="878763"/>
-              <a:chExt cx="4240816" cy="4434683"/>
-            </a:xfrm>
-          </p:grpSpPr>
-          <p:grpSp>
-            <p:nvGrpSpPr>
-              <p:cNvPr id="65" name="Group 64"/>
-              <p:cNvGrpSpPr/>
-              <p:nvPr/>
-            </p:nvGrpSpPr>
-            <p:grpSpPr>
-              <a:xfrm>
-                <a:off x="1522758" y="878763"/>
-                <a:ext cx="4240816" cy="4434683"/>
-                <a:chOff x="1451199" y="981400"/>
-                <a:chExt cx="4240816" cy="4434683"/>
-              </a:xfrm>
-            </p:grpSpPr>
-            <p:grpSp>
-              <p:nvGrpSpPr>
-                <p:cNvPr id="82" name="Group 81"/>
-                <p:cNvGrpSpPr/>
-                <p:nvPr/>
-              </p:nvGrpSpPr>
-              <p:grpSpPr>
-                <a:xfrm>
-                  <a:off x="1451199" y="981400"/>
-                  <a:ext cx="4240816" cy="4434683"/>
-                  <a:chOff x="6265795" y="1046717"/>
-                  <a:chExt cx="4240816" cy="4434683"/>
-                </a:xfrm>
-              </p:grpSpPr>
-              <p:pic>
-                <p:nvPicPr>
-                  <p:cNvPr id="84" name="Picture 83"/>
-                  <p:cNvPicPr>
-                    <a:picLocks noChangeAspect="1"/>
-                  </p:cNvPicPr>
-                  <p:nvPr/>
-                </p:nvPicPr>
-                <p:blipFill>
-                  <a:blip r:embed="rId2">
-                    <a:extLst>
-                      <a:ext uri="{28A0092B-C50C-407E-A947-70E740481C1C}">
-                        <a14:useLocalDpi xmlns:a14="http://schemas.microsoft.com/office/drawing/2010/main" val="0"/>
-                      </a:ext>
-                    </a:extLst>
-                  </a:blip>
-                  <a:stretch>
-                    <a:fillRect/>
-                  </a:stretch>
-                </p:blipFill>
-                <p:spPr>
-                  <a:xfrm>
-                    <a:off x="6265795" y="1046717"/>
-                    <a:ext cx="4240816" cy="4434683"/>
-                  </a:xfrm>
-                  <a:prstGeom prst="rect">
-                    <a:avLst/>
-                  </a:prstGeom>
-                </p:spPr>
-              </p:pic>
-              <p:grpSp>
-                <p:nvGrpSpPr>
-                  <p:cNvPr id="85" name="Group 84"/>
-                  <p:cNvGrpSpPr/>
-                  <p:nvPr/>
-                </p:nvGrpSpPr>
-                <p:grpSpPr>
-                  <a:xfrm>
-                    <a:off x="8105060" y="2407296"/>
-                    <a:ext cx="1085282" cy="1696831"/>
-                    <a:chOff x="8105060" y="2407296"/>
-                    <a:chExt cx="1085282" cy="1696831"/>
-                  </a:xfrm>
-                </p:grpSpPr>
-                <p:sp>
-                  <p:nvSpPr>
-                    <p:cNvPr id="86" name="Rectangle 85"/>
-                    <p:cNvSpPr/>
-                    <p:nvPr/>
-                  </p:nvSpPr>
-                  <p:spPr>
-                    <a:xfrm>
-                      <a:off x="8118156" y="2407296"/>
-                      <a:ext cx="536093" cy="550507"/>
-                    </a:xfrm>
-                    <a:prstGeom prst="rect">
-                      <a:avLst/>
-                    </a:prstGeom>
-                    <a:solidFill>
-                      <a:schemeClr val="tx1"/>
-                    </a:solidFill>
-                    <a:ln>
-                      <a:solidFill>
-                        <a:schemeClr val="tx1"/>
-                      </a:solidFill>
-                    </a:ln>
-                  </p:spPr>
-                  <p:style>
-                    <a:lnRef idx="2">
-                      <a:schemeClr val="accent1">
-                        <a:shade val="50000"/>
-                      </a:schemeClr>
-                    </a:lnRef>
-                    <a:fillRef idx="1">
-                      <a:schemeClr val="accent1"/>
-                    </a:fillRef>
-                    <a:effectRef idx="0">
-                      <a:schemeClr val="accent1"/>
-                    </a:effectRef>
-                    <a:fontRef idx="minor">
-                      <a:schemeClr val="lt1"/>
-                    </a:fontRef>
-                  </p:style>
-                  <p:txBody>
-                    <a:bodyPr rtlCol="0" anchor="ctr"/>
-                    <a:lstStyle/>
-                    <a:p>
-                      <a:pPr algn="ctr"/>
-                      <a:r>
-                        <a:rPr lang="en-US" dirty="0"/>
-                        <a:t>33</a:t>
-                      </a:r>
-                    </a:p>
-                  </p:txBody>
-                </p:sp>
-                <p:sp>
-                  <p:nvSpPr>
-                    <p:cNvPr id="87" name="Rectangle 86"/>
-                    <p:cNvSpPr/>
-                    <p:nvPr/>
-                  </p:nvSpPr>
-                  <p:spPr>
-                    <a:xfrm>
-                      <a:off x="8654249" y="2970143"/>
-                      <a:ext cx="536093" cy="550507"/>
-                    </a:xfrm>
-                    <a:prstGeom prst="rect">
-                      <a:avLst/>
-                    </a:prstGeom>
-                    <a:solidFill>
-                      <a:schemeClr val="tx1"/>
-                    </a:solidFill>
-                    <a:ln>
-                      <a:solidFill>
-                        <a:schemeClr val="tx1"/>
-                      </a:solidFill>
-                    </a:ln>
-                  </p:spPr>
-                  <p:style>
-                    <a:lnRef idx="2">
-                      <a:schemeClr val="accent1">
-                        <a:shade val="50000"/>
-                      </a:schemeClr>
-                    </a:lnRef>
-                    <a:fillRef idx="1">
-                      <a:schemeClr val="accent1"/>
-                    </a:fillRef>
-                    <a:effectRef idx="0">
-                      <a:schemeClr val="accent1"/>
-                    </a:effectRef>
-                    <a:fontRef idx="minor">
-                      <a:schemeClr val="lt1"/>
-                    </a:fontRef>
-                  </p:style>
-                  <p:txBody>
-                    <a:bodyPr rtlCol="0" anchor="ctr"/>
-                    <a:lstStyle/>
-                    <a:p>
-                      <a:pPr algn="ctr"/>
-                      <a:r>
-                        <a:rPr lang="en-US" dirty="0"/>
-                        <a:t>33</a:t>
-                      </a:r>
-                    </a:p>
-                  </p:txBody>
-                </p:sp>
-                <p:sp>
-                  <p:nvSpPr>
-                    <p:cNvPr id="88" name="Rectangle 87"/>
-                    <p:cNvSpPr/>
-                    <p:nvPr/>
-                  </p:nvSpPr>
-                  <p:spPr>
-                    <a:xfrm>
-                      <a:off x="8654249" y="3553620"/>
-                      <a:ext cx="536093" cy="550507"/>
-                    </a:xfrm>
-                    <a:prstGeom prst="rect">
-                      <a:avLst/>
-                    </a:prstGeom>
-                    <a:solidFill>
-                      <a:schemeClr val="tx1"/>
-                    </a:solidFill>
-                    <a:ln>
-                      <a:solidFill>
-                        <a:schemeClr val="tx1"/>
-                      </a:solidFill>
-                    </a:ln>
-                  </p:spPr>
-                  <p:style>
-                    <a:lnRef idx="2">
-                      <a:schemeClr val="accent1">
-                        <a:shade val="50000"/>
-                      </a:schemeClr>
-                    </a:lnRef>
-                    <a:fillRef idx="1">
-                      <a:schemeClr val="accent1"/>
-                    </a:fillRef>
-                    <a:effectRef idx="0">
-                      <a:schemeClr val="accent1"/>
-                    </a:effectRef>
-                    <a:fontRef idx="minor">
-                      <a:schemeClr val="lt1"/>
-                    </a:fontRef>
-                  </p:style>
-                  <p:txBody>
-                    <a:bodyPr rtlCol="0" anchor="ctr"/>
-                    <a:lstStyle/>
-                    <a:p>
-                      <a:pPr algn="ctr"/>
-                      <a:r>
-                        <a:rPr lang="en-US" dirty="0"/>
-                        <a:t>33</a:t>
-                      </a:r>
-                    </a:p>
-                  </p:txBody>
-                </p:sp>
-                <p:sp>
-                  <p:nvSpPr>
-                    <p:cNvPr id="89" name="Rectangle 88"/>
-                    <p:cNvSpPr/>
-                    <p:nvPr/>
-                  </p:nvSpPr>
-                  <p:spPr>
-                    <a:xfrm>
-                      <a:off x="8105060" y="3520650"/>
-                      <a:ext cx="536093" cy="550507"/>
-                    </a:xfrm>
-                    <a:prstGeom prst="rect">
-                      <a:avLst/>
-                    </a:prstGeom>
-                    <a:solidFill>
-                      <a:schemeClr val="tx1"/>
-                    </a:solidFill>
-                    <a:ln>
-                      <a:solidFill>
-                        <a:schemeClr val="tx1"/>
-                      </a:solidFill>
-                    </a:ln>
-                  </p:spPr>
-                  <p:style>
-                    <a:lnRef idx="2">
-                      <a:schemeClr val="accent1">
-                        <a:shade val="50000"/>
-                      </a:schemeClr>
-                    </a:lnRef>
-                    <a:fillRef idx="1">
-                      <a:schemeClr val="accent1"/>
-                    </a:fillRef>
-                    <a:effectRef idx="0">
-                      <a:schemeClr val="accent1"/>
-                    </a:effectRef>
-                    <a:fontRef idx="minor">
-                      <a:schemeClr val="lt1"/>
-                    </a:fontRef>
-                  </p:style>
-                  <p:txBody>
-                    <a:bodyPr rtlCol="0" anchor="ctr"/>
-                    <a:lstStyle/>
-                    <a:p>
-                      <a:pPr algn="ctr"/>
-                      <a:r>
-                        <a:rPr lang="en-US" dirty="0"/>
-                        <a:t>33</a:t>
-                      </a:r>
-                    </a:p>
-                  </p:txBody>
-                </p:sp>
-              </p:grpSp>
-            </p:grpSp>
-            <p:sp>
-              <p:nvSpPr>
-                <p:cNvPr id="83" name="Rectangle 82"/>
-                <p:cNvSpPr/>
-                <p:nvPr/>
-              </p:nvSpPr>
-              <p:spPr>
-                <a:xfrm>
-                  <a:off x="2236497" y="2923489"/>
-                  <a:ext cx="536093" cy="550507"/>
-                </a:xfrm>
-                <a:prstGeom prst="rect">
-                  <a:avLst/>
-                </a:prstGeom>
-                <a:solidFill>
-                  <a:schemeClr val="tx1"/>
-                </a:solidFill>
-                <a:ln>
-                  <a:solidFill>
-                    <a:schemeClr val="tx1"/>
-                  </a:solidFill>
-                </a:ln>
-              </p:spPr>
-              <p:style>
-                <a:lnRef idx="2">
-                  <a:schemeClr val="accent1">
-                    <a:shade val="50000"/>
-                  </a:schemeClr>
-                </a:lnRef>
-                <a:fillRef idx="1">
-                  <a:schemeClr val="accent1"/>
-                </a:fillRef>
-                <a:effectRef idx="0">
-                  <a:schemeClr val="accent1"/>
-                </a:effectRef>
-                <a:fontRef idx="minor">
-                  <a:schemeClr val="lt1"/>
-                </a:fontRef>
-              </p:style>
-              <p:txBody>
-                <a:bodyPr rtlCol="0" anchor="ctr"/>
-                <a:lstStyle/>
-                <a:p>
-                  <a:pPr algn="ctr"/>
-                  <a:r>
-                    <a:rPr lang="en-US" dirty="0"/>
-                    <a:t>33</a:t>
-                  </a:r>
-                </a:p>
-              </p:txBody>
-            </p:sp>
-          </p:grpSp>
-          <p:sp>
-            <p:nvSpPr>
-              <p:cNvPr id="66" name="Rectangle 65"/>
-              <p:cNvSpPr/>
-              <p:nvPr/>
-            </p:nvSpPr>
-            <p:spPr>
-              <a:xfrm>
-                <a:off x="4460401" y="2820850"/>
-                <a:ext cx="536093" cy="550507"/>
-              </a:xfrm>
-              <a:prstGeom prst="rect">
-                <a:avLst/>
-              </a:prstGeom>
-              <a:solidFill>
-                <a:schemeClr val="tx1"/>
-              </a:solidFill>
-              <a:ln>
-                <a:solidFill>
-                  <a:schemeClr val="tx1"/>
-                </a:solidFill>
-              </a:ln>
-            </p:spPr>
-            <p:style>
-              <a:lnRef idx="2">
-                <a:schemeClr val="accent1">
-                  <a:shade val="50000"/>
-                </a:schemeClr>
-              </a:lnRef>
-              <a:fillRef idx="1">
-                <a:schemeClr val="accent1"/>
-              </a:fillRef>
-              <a:effectRef idx="0">
-                <a:schemeClr val="accent1"/>
-              </a:effectRef>
-              <a:fontRef idx="minor">
-                <a:schemeClr val="lt1"/>
-              </a:fontRef>
-            </p:style>
-            <p:txBody>
-              <a:bodyPr rtlCol="0" anchor="ctr"/>
-              <a:lstStyle/>
-              <a:p>
-                <a:pPr algn="ctr"/>
-                <a:r>
-                  <a:rPr lang="en-US" dirty="0"/>
-                  <a:t>33</a:t>
-                </a:r>
-              </a:p>
-            </p:txBody>
-          </p:sp>
-          <p:sp>
-            <p:nvSpPr>
-              <p:cNvPr id="67" name="Rectangle 66"/>
-              <p:cNvSpPr/>
-              <p:nvPr/>
-            </p:nvSpPr>
-            <p:spPr>
-              <a:xfrm>
-                <a:off x="4978275" y="2807166"/>
-                <a:ext cx="536093" cy="550507"/>
-              </a:xfrm>
-              <a:prstGeom prst="rect">
-                <a:avLst/>
-              </a:prstGeom>
-              <a:solidFill>
-                <a:schemeClr val="tx1"/>
-              </a:solidFill>
-              <a:ln>
-                <a:solidFill>
-                  <a:schemeClr val="tx1"/>
-                </a:solidFill>
-              </a:ln>
-            </p:spPr>
-            <p:style>
-              <a:lnRef idx="2">
-                <a:schemeClr val="accent1">
-                  <a:shade val="50000"/>
-                </a:schemeClr>
-              </a:lnRef>
-              <a:fillRef idx="1">
-                <a:schemeClr val="accent1"/>
-              </a:fillRef>
-              <a:effectRef idx="0">
-                <a:schemeClr val="accent1"/>
-              </a:effectRef>
-              <a:fontRef idx="minor">
-                <a:schemeClr val="lt1"/>
-              </a:fontRef>
-            </p:style>
-            <p:txBody>
-              <a:bodyPr rtlCol="0" anchor="ctr"/>
-              <a:lstStyle/>
-              <a:p>
-                <a:pPr algn="ctr"/>
-                <a:r>
-                  <a:rPr lang="en-US" dirty="0"/>
-                  <a:t>33</a:t>
-                </a:r>
-              </a:p>
-            </p:txBody>
-          </p:sp>
-          <p:sp>
-            <p:nvSpPr>
-              <p:cNvPr id="68" name="Rectangle 67"/>
-              <p:cNvSpPr/>
-              <p:nvPr/>
-            </p:nvSpPr>
-            <p:spPr>
-              <a:xfrm>
-                <a:off x="2308056" y="2251682"/>
-                <a:ext cx="536093" cy="550507"/>
-              </a:xfrm>
-              <a:prstGeom prst="rect">
-                <a:avLst/>
-              </a:prstGeom>
-              <a:solidFill>
-                <a:schemeClr val="tx1"/>
-              </a:solidFill>
-              <a:ln>
-                <a:solidFill>
-                  <a:schemeClr val="tx1"/>
-                </a:solidFill>
-              </a:ln>
-            </p:spPr>
-            <p:style>
-              <a:lnRef idx="2">
-                <a:schemeClr val="accent1">
-                  <a:shade val="50000"/>
-                </a:schemeClr>
-              </a:lnRef>
-              <a:fillRef idx="1">
-                <a:schemeClr val="accent1"/>
-              </a:fillRef>
-              <a:effectRef idx="0">
-                <a:schemeClr val="accent1"/>
-              </a:effectRef>
-              <a:fontRef idx="minor">
-                <a:schemeClr val="lt1"/>
-              </a:fontRef>
-            </p:style>
-            <p:txBody>
-              <a:bodyPr rtlCol="0" anchor="ctr"/>
-              <a:lstStyle/>
-              <a:p>
-                <a:pPr algn="ctr"/>
-                <a:r>
-                  <a:rPr lang="en-US" dirty="0"/>
-                  <a:t>33</a:t>
-                </a:r>
-              </a:p>
-            </p:txBody>
-          </p:sp>
-          <p:sp>
-            <p:nvSpPr>
-              <p:cNvPr id="69" name="Rectangle 68"/>
-              <p:cNvSpPr/>
-              <p:nvPr/>
-            </p:nvSpPr>
-            <p:spPr>
-              <a:xfrm>
-                <a:off x="1745771" y="2802189"/>
-                <a:ext cx="536093" cy="550507"/>
-              </a:xfrm>
-              <a:prstGeom prst="rect">
-                <a:avLst/>
-              </a:prstGeom>
-              <a:solidFill>
-                <a:schemeClr val="tx1"/>
-              </a:solidFill>
-              <a:ln>
-                <a:solidFill>
-                  <a:schemeClr val="tx1"/>
-                </a:solidFill>
-              </a:ln>
-            </p:spPr>
-            <p:style>
-              <a:lnRef idx="2">
-                <a:schemeClr val="accent1">
-                  <a:shade val="50000"/>
-                </a:schemeClr>
-              </a:lnRef>
-              <a:fillRef idx="1">
-                <a:schemeClr val="accent1"/>
-              </a:fillRef>
-              <a:effectRef idx="0">
-                <a:schemeClr val="accent1"/>
-              </a:effectRef>
-              <a:fontRef idx="minor">
-                <a:schemeClr val="lt1"/>
-              </a:fontRef>
-            </p:style>
-            <p:txBody>
-              <a:bodyPr rtlCol="0" anchor="ctr"/>
-              <a:lstStyle/>
-              <a:p>
-                <a:pPr algn="ctr"/>
-                <a:r>
-                  <a:rPr lang="en-US" dirty="0"/>
-                  <a:t>33</a:t>
-                </a:r>
-              </a:p>
-            </p:txBody>
-          </p:sp>
-          <p:sp>
-            <p:nvSpPr>
-              <p:cNvPr id="70" name="Rectangle 69"/>
-              <p:cNvSpPr/>
-              <p:nvPr/>
-            </p:nvSpPr>
-            <p:spPr>
-              <a:xfrm>
-                <a:off x="2839026" y="2239342"/>
-                <a:ext cx="536093" cy="550507"/>
-              </a:xfrm>
-              <a:prstGeom prst="rect">
-                <a:avLst/>
-              </a:prstGeom>
-              <a:solidFill>
-                <a:schemeClr val="tx1"/>
-              </a:solidFill>
-              <a:ln>
-                <a:solidFill>
-                  <a:schemeClr val="tx1"/>
-                </a:solidFill>
-              </a:ln>
-            </p:spPr>
-            <p:style>
-              <a:lnRef idx="2">
-                <a:schemeClr val="accent1">
-                  <a:shade val="50000"/>
-                </a:schemeClr>
-              </a:lnRef>
-              <a:fillRef idx="1">
-                <a:schemeClr val="accent1"/>
-              </a:fillRef>
-              <a:effectRef idx="0">
-                <a:schemeClr val="accent1"/>
-              </a:effectRef>
-              <a:fontRef idx="minor">
-                <a:schemeClr val="lt1"/>
-              </a:fontRef>
-            </p:style>
-            <p:txBody>
-              <a:bodyPr rtlCol="0" anchor="ctr"/>
-              <a:lstStyle/>
-              <a:p>
-                <a:pPr algn="ctr"/>
-                <a:r>
-                  <a:rPr lang="en-US" dirty="0"/>
-                  <a:t>33</a:t>
-                </a:r>
-              </a:p>
-            </p:txBody>
-          </p:sp>
-          <p:sp>
-            <p:nvSpPr>
-              <p:cNvPr id="71" name="Rectangle 70"/>
-              <p:cNvSpPr/>
-              <p:nvPr/>
-            </p:nvSpPr>
-            <p:spPr>
-              <a:xfrm>
-                <a:off x="3911211" y="2261997"/>
-                <a:ext cx="536093" cy="550507"/>
-              </a:xfrm>
-              <a:prstGeom prst="rect">
-                <a:avLst/>
-              </a:prstGeom>
-              <a:solidFill>
-                <a:schemeClr val="tx1"/>
-              </a:solidFill>
-              <a:ln>
-                <a:solidFill>
-                  <a:schemeClr val="tx1"/>
-                </a:solidFill>
-              </a:ln>
-            </p:spPr>
-            <p:style>
-              <a:lnRef idx="2">
-                <a:schemeClr val="accent1">
-                  <a:shade val="50000"/>
-                </a:schemeClr>
-              </a:lnRef>
-              <a:fillRef idx="1">
-                <a:schemeClr val="accent1"/>
-              </a:fillRef>
-              <a:effectRef idx="0">
-                <a:schemeClr val="accent1"/>
-              </a:effectRef>
-              <a:fontRef idx="minor">
-                <a:schemeClr val="lt1"/>
-              </a:fontRef>
-            </p:style>
-            <p:txBody>
-              <a:bodyPr rtlCol="0" anchor="ctr"/>
-              <a:lstStyle/>
-              <a:p>
-                <a:pPr algn="ctr"/>
-                <a:r>
-                  <a:rPr lang="en-US" dirty="0"/>
-                  <a:t>33</a:t>
-                </a:r>
-              </a:p>
-            </p:txBody>
-          </p:sp>
-          <p:sp>
-            <p:nvSpPr>
-              <p:cNvPr id="72" name="Rectangle 71"/>
-              <p:cNvSpPr/>
-              <p:nvPr/>
-            </p:nvSpPr>
-            <p:spPr>
-              <a:xfrm>
-                <a:off x="3906089" y="1688835"/>
-                <a:ext cx="536093" cy="550507"/>
-              </a:xfrm>
-              <a:prstGeom prst="rect">
-                <a:avLst/>
-              </a:prstGeom>
-              <a:solidFill>
-                <a:schemeClr val="tx1"/>
-              </a:solidFill>
-              <a:ln>
-                <a:solidFill>
-                  <a:schemeClr val="tx1"/>
-                </a:solidFill>
-              </a:ln>
-            </p:spPr>
-            <p:style>
-              <a:lnRef idx="2">
-                <a:schemeClr val="accent1">
-                  <a:shade val="50000"/>
-                </a:schemeClr>
-              </a:lnRef>
-              <a:fillRef idx="1">
-                <a:schemeClr val="accent1"/>
-              </a:fillRef>
-              <a:effectRef idx="0">
-                <a:schemeClr val="accent1"/>
-              </a:effectRef>
-              <a:fontRef idx="minor">
-                <a:schemeClr val="lt1"/>
-              </a:fontRef>
-            </p:style>
-            <p:txBody>
-              <a:bodyPr rtlCol="0" anchor="ctr"/>
-              <a:lstStyle/>
-              <a:p>
-                <a:pPr algn="ctr"/>
-                <a:r>
-                  <a:rPr lang="en-US" dirty="0"/>
-                  <a:t>33</a:t>
-                </a:r>
-              </a:p>
-            </p:txBody>
-          </p:sp>
-          <p:sp>
-            <p:nvSpPr>
-              <p:cNvPr id="73" name="Rectangle 72"/>
-              <p:cNvSpPr/>
-              <p:nvPr/>
-            </p:nvSpPr>
-            <p:spPr>
-              <a:xfrm>
-                <a:off x="4451292" y="3365036"/>
-                <a:ext cx="536093" cy="550507"/>
-              </a:xfrm>
-              <a:prstGeom prst="rect">
-                <a:avLst/>
-              </a:prstGeom>
-              <a:solidFill>
-                <a:schemeClr val="tx1"/>
-              </a:solidFill>
-              <a:ln>
-                <a:solidFill>
-                  <a:schemeClr val="tx1"/>
-                </a:solidFill>
-              </a:ln>
-            </p:spPr>
-            <p:style>
-              <a:lnRef idx="2">
-                <a:schemeClr val="accent1">
-                  <a:shade val="50000"/>
-                </a:schemeClr>
-              </a:lnRef>
-              <a:fillRef idx="1">
-                <a:schemeClr val="accent1"/>
-              </a:fillRef>
-              <a:effectRef idx="0">
-                <a:schemeClr val="accent1"/>
-              </a:effectRef>
-              <a:fontRef idx="minor">
-                <a:schemeClr val="lt1"/>
-              </a:fontRef>
-            </p:style>
-            <p:txBody>
-              <a:bodyPr rtlCol="0" anchor="ctr"/>
-              <a:lstStyle/>
-              <a:p>
-                <a:pPr algn="ctr"/>
-                <a:r>
-                  <a:rPr lang="en-US" dirty="0"/>
-                  <a:t>33</a:t>
-                </a:r>
-              </a:p>
-            </p:txBody>
-          </p:sp>
-          <p:sp>
-            <p:nvSpPr>
-              <p:cNvPr id="74" name="Rectangle 73"/>
-              <p:cNvSpPr/>
-              <p:nvPr/>
-            </p:nvSpPr>
-            <p:spPr>
-              <a:xfrm>
-                <a:off x="4442182" y="3910205"/>
-                <a:ext cx="536093" cy="550507"/>
-              </a:xfrm>
-              <a:prstGeom prst="rect">
-                <a:avLst/>
-              </a:prstGeom>
-              <a:solidFill>
-                <a:schemeClr val="tx1"/>
-              </a:solidFill>
-              <a:ln>
-                <a:solidFill>
-                  <a:schemeClr val="tx1"/>
-                </a:solidFill>
-              </a:ln>
-            </p:spPr>
-            <p:style>
-              <a:lnRef idx="2">
-                <a:schemeClr val="accent1">
-                  <a:shade val="50000"/>
-                </a:schemeClr>
-              </a:lnRef>
-              <a:fillRef idx="1">
-                <a:schemeClr val="accent1"/>
-              </a:fillRef>
-              <a:effectRef idx="0">
-                <a:schemeClr val="accent1"/>
-              </a:effectRef>
-              <a:fontRef idx="minor">
-                <a:schemeClr val="lt1"/>
-              </a:fontRef>
-            </p:style>
-            <p:txBody>
-              <a:bodyPr rtlCol="0" anchor="ctr"/>
-              <a:lstStyle/>
-              <a:p>
-                <a:pPr algn="ctr"/>
-                <a:r>
-                  <a:rPr lang="en-US" dirty="0"/>
-                  <a:t>33</a:t>
-                </a:r>
-              </a:p>
-            </p:txBody>
-          </p:sp>
-          <p:sp>
-            <p:nvSpPr>
-              <p:cNvPr id="75" name="Rectangle 74"/>
-              <p:cNvSpPr/>
-              <p:nvPr/>
-            </p:nvSpPr>
-            <p:spPr>
-              <a:xfrm>
-                <a:off x="2825930" y="3934206"/>
-                <a:ext cx="536093" cy="550507"/>
-              </a:xfrm>
-              <a:prstGeom prst="rect">
-                <a:avLst/>
-              </a:prstGeom>
-              <a:solidFill>
-                <a:schemeClr val="tx1"/>
-              </a:solidFill>
-              <a:ln>
-                <a:solidFill>
-                  <a:schemeClr val="tx1"/>
-                </a:solidFill>
-              </a:ln>
-            </p:spPr>
-            <p:style>
-              <a:lnRef idx="2">
-                <a:schemeClr val="accent1">
-                  <a:shade val="50000"/>
-                </a:schemeClr>
-              </a:lnRef>
-              <a:fillRef idx="1">
-                <a:schemeClr val="accent1"/>
-              </a:fillRef>
-              <a:effectRef idx="0">
-                <a:schemeClr val="accent1"/>
-              </a:effectRef>
-              <a:fontRef idx="minor">
-                <a:schemeClr val="lt1"/>
-              </a:fontRef>
-            </p:style>
-            <p:txBody>
-              <a:bodyPr rtlCol="0" anchor="ctr"/>
-              <a:lstStyle/>
-              <a:p>
-                <a:pPr algn="ctr"/>
-                <a:r>
-                  <a:rPr lang="en-US" dirty="0"/>
-                  <a:t>26</a:t>
-                </a:r>
-              </a:p>
-            </p:txBody>
-          </p:sp>
-          <p:sp>
-            <p:nvSpPr>
-              <p:cNvPr id="76" name="Rectangle 75"/>
-              <p:cNvSpPr/>
-              <p:nvPr/>
-            </p:nvSpPr>
-            <p:spPr>
-              <a:xfrm>
-                <a:off x="4442181" y="4462737"/>
-                <a:ext cx="536093" cy="550507"/>
-              </a:xfrm>
-              <a:prstGeom prst="rect">
-                <a:avLst/>
-              </a:prstGeom>
-              <a:solidFill>
-                <a:schemeClr val="tx1"/>
-              </a:solidFill>
-              <a:ln>
-                <a:solidFill>
-                  <a:schemeClr val="tx1"/>
-                </a:solidFill>
-              </a:ln>
-            </p:spPr>
-            <p:style>
-              <a:lnRef idx="2">
-                <a:schemeClr val="accent1">
-                  <a:shade val="50000"/>
-                </a:schemeClr>
-              </a:lnRef>
-              <a:fillRef idx="1">
-                <a:schemeClr val="accent1"/>
-              </a:fillRef>
-              <a:effectRef idx="0">
-                <a:schemeClr val="accent1"/>
-              </a:effectRef>
-              <a:fontRef idx="minor">
-                <a:schemeClr val="lt1"/>
-              </a:fontRef>
-            </p:style>
-            <p:txBody>
-              <a:bodyPr rtlCol="0" anchor="ctr"/>
-              <a:lstStyle/>
-              <a:p>
-                <a:pPr algn="ctr"/>
-                <a:r>
-                  <a:rPr lang="en-US" dirty="0"/>
-                  <a:t>33</a:t>
-                </a:r>
-              </a:p>
-            </p:txBody>
-          </p:sp>
-          <p:sp>
-            <p:nvSpPr>
-              <p:cNvPr id="77" name="Rectangle 76"/>
-              <p:cNvSpPr/>
-              <p:nvPr/>
-            </p:nvSpPr>
-            <p:spPr>
-              <a:xfrm>
-                <a:off x="4957441" y="3912230"/>
-                <a:ext cx="536093" cy="550507"/>
-              </a:xfrm>
-              <a:prstGeom prst="rect">
-                <a:avLst/>
-              </a:prstGeom>
-              <a:solidFill>
-                <a:schemeClr val="tx1"/>
-              </a:solidFill>
-              <a:ln>
-                <a:solidFill>
-                  <a:schemeClr val="tx1"/>
-                </a:solidFill>
-              </a:ln>
-            </p:spPr>
-            <p:style>
-              <a:lnRef idx="2">
-                <a:schemeClr val="accent1">
-                  <a:shade val="50000"/>
-                </a:schemeClr>
-              </a:lnRef>
-              <a:fillRef idx="1">
-                <a:schemeClr val="accent1"/>
-              </a:fillRef>
-              <a:effectRef idx="0">
-                <a:schemeClr val="accent1"/>
-              </a:effectRef>
-              <a:fontRef idx="minor">
-                <a:schemeClr val="lt1"/>
-              </a:fontRef>
-            </p:style>
-            <p:txBody>
-              <a:bodyPr rtlCol="0" anchor="ctr"/>
-              <a:lstStyle/>
-              <a:p>
-                <a:pPr algn="ctr"/>
-                <a:r>
-                  <a:rPr lang="en-US" dirty="0"/>
-                  <a:t>33</a:t>
-                </a:r>
-              </a:p>
-            </p:txBody>
-          </p:sp>
-          <p:sp>
-            <p:nvSpPr>
-              <p:cNvPr id="78" name="Rectangle 77"/>
-              <p:cNvSpPr/>
-              <p:nvPr/>
-            </p:nvSpPr>
-            <p:spPr>
-              <a:xfrm>
-                <a:off x="4961428" y="3373695"/>
-                <a:ext cx="536093" cy="550507"/>
-              </a:xfrm>
-              <a:prstGeom prst="rect">
-                <a:avLst/>
-              </a:prstGeom>
-              <a:solidFill>
-                <a:schemeClr val="tx1"/>
-              </a:solidFill>
-              <a:ln>
-                <a:solidFill>
-                  <a:schemeClr val="tx1"/>
-                </a:solidFill>
-              </a:ln>
-            </p:spPr>
-            <p:style>
-              <a:lnRef idx="2">
-                <a:schemeClr val="accent1">
-                  <a:shade val="50000"/>
-                </a:schemeClr>
-              </a:lnRef>
-              <a:fillRef idx="1">
-                <a:schemeClr val="accent1"/>
-              </a:fillRef>
-              <a:effectRef idx="0">
-                <a:schemeClr val="accent1"/>
-              </a:effectRef>
-              <a:fontRef idx="minor">
-                <a:schemeClr val="lt1"/>
-              </a:fontRef>
-            </p:style>
-            <p:txBody>
-              <a:bodyPr rtlCol="0" anchor="ctr"/>
-              <a:lstStyle/>
-              <a:p>
-                <a:pPr algn="ctr"/>
-                <a:r>
-                  <a:rPr lang="en-US" dirty="0"/>
-                  <a:t>33</a:t>
-                </a:r>
-              </a:p>
-            </p:txBody>
-          </p:sp>
-          <p:sp>
-            <p:nvSpPr>
-              <p:cNvPr id="79" name="Rectangle 78"/>
-              <p:cNvSpPr/>
-              <p:nvPr/>
-            </p:nvSpPr>
-            <p:spPr>
-              <a:xfrm>
-                <a:off x="1758867" y="2239341"/>
-                <a:ext cx="536093" cy="550507"/>
-              </a:xfrm>
-              <a:prstGeom prst="rect">
-                <a:avLst/>
-              </a:prstGeom>
-              <a:solidFill>
-                <a:schemeClr val="tx1"/>
-              </a:solidFill>
-              <a:ln>
-                <a:solidFill>
-                  <a:schemeClr val="tx1"/>
-                </a:solidFill>
-              </a:ln>
-            </p:spPr>
-            <p:style>
-              <a:lnRef idx="2">
-                <a:schemeClr val="accent1">
-                  <a:shade val="50000"/>
-                </a:schemeClr>
-              </a:lnRef>
-              <a:fillRef idx="1">
-                <a:schemeClr val="accent1"/>
-              </a:fillRef>
-              <a:effectRef idx="0">
-                <a:schemeClr val="accent1"/>
-              </a:effectRef>
-              <a:fontRef idx="minor">
-                <a:schemeClr val="lt1"/>
-              </a:fontRef>
-            </p:style>
-            <p:txBody>
-              <a:bodyPr rtlCol="0" anchor="ctr"/>
-              <a:lstStyle/>
-              <a:p>
-                <a:pPr algn="ctr"/>
-                <a:r>
-                  <a:rPr lang="en-US" dirty="0"/>
-                  <a:t>33</a:t>
-                </a:r>
-              </a:p>
-            </p:txBody>
-          </p:sp>
-          <p:sp>
-            <p:nvSpPr>
-              <p:cNvPr id="80" name="Rectangle 79"/>
-              <p:cNvSpPr/>
-              <p:nvPr/>
-            </p:nvSpPr>
-            <p:spPr>
-              <a:xfrm>
-                <a:off x="3915199" y="1141489"/>
-                <a:ext cx="536093" cy="550507"/>
-              </a:xfrm>
-              <a:prstGeom prst="rect">
-                <a:avLst/>
-              </a:prstGeom>
-              <a:solidFill>
-                <a:schemeClr val="tx1"/>
-              </a:solidFill>
-              <a:ln>
-                <a:solidFill>
-                  <a:schemeClr val="tx1"/>
-                </a:solidFill>
-              </a:ln>
-            </p:spPr>
-            <p:style>
-              <a:lnRef idx="2">
-                <a:schemeClr val="accent1">
-                  <a:shade val="50000"/>
-                </a:schemeClr>
-              </a:lnRef>
-              <a:fillRef idx="1">
-                <a:schemeClr val="accent1"/>
-              </a:fillRef>
-              <a:effectRef idx="0">
-                <a:schemeClr val="accent1"/>
-              </a:effectRef>
-              <a:fontRef idx="minor">
-                <a:schemeClr val="lt1"/>
-              </a:fontRef>
-            </p:style>
-            <p:txBody>
-              <a:bodyPr rtlCol="0" anchor="ctr"/>
-              <a:lstStyle/>
-              <a:p>
-                <a:pPr algn="ctr"/>
-                <a:r>
-                  <a:rPr lang="en-US" dirty="0"/>
-                  <a:t>33</a:t>
-                </a:r>
-              </a:p>
-            </p:txBody>
-          </p:sp>
-          <p:sp>
-            <p:nvSpPr>
-              <p:cNvPr id="81" name="Rectangle 80"/>
-              <p:cNvSpPr/>
-              <p:nvPr/>
-            </p:nvSpPr>
-            <p:spPr>
-              <a:xfrm>
-                <a:off x="2839026" y="4503187"/>
-                <a:ext cx="536093" cy="550507"/>
-              </a:xfrm>
-              <a:prstGeom prst="rect">
-                <a:avLst/>
-              </a:prstGeom>
-              <a:solidFill>
-                <a:schemeClr val="tx1"/>
-              </a:solidFill>
-              <a:ln>
-                <a:solidFill>
-                  <a:schemeClr val="tx1"/>
-                </a:solidFill>
-              </a:ln>
-            </p:spPr>
-            <p:style>
-              <a:lnRef idx="2">
-                <a:schemeClr val="accent1">
-                  <a:shade val="50000"/>
-                </a:schemeClr>
-              </a:lnRef>
-              <a:fillRef idx="1">
-                <a:schemeClr val="accent1"/>
-              </a:fillRef>
-              <a:effectRef idx="0">
-                <a:schemeClr val="accent1"/>
-              </a:effectRef>
-              <a:fontRef idx="minor">
-                <a:schemeClr val="lt1"/>
-              </a:fontRef>
-            </p:style>
-            <p:txBody>
-              <a:bodyPr rtlCol="0" anchor="ctr"/>
-              <a:lstStyle/>
-              <a:p>
-                <a:pPr algn="ctr"/>
-                <a:r>
-                  <a:rPr lang="en-US" dirty="0"/>
-                  <a:t>26</a:t>
-                </a:r>
-              </a:p>
-            </p:txBody>
-          </p:sp>
-        </p:grpSp>
-        <p:sp>
-          <p:nvSpPr>
             <p:cNvPr id="90" name="Rectangle 89"/>
             <p:cNvSpPr/>
             <p:nvPr/>
           </p:nvSpPr>
           <p:spPr>
             <a:xfrm>
-              <a:off x="6489754" y="382555"/>
+              <a:off x="6489754" y="-307912"/>
               <a:ext cx="4100491" cy="1315611"/>
             </a:xfrm>
             <a:prstGeom prst="rect">
@@ -7094,7 +8256,7 @@
           </p:nvSpPr>
           <p:spPr>
             <a:xfrm rot="5400000">
-              <a:off x="8546671" y="2614726"/>
+              <a:off x="8547876" y="1924259"/>
               <a:ext cx="4100491" cy="1315611"/>
             </a:xfrm>
             <a:prstGeom prst="rect">
@@ -7142,7 +8304,7 @@
           </p:nvSpPr>
           <p:spPr>
             <a:xfrm>
-              <a:off x="6164187" y="4490673"/>
+              <a:off x="6164187" y="3800206"/>
               <a:ext cx="4100491" cy="1315611"/>
             </a:xfrm>
             <a:prstGeom prst="rect">
@@ -7190,7 +8352,7 @@
           </p:nvSpPr>
           <p:spPr>
             <a:xfrm rot="16200000">
-              <a:off x="4561550" y="2132048"/>
+              <a:off x="4561550" y="1441581"/>
               <a:ext cx="4100491" cy="1315611"/>
             </a:xfrm>
             <a:prstGeom prst="rect">
@@ -7230,6 +8392,108 @@
             </a:p>
           </p:txBody>
         </p:sp>
+        <p:sp>
+          <p:nvSpPr>
+            <p:cNvPr id="97" name="Rectangle 5"/>
+            <p:cNvSpPr/>
+            <p:nvPr/>
+          </p:nvSpPr>
+          <p:spPr>
+            <a:xfrm>
+              <a:off x="7814276" y="2128828"/>
+              <a:ext cx="536093" cy="550507"/>
+            </a:xfrm>
+            <a:prstGeom prst="rect">
+              <a:avLst/>
+            </a:prstGeom>
+            <a:solidFill>
+              <a:schemeClr val="tx1"/>
+            </a:solidFill>
+            <a:ln>
+              <a:solidFill>
+                <a:schemeClr val="tx1"/>
+              </a:solidFill>
+            </a:ln>
+          </p:spPr>
+          <p:style>
+            <a:lnRef idx="2">
+              <a:schemeClr val="accent1">
+                <a:shade val="50000"/>
+              </a:schemeClr>
+            </a:lnRef>
+            <a:fillRef idx="1">
+              <a:schemeClr val="accent1"/>
+            </a:fillRef>
+            <a:effectRef idx="0">
+              <a:schemeClr val="accent1"/>
+            </a:effectRef>
+            <a:fontRef idx="minor">
+              <a:schemeClr val="lt1"/>
+            </a:fontRef>
+          </p:style>
+          <p:txBody>
+            <a:bodyPr rtlCol="0" anchor="ctr"/>
+            <a:lstStyle/>
+            <a:p>
+              <a:pPr algn="ctr"/>
+              <a:r>
+                <a:rPr lang="en-US" dirty="0"/>
+                <a:t>33</a:t>
+              </a:r>
+            </a:p>
+          </p:txBody>
+        </p:sp>
+        <p:sp>
+          <p:nvSpPr>
+            <p:cNvPr id="98" name="Rectangle 5"/>
+            <p:cNvSpPr/>
+            <p:nvPr/>
+          </p:nvSpPr>
+          <p:spPr>
+            <a:xfrm>
+              <a:off x="7786102" y="2676132"/>
+              <a:ext cx="536093" cy="550507"/>
+            </a:xfrm>
+            <a:prstGeom prst="rect">
+              <a:avLst/>
+            </a:prstGeom>
+            <a:solidFill>
+              <a:schemeClr val="tx1"/>
+            </a:solidFill>
+            <a:ln>
+              <a:solidFill>
+                <a:schemeClr val="tx1"/>
+              </a:solidFill>
+            </a:ln>
+          </p:spPr>
+          <p:style>
+            <a:lnRef idx="2">
+              <a:schemeClr val="accent1">
+                <a:shade val="50000"/>
+              </a:schemeClr>
+            </a:lnRef>
+            <a:fillRef idx="1">
+              <a:schemeClr val="accent1"/>
+            </a:fillRef>
+            <a:effectRef idx="0">
+              <a:schemeClr val="accent1"/>
+            </a:effectRef>
+            <a:fontRef idx="minor">
+              <a:schemeClr val="lt1"/>
+            </a:fontRef>
+          </p:style>
+          <p:txBody>
+            <a:bodyPr rtlCol="0" anchor="ctr"/>
+            <a:lstStyle/>
+            <a:p>
+              <a:pPr algn="ctr"/>
+              <a:r>
+                <a:rPr lang="en-US" dirty="0"/>
+                <a:t>33</a:t>
+              </a:r>
+            </a:p>
+          </p:txBody>
+        </p:sp>
       </p:grpSp>
       <p:sp>
         <p:nvSpPr>
@@ -7239,7 +8503,7 @@
         </p:nvSpPr>
         <p:spPr>
           <a:xfrm>
-            <a:off x="5875648" y="2330707"/>
+            <a:off x="5807409" y="3176868"/>
             <a:ext cx="1050587" cy="282102"/>
           </a:xfrm>
           <a:prstGeom prst="rightArrow">
@@ -7278,56 +8542,199 @@
           </a:p>
         </p:txBody>
       </p:sp>
-      <p:sp>
-        <p:nvSpPr>
-          <p:cNvPr id="2" name="TextBox 1"/>
-          <p:cNvSpPr txBox="1"/>
-          <p:nvPr/>
-        </p:nvSpPr>
-        <p:spPr>
-          <a:xfrm>
-            <a:off x="1773404" y="4670441"/>
-            <a:ext cx="8190086" cy="1754326"/>
-          </a:xfrm>
-          <a:prstGeom prst="rect">
-            <a:avLst/>
-          </a:prstGeom>
-          <a:noFill/>
-        </p:spPr>
-        <p:txBody>
-          <a:bodyPr wrap="square" rtlCol="0">
-            <a:spAutoFit/>
-          </a:bodyPr>
-          <a:lstStyle/>
-          <a:p>
-            <a:r>
-              <a:rPr lang="en-US" dirty="0"/>
-              <a:t>Keep doing this, until the maximums of four blue lists are equal, which means a spanning cluster a</a:t>
-            </a:r>
-            <a:r>
-              <a:rPr lang="en-US" altLang="zh-CN" dirty="0"/>
-              <a:t>rises.</a:t>
-            </a:r>
-          </a:p>
-          <a:p>
-            <a:r>
-              <a:rPr lang="en-US" altLang="zh-CN" dirty="0"/>
-              <a:t>From the value of the spanning cluster, we can directly know how many sites (the Value-4N)are occupied.</a:t>
-            </a:r>
-          </a:p>
-          <a:p>
-            <a:r>
-              <a:rPr lang="en-US" dirty="0"/>
-              <a:t>Sweep the lattice we are interested (the small one), if its value equals to the value of the spanning cluster, we give 1 to it; if it is empty, we give -1 to it</a:t>
-            </a:r>
-            <a:r>
-              <a:rPr lang="en-US"/>
-              <a:t>; otherwise, 0.</a:t>
-            </a:r>
-            <a:endParaRPr lang="en-US" dirty="0"/>
-          </a:p>
-        </p:txBody>
-      </p:sp>
+      <mc:AlternateContent xmlns:mc="http://schemas.openxmlformats.org/markup-compatibility/2006">
+        <mc:Choice xmlns:a14="http://schemas.microsoft.com/office/drawing/2010/main" Requires="a14">
+          <p:sp>
+            <p:nvSpPr>
+              <p:cNvPr id="33" name="文本框 32"/>
+              <p:cNvSpPr txBox="1"/>
+              <p:nvPr/>
+            </p:nvSpPr>
+            <p:spPr>
+              <a:xfrm>
+                <a:off x="7153233" y="5031588"/>
+                <a:ext cx="3211762" cy="667490"/>
+              </a:xfrm>
+              <a:prstGeom prst="rect">
+                <a:avLst/>
+              </a:prstGeom>
+              <a:noFill/>
+            </p:spPr>
+            <p:txBody>
+              <a:bodyPr wrap="square" rtlCol="0">
+                <a:spAutoFit/>
+              </a:bodyPr>
+              <a:lstStyle/>
+              <a:p>
+                <a14:m>
+                  <m:oMathPara xmlns:m="http://schemas.openxmlformats.org/officeDocument/2006/math">
+                    <m:oMathParaPr>
+                      <m:jc m:val="centerGroup"/>
+                    </m:oMathParaPr>
+                    <m:oMath xmlns:m="http://schemas.openxmlformats.org/officeDocument/2006/math">
+                      <m:sSub>
+                        <m:sSubPr>
+                          <m:ctrlPr>
+                            <a:rPr lang="en-US" altLang="zh-CN" b="0" i="1" smtClean="0">
+                              <a:latin typeface="Cambria Math" panose="02040503050406030204" pitchFamily="18" charset="0"/>
+                            </a:rPr>
+                          </m:ctrlPr>
+                        </m:sSubPr>
+                        <m:e>
+                          <m:r>
+                            <a:rPr lang="en-US" altLang="zh-CN" b="0" i="1" smtClean="0">
+                              <a:latin typeface="Cambria Math" panose="02040503050406030204" pitchFamily="18" charset="0"/>
+                            </a:rPr>
+                            <m:t>𝑝</m:t>
+                          </m:r>
+                        </m:e>
+                        <m:sub>
+                          <m:r>
+                            <a:rPr lang="en-US" altLang="zh-CN" b="0" i="1" smtClean="0">
+                              <a:latin typeface="Cambria Math" panose="02040503050406030204" pitchFamily="18" charset="0"/>
+                            </a:rPr>
+                            <m:t>𝑐</m:t>
+                          </m:r>
+                        </m:sub>
+                      </m:sSub>
+                      <m:r>
+                        <a:rPr lang="en-US" altLang="zh-CN" b="0" i="1" smtClean="0">
+                          <a:latin typeface="Cambria Math" panose="02040503050406030204" pitchFamily="18" charset="0"/>
+                        </a:rPr>
+                        <m:t>=</m:t>
+                      </m:r>
+                      <m:f>
+                        <m:fPr>
+                          <m:ctrlPr>
+                            <a:rPr lang="en-US" altLang="zh-CN" b="0" i="1" smtClean="0">
+                              <a:latin typeface="Cambria Math" panose="02040503050406030204" pitchFamily="18" charset="0"/>
+                            </a:rPr>
+                          </m:ctrlPr>
+                        </m:fPr>
+                        <m:num>
+                          <m:r>
+                            <a:rPr lang="en-US" altLang="zh-CN" b="0" i="1" smtClean="0">
+                              <a:latin typeface="Cambria Math" panose="02040503050406030204" pitchFamily="18" charset="0"/>
+                            </a:rPr>
+                            <m:t># </m:t>
+                          </m:r>
+                          <m:r>
+                            <a:rPr lang="en-US" altLang="zh-CN" b="0" i="1" smtClean="0">
+                              <a:latin typeface="Cambria Math" panose="02040503050406030204" pitchFamily="18" charset="0"/>
+                            </a:rPr>
+                            <m:t>𝑜𝑓</m:t>
+                          </m:r>
+                          <m:r>
+                            <a:rPr lang="en-US" altLang="zh-CN" b="0" i="1" smtClean="0">
+                              <a:latin typeface="Cambria Math" panose="02040503050406030204" pitchFamily="18" charset="0"/>
+                            </a:rPr>
+                            <m:t> </m:t>
+                          </m:r>
+                          <m:r>
+                            <a:rPr lang="en-US" altLang="zh-CN" b="0" i="1" smtClean="0">
+                              <a:latin typeface="Cambria Math" panose="02040503050406030204" pitchFamily="18" charset="0"/>
+                            </a:rPr>
+                            <m:t>𝑜𝑐𝑐𝑢𝑝𝑖𝑒𝑑</m:t>
+                          </m:r>
+                          <m:r>
+                            <a:rPr lang="en-US" altLang="zh-CN" b="0" i="1" smtClean="0">
+                              <a:latin typeface="Cambria Math" panose="02040503050406030204" pitchFamily="18" charset="0"/>
+                            </a:rPr>
+                            <m:t> </m:t>
+                          </m:r>
+                          <m:r>
+                            <a:rPr lang="en-US" altLang="zh-CN" b="0" i="1" smtClean="0">
+                              <a:latin typeface="Cambria Math" panose="02040503050406030204" pitchFamily="18" charset="0"/>
+                            </a:rPr>
+                            <m:t>𝑠𝑖𝑡𝑒𝑠</m:t>
+                          </m:r>
+                        </m:num>
+                        <m:den>
+                          <m:r>
+                            <a:rPr lang="en-US" altLang="zh-CN" b="0" i="1" smtClean="0">
+                              <a:latin typeface="Cambria Math" panose="02040503050406030204" pitchFamily="18" charset="0"/>
+                            </a:rPr>
+                            <m:t># </m:t>
+                          </m:r>
+                          <m:r>
+                            <a:rPr lang="en-US" altLang="zh-CN" b="0" i="1" smtClean="0">
+                              <a:latin typeface="Cambria Math" panose="02040503050406030204" pitchFamily="18" charset="0"/>
+                            </a:rPr>
+                            <m:t>𝑜𝑓</m:t>
+                          </m:r>
+                          <m:r>
+                            <a:rPr lang="en-US" altLang="zh-CN" b="0" i="1" smtClean="0">
+                              <a:latin typeface="Cambria Math" panose="02040503050406030204" pitchFamily="18" charset="0"/>
+                            </a:rPr>
+                            <m:t> </m:t>
+                          </m:r>
+                          <m:r>
+                            <a:rPr lang="en-US" altLang="zh-CN" b="0" i="1" smtClean="0">
+                              <a:latin typeface="Cambria Math" panose="02040503050406030204" pitchFamily="18" charset="0"/>
+                            </a:rPr>
+                            <m:t>𝑎𝑙𝑙</m:t>
+                          </m:r>
+                          <m:r>
+                            <a:rPr lang="en-US" altLang="zh-CN" b="0" i="1" smtClean="0">
+                              <a:latin typeface="Cambria Math" panose="02040503050406030204" pitchFamily="18" charset="0"/>
+                            </a:rPr>
+                            <m:t> </m:t>
+                          </m:r>
+                          <m:r>
+                            <a:rPr lang="en-US" altLang="zh-CN" b="0" i="1" smtClean="0">
+                              <a:latin typeface="Cambria Math" panose="02040503050406030204" pitchFamily="18" charset="0"/>
+                            </a:rPr>
+                            <m:t>𝑠𝑖𝑡𝑒𝑠</m:t>
+                          </m:r>
+                        </m:den>
+                      </m:f>
+                    </m:oMath>
+                  </m:oMathPara>
+                </a14:m>
+                <a:endParaRPr lang="zh-CN" altLang="en-US" dirty="0"/>
+              </a:p>
+            </p:txBody>
+          </p:sp>
+        </mc:Choice>
+        <mc:Fallback>
+          <p:sp>
+            <p:nvSpPr>
+              <p:cNvPr id="33" name="文本框 32"/>
+              <p:cNvSpPr txBox="1">
+                <a:spLocks noRot="1" noChangeAspect="1" noMove="1" noResize="1" noEditPoints="1" noAdjustHandles="1" noChangeArrowheads="1" noChangeShapeType="1" noTextEdit="1"/>
+              </p:cNvSpPr>
+              <p:nvPr/>
+            </p:nvSpPr>
+            <p:spPr>
+              <a:xfrm>
+                <a:off x="7153233" y="5031588"/>
+                <a:ext cx="3211762" cy="667490"/>
+              </a:xfrm>
+              <a:prstGeom prst="rect">
+                <a:avLst/>
+              </a:prstGeom>
+              <a:blipFill rotWithShape="0">
+                <a:blip r:embed="rId4"/>
+                <a:stretch>
+                  <a:fillRect/>
+                </a:stretch>
+              </a:blipFill>
+            </p:spPr>
+            <p:txBody>
+              <a:bodyPr/>
+              <a:lstStyle/>
+              <a:p>
+                <a:r>
+                  <a:rPr lang="zh-CN" altLang="en-US">
+                    <a:noFill/>
+                  </a:rPr>
+                  <a:t> </a:t>
+                </a:r>
+              </a:p>
+            </p:txBody>
+          </p:sp>
+        </mc:Fallback>
+      </mc:AlternateContent>
     </p:spTree>
     <p:extLst>
       <p:ext uri="{BB962C8B-B14F-4D97-AF65-F5344CB8AC3E}">
@@ -7338,10 +8745,203 @@
   <p:clrMapOvr>
     <a:masterClrMapping/>
   </p:clrMapOvr>
+  <p:timing>
+    <p:tnLst>
+      <p:par>
+        <p:cTn id="1" dur="indefinite" restart="never" nodeType="tmRoot">
+          <p:childTnLst>
+            <p:seq concurrent="1" nextAc="seek">
+              <p:cTn id="2" dur="indefinite" nodeType="mainSeq">
+                <p:childTnLst>
+                  <p:par>
+                    <p:cTn id="3" fill="hold">
+                      <p:stCondLst>
+                        <p:cond delay="indefinite"/>
+                      </p:stCondLst>
+                      <p:childTnLst>
+                        <p:par>
+                          <p:cTn id="4" fill="hold">
+                            <p:stCondLst>
+                              <p:cond delay="0"/>
+                            </p:stCondLst>
+                            <p:childTnLst>
+                              <p:par>
+                                <p:cTn id="5" presetID="22" presetClass="entr" presetSubtype="8" fill="hold" grpId="0" nodeType="clickEffect">
+                                  <p:stCondLst>
+                                    <p:cond delay="0"/>
+                                  </p:stCondLst>
+                                  <p:childTnLst>
+                                    <p:set>
+                                      <p:cBhvr>
+                                        <p:cTn id="6" dur="1" fill="hold">
+                                          <p:stCondLst>
+                                            <p:cond delay="0"/>
+                                          </p:stCondLst>
+                                        </p:cTn>
+                                        <p:tgtEl>
+                                          <p:spTgt spid="95"/>
+                                        </p:tgtEl>
+                                        <p:attrNameLst>
+                                          <p:attrName>style.visibility</p:attrName>
+                                        </p:attrNameLst>
+                                      </p:cBhvr>
+                                      <p:to>
+                                        <p:strVal val="visible"/>
+                                      </p:to>
+                                    </p:set>
+                                    <p:animEffect transition="in" filter="wipe(left)">
+                                      <p:cBhvr>
+                                        <p:cTn id="7" dur="500"/>
+                                        <p:tgtEl>
+                                          <p:spTgt spid="95"/>
+                                        </p:tgtEl>
+                                      </p:cBhvr>
+                                    </p:animEffect>
+                                  </p:childTnLst>
+                                </p:cTn>
+                              </p:par>
+                            </p:childTnLst>
+                          </p:cTn>
+                        </p:par>
+                      </p:childTnLst>
+                    </p:cTn>
+                  </p:par>
+                  <p:par>
+                    <p:cTn id="8" fill="hold">
+                      <p:stCondLst>
+                        <p:cond delay="indefinite"/>
+                      </p:stCondLst>
+                      <p:childTnLst>
+                        <p:par>
+                          <p:cTn id="9" fill="hold">
+                            <p:stCondLst>
+                              <p:cond delay="0"/>
+                            </p:stCondLst>
+                            <p:childTnLst>
+                              <p:par>
+                                <p:cTn id="10" presetID="22" presetClass="entr" presetSubtype="8" fill="hold" nodeType="clickEffect">
+                                  <p:stCondLst>
+                                    <p:cond delay="0"/>
+                                  </p:stCondLst>
+                                  <p:childTnLst>
+                                    <p:set>
+                                      <p:cBhvr>
+                                        <p:cTn id="11" dur="1" fill="hold">
+                                          <p:stCondLst>
+                                            <p:cond delay="0"/>
+                                          </p:stCondLst>
+                                        </p:cTn>
+                                        <p:tgtEl>
+                                          <p:spTgt spid="32"/>
+                                        </p:tgtEl>
+                                        <p:attrNameLst>
+                                          <p:attrName>style.visibility</p:attrName>
+                                        </p:attrNameLst>
+                                      </p:cBhvr>
+                                      <p:to>
+                                        <p:strVal val="visible"/>
+                                      </p:to>
+                                    </p:set>
+                                    <p:animEffect transition="in" filter="wipe(left)">
+                                      <p:cBhvr>
+                                        <p:cTn id="12" dur="500"/>
+                                        <p:tgtEl>
+                                          <p:spTgt spid="32"/>
+                                        </p:tgtEl>
+                                      </p:cBhvr>
+                                    </p:animEffect>
+                                  </p:childTnLst>
+                                </p:cTn>
+                              </p:par>
+                            </p:childTnLst>
+                          </p:cTn>
+                        </p:par>
+                      </p:childTnLst>
+                    </p:cTn>
+                  </p:par>
+                  <p:par>
+                    <p:cTn id="13" fill="hold">
+                      <p:stCondLst>
+                        <p:cond delay="indefinite"/>
+                      </p:stCondLst>
+                      <p:childTnLst>
+                        <p:par>
+                          <p:cTn id="14" fill="hold">
+                            <p:stCondLst>
+                              <p:cond delay="0"/>
+                            </p:stCondLst>
+                            <p:childTnLst>
+                              <p:par>
+                                <p:cTn id="15" presetID="22" presetClass="entr" presetSubtype="8" fill="hold" grpId="0" nodeType="clickEffect">
+                                  <p:stCondLst>
+                                    <p:cond delay="0"/>
+                                  </p:stCondLst>
+                                  <p:childTnLst>
+                                    <p:set>
+                                      <p:cBhvr>
+                                        <p:cTn id="16" dur="1" fill="hold">
+                                          <p:stCondLst>
+                                            <p:cond delay="0"/>
+                                          </p:stCondLst>
+                                        </p:cTn>
+                                        <p:tgtEl>
+                                          <p:spTgt spid="33"/>
+                                        </p:tgtEl>
+                                        <p:attrNameLst>
+                                          <p:attrName>style.visibility</p:attrName>
+                                        </p:attrNameLst>
+                                      </p:cBhvr>
+                                      <p:to>
+                                        <p:strVal val="visible"/>
+                                      </p:to>
+                                    </p:set>
+                                    <p:animEffect transition="in" filter="wipe(left)">
+                                      <p:cBhvr>
+                                        <p:cTn id="17" dur="500"/>
+                                        <p:tgtEl>
+                                          <p:spTgt spid="33"/>
+                                        </p:tgtEl>
+                                      </p:cBhvr>
+                                    </p:animEffect>
+                                  </p:childTnLst>
+                                </p:cTn>
+                              </p:par>
+                            </p:childTnLst>
+                          </p:cTn>
+                        </p:par>
+                      </p:childTnLst>
+                    </p:cTn>
+                  </p:par>
+                </p:childTnLst>
+              </p:cTn>
+              <p:prevCondLst>
+                <p:cond evt="onPrev" delay="0">
+                  <p:tgtEl>
+                    <p:sldTgt/>
+                  </p:tgtEl>
+                </p:cond>
+              </p:prevCondLst>
+              <p:nextCondLst>
+                <p:cond evt="onNext" delay="0">
+                  <p:tgtEl>
+                    <p:sldTgt/>
+                  </p:tgtEl>
+                </p:cond>
+              </p:nextCondLst>
+            </p:seq>
+          </p:childTnLst>
+        </p:cTn>
+      </p:par>
+    </p:tnLst>
+    <p:bldLst>
+      <p:bldP spid="95" grpId="0" animBg="1"/>
+      <p:bldP spid="33" grpId="0"/>
+    </p:bldLst>
+  </p:timing>
 </p:sld>
 </file>
 
-<file path=ppt/slides/slide6.xml><?xml version="1.0" encoding="utf-8"?>
+<file path=ppt/slides/slide5.xml><?xml version="1.0" encoding="utf-8"?>
 <p:sld xmlns:a="http://schemas.openxmlformats.org/drawingml/2006/main" xmlns:r="http://schemas.openxmlformats.org/officeDocument/2006/relationships" xmlns:p="http://schemas.openxmlformats.org/presentationml/2006/main">
   <p:cSld>
     <p:spTree>
@@ -7488,10 +9088,199 @@
   <p:clrMapOvr>
     <a:masterClrMapping/>
   </p:clrMapOvr>
+  <p:timing>
+    <p:tnLst>
+      <p:par>
+        <p:cTn id="1" dur="indefinite" restart="never" nodeType="tmRoot">
+          <p:childTnLst>
+            <p:seq concurrent="1" nextAc="seek">
+              <p:cTn id="2" dur="indefinite" nodeType="mainSeq">
+                <p:childTnLst>
+                  <p:par>
+                    <p:cTn id="3" fill="hold">
+                      <p:stCondLst>
+                        <p:cond delay="indefinite"/>
+                      </p:stCondLst>
+                      <p:childTnLst>
+                        <p:par>
+                          <p:cTn id="4" fill="hold">
+                            <p:stCondLst>
+                              <p:cond delay="0"/>
+                            </p:stCondLst>
+                            <p:childTnLst>
+                              <p:par>
+                                <p:cTn id="5" presetID="22" presetClass="entr" presetSubtype="8" fill="hold" nodeType="clickEffect">
+                                  <p:stCondLst>
+                                    <p:cond delay="0"/>
+                                  </p:stCondLst>
+                                  <p:childTnLst>
+                                    <p:set>
+                                      <p:cBhvr>
+                                        <p:cTn id="6" dur="1" fill="hold">
+                                          <p:stCondLst>
+                                            <p:cond delay="0"/>
+                                          </p:stCondLst>
+                                        </p:cTn>
+                                        <p:tgtEl>
+                                          <p:spTgt spid="7"/>
+                                        </p:tgtEl>
+                                        <p:attrNameLst>
+                                          <p:attrName>style.visibility</p:attrName>
+                                        </p:attrNameLst>
+                                      </p:cBhvr>
+                                      <p:to>
+                                        <p:strVal val="visible"/>
+                                      </p:to>
+                                    </p:set>
+                                    <p:animEffect transition="in" filter="wipe(left)">
+                                      <p:cBhvr>
+                                        <p:cTn id="7" dur="500"/>
+                                        <p:tgtEl>
+                                          <p:spTgt spid="7"/>
+                                        </p:tgtEl>
+                                      </p:cBhvr>
+                                    </p:animEffect>
+                                  </p:childTnLst>
+                                </p:cTn>
+                              </p:par>
+                            </p:childTnLst>
+                          </p:cTn>
+                        </p:par>
+                      </p:childTnLst>
+                    </p:cTn>
+                  </p:par>
+                  <p:par>
+                    <p:cTn id="8" fill="hold">
+                      <p:stCondLst>
+                        <p:cond delay="indefinite"/>
+                      </p:stCondLst>
+                      <p:childTnLst>
+                        <p:par>
+                          <p:cTn id="9" fill="hold">
+                            <p:stCondLst>
+                              <p:cond delay="0"/>
+                            </p:stCondLst>
+                            <p:childTnLst>
+                              <p:par>
+                                <p:cTn id="10" presetID="22" presetClass="entr" presetSubtype="8" fill="hold" nodeType="clickEffect">
+                                  <p:stCondLst>
+                                    <p:cond delay="0"/>
+                                  </p:stCondLst>
+                                  <p:childTnLst>
+                                    <p:set>
+                                      <p:cBhvr>
+                                        <p:cTn id="11" dur="1" fill="hold">
+                                          <p:stCondLst>
+                                            <p:cond delay="0"/>
+                                          </p:stCondLst>
+                                        </p:cTn>
+                                        <p:tgtEl>
+                                          <p:spTgt spid="9"/>
+                                        </p:tgtEl>
+                                        <p:attrNameLst>
+                                          <p:attrName>style.visibility</p:attrName>
+                                        </p:attrNameLst>
+                                      </p:cBhvr>
+                                      <p:to>
+                                        <p:strVal val="visible"/>
+                                      </p:to>
+                                    </p:set>
+                                    <p:animEffect transition="in" filter="wipe(left)">
+                                      <p:cBhvr>
+                                        <p:cTn id="12" dur="500"/>
+                                        <p:tgtEl>
+                                          <p:spTgt spid="9"/>
+                                        </p:tgtEl>
+                                      </p:cBhvr>
+                                    </p:animEffect>
+                                  </p:childTnLst>
+                                </p:cTn>
+                              </p:par>
+                            </p:childTnLst>
+                          </p:cTn>
+                        </p:par>
+                      </p:childTnLst>
+                    </p:cTn>
+                  </p:par>
+                  <p:par>
+                    <p:cTn id="13" fill="hold">
+                      <p:stCondLst>
+                        <p:cond delay="indefinite"/>
+                      </p:stCondLst>
+                      <p:childTnLst>
+                        <p:par>
+                          <p:cTn id="14" fill="hold">
+                            <p:stCondLst>
+                              <p:cond delay="0"/>
+                            </p:stCondLst>
+                            <p:childTnLst>
+                              <p:par>
+                                <p:cTn id="15" presetID="22" presetClass="entr" presetSubtype="8" fill="hold" nodeType="clickEffect">
+                                  <p:stCondLst>
+                                    <p:cond delay="0"/>
+                                  </p:stCondLst>
+                                  <p:childTnLst>
+                                    <p:set>
+                                      <p:cBhvr>
+                                        <p:cTn id="16" dur="1" fill="hold">
+                                          <p:stCondLst>
+                                            <p:cond delay="0"/>
+                                          </p:stCondLst>
+                                        </p:cTn>
+                                        <p:tgtEl>
+                                          <p:spTgt spid="11"/>
+                                        </p:tgtEl>
+                                        <p:attrNameLst>
+                                          <p:attrName>style.visibility</p:attrName>
+                                        </p:attrNameLst>
+                                      </p:cBhvr>
+                                      <p:to>
+                                        <p:strVal val="visible"/>
+                                      </p:to>
+                                    </p:set>
+                                    <p:animEffect transition="in" filter="wipe(left)">
+                                      <p:cBhvr>
+                                        <p:cTn id="17" dur="500"/>
+                                        <p:tgtEl>
+                                          <p:spTgt spid="11"/>
+                                        </p:tgtEl>
+                                      </p:cBhvr>
+                                    </p:animEffect>
+                                  </p:childTnLst>
+                                </p:cTn>
+                              </p:par>
+                            </p:childTnLst>
+                          </p:cTn>
+                        </p:par>
+                      </p:childTnLst>
+                    </p:cTn>
+                  </p:par>
+                </p:childTnLst>
+              </p:cTn>
+              <p:prevCondLst>
+                <p:cond evt="onPrev" delay="0">
+                  <p:tgtEl>
+                    <p:sldTgt/>
+                  </p:tgtEl>
+                </p:cond>
+              </p:prevCondLst>
+              <p:nextCondLst>
+                <p:cond evt="onNext" delay="0">
+                  <p:tgtEl>
+                    <p:sldTgt/>
+                  </p:tgtEl>
+                </p:cond>
+              </p:nextCondLst>
+            </p:seq>
+          </p:childTnLst>
+        </p:cTn>
+      </p:par>
+    </p:tnLst>
+  </p:timing>
 </p:sld>
 </file>
 
-<file path=ppt/slides/slide7.xml><?xml version="1.0" encoding="utf-8"?>
+<file path=ppt/slides/slide6.xml><?xml version="1.0" encoding="utf-8"?>
 <p:sld xmlns:a="http://schemas.openxmlformats.org/drawingml/2006/main" xmlns:r="http://schemas.openxmlformats.org/officeDocument/2006/relationships" xmlns:p="http://schemas.openxmlformats.org/presentationml/2006/main">
   <p:cSld>
     <p:spTree>
@@ -7602,10 +9391,146 @@
   <p:clrMapOvr>
     <a:masterClrMapping/>
   </p:clrMapOvr>
+  <p:timing>
+    <p:tnLst>
+      <p:par>
+        <p:cTn id="1" dur="indefinite" restart="never" nodeType="tmRoot">
+          <p:childTnLst>
+            <p:seq concurrent="1" nextAc="seek">
+              <p:cTn id="2" dur="indefinite" nodeType="mainSeq">
+                <p:childTnLst>
+                  <p:par>
+                    <p:cTn id="3" fill="hold">
+                      <p:stCondLst>
+                        <p:cond delay="indefinite"/>
+                      </p:stCondLst>
+                      <p:childTnLst>
+                        <p:par>
+                          <p:cTn id="4" fill="hold">
+                            <p:stCondLst>
+                              <p:cond delay="0"/>
+                            </p:stCondLst>
+                            <p:childTnLst>
+                              <p:par>
+                                <p:cTn id="5" presetID="22" presetClass="entr" presetSubtype="8" fill="hold" nodeType="clickEffect">
+                                  <p:stCondLst>
+                                    <p:cond delay="0"/>
+                                  </p:stCondLst>
+                                  <p:childTnLst>
+                                    <p:set>
+                                      <p:cBhvr>
+                                        <p:cTn id="6" dur="1" fill="hold">
+                                          <p:stCondLst>
+                                            <p:cond delay="0"/>
+                                          </p:stCondLst>
+                                        </p:cTn>
+                                        <p:tgtEl>
+                                          <p:spTgt spid="6"/>
+                                        </p:tgtEl>
+                                        <p:attrNameLst>
+                                          <p:attrName>style.visibility</p:attrName>
+                                        </p:attrNameLst>
+                                      </p:cBhvr>
+                                      <p:to>
+                                        <p:strVal val="visible"/>
+                                      </p:to>
+                                    </p:set>
+                                    <p:animEffect transition="in" filter="wipe(left)">
+                                      <p:cBhvr>
+                                        <p:cTn id="7" dur="500"/>
+                                        <p:tgtEl>
+                                          <p:spTgt spid="6"/>
+                                        </p:tgtEl>
+                                      </p:cBhvr>
+                                    </p:animEffect>
+                                  </p:childTnLst>
+                                </p:cTn>
+                              </p:par>
+                            </p:childTnLst>
+                          </p:cTn>
+                        </p:par>
+                      </p:childTnLst>
+                    </p:cTn>
+                  </p:par>
+                  <p:par>
+                    <p:cTn id="8" fill="hold">
+                      <p:stCondLst>
+                        <p:cond delay="indefinite"/>
+                      </p:stCondLst>
+                      <p:childTnLst>
+                        <p:par>
+                          <p:cTn id="9" fill="hold">
+                            <p:stCondLst>
+                              <p:cond delay="0"/>
+                            </p:stCondLst>
+                            <p:childTnLst>
+                              <p:par>
+                                <p:cTn id="10" presetID="22" presetClass="entr" presetSubtype="8" fill="hold" nodeType="clickEffect">
+                                  <p:stCondLst>
+                                    <p:cond delay="0"/>
+                                  </p:stCondLst>
+                                  <p:childTnLst>
+                                    <p:set>
+                                      <p:cBhvr>
+                                        <p:cTn id="11" dur="1" fill="hold">
+                                          <p:stCondLst>
+                                            <p:cond delay="0"/>
+                                          </p:stCondLst>
+                                        </p:cTn>
+                                        <p:tgtEl>
+                                          <p:spTgt spid="8"/>
+                                        </p:tgtEl>
+                                        <p:attrNameLst>
+                                          <p:attrName>style.visibility</p:attrName>
+                                        </p:attrNameLst>
+                                      </p:cBhvr>
+                                      <p:to>
+                                        <p:strVal val="visible"/>
+                                      </p:to>
+                                    </p:set>
+                                    <p:animEffect transition="in" filter="wipe(left)">
+                                      <p:cBhvr>
+                                        <p:cTn id="12" dur="500"/>
+                                        <p:tgtEl>
+                                          <p:spTgt spid="8"/>
+                                        </p:tgtEl>
+                                      </p:cBhvr>
+                                    </p:animEffect>
+                                  </p:childTnLst>
+                                </p:cTn>
+                              </p:par>
+                            </p:childTnLst>
+                          </p:cTn>
+                        </p:par>
+                      </p:childTnLst>
+                    </p:cTn>
+                  </p:par>
+                </p:childTnLst>
+              </p:cTn>
+              <p:prevCondLst>
+                <p:cond evt="onPrev" delay="0">
+                  <p:tgtEl>
+                    <p:sldTgt/>
+                  </p:tgtEl>
+                </p:cond>
+              </p:prevCondLst>
+              <p:nextCondLst>
+                <p:cond evt="onNext" delay="0">
+                  <p:tgtEl>
+                    <p:sldTgt/>
+                  </p:tgtEl>
+                </p:cond>
+              </p:nextCondLst>
+            </p:seq>
+          </p:childTnLst>
+        </p:cTn>
+      </p:par>
+    </p:tnLst>
+  </p:timing>
 </p:sld>
 </file>
 
-<file path=ppt/slides/slide8.xml><?xml version="1.0" encoding="utf-8"?>
+<file path=ppt/slides/slide7.xml><?xml version="1.0" encoding="utf-8"?>
 <p:sld xmlns:a="http://schemas.openxmlformats.org/drawingml/2006/main" xmlns:r="http://schemas.openxmlformats.org/officeDocument/2006/relationships" xmlns:p="http://schemas.openxmlformats.org/presentationml/2006/main">
   <p:cSld>
     <p:spTree>
@@ -7644,14 +9569,122 @@
         </p:blipFill>
         <p:spPr>
           <a:xfrm>
-            <a:off x="828618" y="1387962"/>
-            <a:ext cx="5982218" cy="4023709"/>
+            <a:off x="1798305" y="192502"/>
+            <a:ext cx="8380329" cy="5636706"/>
           </a:xfrm>
           <a:prstGeom prst="rect">
             <a:avLst/>
           </a:prstGeom>
         </p:spPr>
       </p:pic>
+      <mc:AlternateContent xmlns:mc="http://schemas.openxmlformats.org/markup-compatibility/2006">
+        <mc:Choice xmlns:a14="http://schemas.microsoft.com/office/drawing/2010/main" Requires="a14">
+          <p:sp>
+            <p:nvSpPr>
+              <p:cNvPr id="2" name="文本框 1"/>
+              <p:cNvSpPr txBox="1"/>
+              <p:nvPr/>
+            </p:nvSpPr>
+            <p:spPr>
+              <a:xfrm flipH="1">
+                <a:off x="1257301" y="5829208"/>
+                <a:ext cx="2486024" cy="461665"/>
+              </a:xfrm>
+              <a:prstGeom prst="rect">
+                <a:avLst/>
+              </a:prstGeom>
+              <a:noFill/>
+            </p:spPr>
+            <p:txBody>
+              <a:bodyPr wrap="square" rtlCol="0">
+                <a:spAutoFit/>
+              </a:bodyPr>
+              <a:lstStyle/>
+              <a:p>
+                <a14:m>
+                  <m:oMathPara xmlns:m="http://schemas.openxmlformats.org/officeDocument/2006/math">
+                    <m:oMathParaPr>
+                      <m:jc m:val="centerGroup"/>
+                    </m:oMathParaPr>
+                    <m:oMath xmlns:m="http://schemas.openxmlformats.org/officeDocument/2006/math">
+                      <m:sSub>
+                        <m:sSubPr>
+                          <m:ctrlPr>
+                            <a:rPr lang="en-US" altLang="zh-CN" sz="2400" b="0" i="1" smtClean="0">
+                              <a:latin typeface="Cambria Math" panose="02040503050406030204" pitchFamily="18" charset="0"/>
+                            </a:rPr>
+                          </m:ctrlPr>
+                        </m:sSubPr>
+                        <m:e>
+                          <m:r>
+                            <a:rPr lang="en-US" altLang="zh-CN" sz="2400" b="0" i="1" smtClean="0">
+                              <a:latin typeface="Cambria Math" panose="02040503050406030204" pitchFamily="18" charset="0"/>
+                            </a:rPr>
+                            <m:t>𝑝</m:t>
+                          </m:r>
+                        </m:e>
+                        <m:sub>
+                          <m:r>
+                            <a:rPr lang="en-US" altLang="zh-CN" sz="2400" b="0" i="1" smtClean="0">
+                              <a:latin typeface="Cambria Math" panose="02040503050406030204" pitchFamily="18" charset="0"/>
+                            </a:rPr>
+                            <m:t>𝑐</m:t>
+                          </m:r>
+                        </m:sub>
+                      </m:sSub>
+                      <m:r>
+                        <a:rPr lang="en-US" altLang="zh-CN" sz="2400" b="0" i="1" smtClean="0">
+                          <a:latin typeface="Cambria Math" panose="02040503050406030204" pitchFamily="18" charset="0"/>
+                        </a:rPr>
+                        <m:t>(0)≈0.602</m:t>
+                      </m:r>
+                    </m:oMath>
+                  </m:oMathPara>
+                </a14:m>
+                <a:endParaRPr lang="zh-CN" altLang="en-US" sz="2400" dirty="0"/>
+              </a:p>
+            </p:txBody>
+          </p:sp>
+        </mc:Choice>
+        <mc:Fallback>
+          <p:sp>
+            <p:nvSpPr>
+              <p:cNvPr id="2" name="文本框 1"/>
+              <p:cNvSpPr txBox="1">
+                <a:spLocks noRot="1" noChangeAspect="1" noMove="1" noResize="1" noEditPoints="1" noAdjustHandles="1" noChangeArrowheads="1" noChangeShapeType="1" noTextEdit="1"/>
+              </p:cNvSpPr>
+              <p:nvPr/>
+            </p:nvSpPr>
+            <p:spPr>
+              <a:xfrm flipH="1">
+                <a:off x="1257301" y="5829208"/>
+                <a:ext cx="2486024" cy="461665"/>
+              </a:xfrm>
+              <a:prstGeom prst="rect">
+                <a:avLst/>
+              </a:prstGeom>
+              <a:blipFill rotWithShape="0">
+                <a:blip r:embed="rId3"/>
+                <a:stretch>
+                  <a:fillRect b="-17105"/>
+                </a:stretch>
+              </a:blipFill>
+            </p:spPr>
+            <p:txBody>
+              <a:bodyPr/>
+              <a:lstStyle/>
+              <a:p>
+                <a:r>
+                  <a:rPr lang="zh-CN" altLang="en-US">
+                    <a:noFill/>
+                  </a:rPr>
+                  <a:t> </a:t>
+                </a:r>
+              </a:p>
+            </p:txBody>
+          </p:sp>
+        </mc:Fallback>
+      </mc:AlternateContent>
     </p:spTree>
     <p:extLst>
       <p:ext uri="{BB962C8B-B14F-4D97-AF65-F5344CB8AC3E}">
@@ -7662,6 +9695,92 @@
   <p:clrMapOvr>
     <a:masterClrMapping/>
   </p:clrMapOvr>
+  <p:timing>
+    <p:tnLst>
+      <p:par>
+        <p:cTn id="1" dur="indefinite" restart="never" nodeType="tmRoot">
+          <p:childTnLst>
+            <p:seq concurrent="1" nextAc="seek">
+              <p:cTn id="2" dur="indefinite" nodeType="mainSeq">
+                <p:childTnLst>
+                  <p:par>
+                    <p:cTn id="3" fill="hold">
+                      <p:stCondLst>
+                        <p:cond delay="indefinite"/>
+                      </p:stCondLst>
+                      <p:childTnLst>
+                        <p:par>
+                          <p:cTn id="4" fill="hold">
+                            <p:stCondLst>
+                              <p:cond delay="0"/>
+                            </p:stCondLst>
+                            <p:childTnLst>
+                              <p:par>
+                                <p:cTn id="5" presetID="22" presetClass="entr" presetSubtype="8" fill="hold" grpId="0" nodeType="clickEffect">
+                                  <p:stCondLst>
+                                    <p:cond delay="0"/>
+                                  </p:stCondLst>
+                                  <p:childTnLst>
+                                    <p:set>
+                                      <p:cBhvr>
+                                        <p:cTn id="6" dur="1" fill="hold">
+                                          <p:stCondLst>
+                                            <p:cond delay="0"/>
+                                          </p:stCondLst>
+                                        </p:cTn>
+                                        <p:tgtEl>
+                                          <p:spTgt spid="2"/>
+                                        </p:tgtEl>
+                                        <p:attrNameLst>
+                                          <p:attrName>style.visibility</p:attrName>
+                                        </p:attrNameLst>
+                                      </p:cBhvr>
+                                      <p:to>
+                                        <p:strVal val="visible"/>
+                                      </p:to>
+                                    </p:set>
+                                    <p:animEffect transition="in" filter="wipe(left)">
+                                      <p:cBhvr>
+                                        <p:cTn id="7" dur="500"/>
+                                        <p:tgtEl>
+                                          <p:spTgt spid="2"/>
+                                        </p:tgtEl>
+                                      </p:cBhvr>
+                                    </p:animEffect>
+                                  </p:childTnLst>
+                                </p:cTn>
+                              </p:par>
+                            </p:childTnLst>
+                          </p:cTn>
+                        </p:par>
+                      </p:childTnLst>
+                    </p:cTn>
+                  </p:par>
+                </p:childTnLst>
+              </p:cTn>
+              <p:prevCondLst>
+                <p:cond evt="onPrev" delay="0">
+                  <p:tgtEl>
+                    <p:sldTgt/>
+                  </p:tgtEl>
+                </p:cond>
+              </p:prevCondLst>
+              <p:nextCondLst>
+                <p:cond evt="onNext" delay="0">
+                  <p:tgtEl>
+                    <p:sldTgt/>
+                  </p:tgtEl>
+                </p:cond>
+              </p:nextCondLst>
+            </p:seq>
+          </p:childTnLst>
+        </p:cTn>
+      </p:par>
+    </p:tnLst>
+    <p:bldLst>
+      <p:bldP spid="2" grpId="0"/>
+    </p:bldLst>
+  </p:timing>
 </p:sld>
 </file>
 
@@ -7958,4 +10077,265 @@
     </a:ext>
   </a:extLst>
 </a:theme>
+</file>
+
+<file path=ppt/theme/theme2.xml><?xml version="1.0" encoding="utf-8"?>
+<a:theme xmlns:a="http://schemas.openxmlformats.org/drawingml/2006/main" name="Office 主题">
+  <a:themeElements>
+    <a:clrScheme name="Office">
+      <a:dk1>
+        <a:sysClr val="windowText" lastClr="000000"/>
+      </a:dk1>
+      <a:lt1>
+        <a:sysClr val="window" lastClr="FFFFFF"/>
+      </a:lt1>
+      <a:dk2>
+        <a:srgbClr val="44546A"/>
+      </a:dk2>
+      <a:lt2>
+        <a:srgbClr val="E7E6E6"/>
+      </a:lt2>
+      <a:accent1>
+        <a:srgbClr val="5B9BD5"/>
+      </a:accent1>
+      <a:accent2>
+        <a:srgbClr val="ED7D31"/>
+      </a:accent2>
+      <a:accent3>
+        <a:srgbClr val="A5A5A5"/>
+      </a:accent3>
+      <a:accent4>
+        <a:srgbClr val="FFC000"/>
+      </a:accent4>
+      <a:accent5>
+        <a:srgbClr val="4472C4"/>
+      </a:accent5>
+      <a:accent6>
+        <a:srgbClr val="70AD47"/>
+      </a:accent6>
+      <a:hlink>
+        <a:srgbClr val="0563C1"/>
+      </a:hlink>
+      <a:folHlink>
+        <a:srgbClr val="954F72"/>
+      </a:folHlink>
+    </a:clrScheme>
+    <a:fontScheme name="Office">
+      <a:majorFont>
+        <a:latin typeface="Calibri Light" panose="020F0302020204030204"/>
+        <a:ea typeface=""/>
+        <a:cs typeface=""/>
+        <a:font script="Jpan" typeface="ＭＳ Ｐゴシック"/>
+        <a:font script="Hang" typeface="맑은 고딕"/>
+        <a:font script="Hans" typeface="宋体"/>
+        <a:font script="Hant" typeface="新細明體"/>
+        <a:font script="Arab" typeface="Times New Roman"/>
+        <a:font script="Hebr" typeface="Times New Roman"/>
+        <a:font script="Thai" typeface="Angsana New"/>
+        <a:font script="Ethi" typeface="Nyala"/>
+        <a:font script="Beng" typeface="Vrinda"/>
+        <a:font script="Gujr" typeface="Shruti"/>
+        <a:font script="Khmr" typeface="MoolBoran"/>
+        <a:font script="Knda" typeface="Tunga"/>
+        <a:font script="Guru" typeface="Raavi"/>
+        <a:font script="Cans" typeface="Euphemia"/>
+        <a:font script="Cher" typeface="Plantagenet Cherokee"/>
+        <a:font script="Yiii" typeface="Microsoft Yi Baiti"/>
+        <a:font script="Tibt" typeface="Microsoft Himalaya"/>
+        <a:font script="Thaa" typeface="MV Boli"/>
+        <a:font script="Deva" typeface="Mangal"/>
+        <a:font script="Telu" typeface="Gautami"/>
+        <a:font script="Taml" typeface="Latha"/>
+        <a:font script="Syrc" typeface="Estrangelo Edessa"/>
+        <a:font script="Orya" typeface="Kalinga"/>
+        <a:font script="Mlym" typeface="Kartika"/>
+        <a:font script="Laoo" typeface="DokChampa"/>
+        <a:font script="Sinh" typeface="Iskoola Pota"/>
+        <a:font script="Mong" typeface="Mongolian Baiti"/>
+        <a:font script="Viet" typeface="Times New Roman"/>
+        <a:font script="Uigh" typeface="Microsoft Uighur"/>
+        <a:font script="Geor" typeface="Sylfaen"/>
+      </a:majorFont>
+      <a:minorFont>
+        <a:latin typeface="Calibri" panose="020F0502020204030204"/>
+        <a:ea typeface=""/>
+        <a:cs typeface=""/>
+        <a:font script="Jpan" typeface="ＭＳ Ｐゴシック"/>
+        <a:font script="Hang" typeface="맑은 고딕"/>
+        <a:font script="Hans" typeface="宋体"/>
+        <a:font script="Hant" typeface="新細明體"/>
+        <a:font script="Arab" typeface="Arial"/>
+        <a:font script="Hebr" typeface="Arial"/>
+        <a:font script="Thai" typeface="Cordia New"/>
+        <a:font script="Ethi" typeface="Nyala"/>
+        <a:font script="Beng" typeface="Vrinda"/>
+        <a:font script="Gujr" typeface="Shruti"/>
+        <a:font script="Khmr" typeface="DaunPenh"/>
+        <a:font script="Knda" typeface="Tunga"/>
+        <a:font script="Guru" typeface="Raavi"/>
+        <a:font script="Cans" typeface="Euphemia"/>
+        <a:font script="Cher" typeface="Plantagenet Cherokee"/>
+        <a:font script="Yiii" typeface="Microsoft Yi Baiti"/>
+        <a:font script="Tibt" typeface="Microsoft Himalaya"/>
+        <a:font script="Thaa" typeface="MV Boli"/>
+        <a:font script="Deva" typeface="Mangal"/>
+        <a:font script="Telu" typeface="Gautami"/>
+        <a:font script="Taml" typeface="Latha"/>
+        <a:font script="Syrc" typeface="Estrangelo Edessa"/>
+        <a:font script="Orya" typeface="Kalinga"/>
+        <a:font script="Mlym" typeface="Kartika"/>
+        <a:font script="Laoo" typeface="DokChampa"/>
+        <a:font script="Sinh" typeface="Iskoola Pota"/>
+        <a:font script="Mong" typeface="Mongolian Baiti"/>
+        <a:font script="Viet" typeface="Arial"/>
+        <a:font script="Uigh" typeface="Microsoft Uighur"/>
+        <a:font script="Geor" typeface="Sylfaen"/>
+      </a:minorFont>
+    </a:fontScheme>
+    <a:fmtScheme name="Office">
+      <a:fillStyleLst>
+        <a:solidFill>
+          <a:schemeClr val="phClr"/>
+        </a:solidFill>
+        <a:gradFill rotWithShape="1">
+          <a:gsLst>
+            <a:gs pos="0">
+              <a:schemeClr val="phClr">
+                <a:lumMod val="110000"/>
+                <a:satMod val="105000"/>
+                <a:tint val="67000"/>
+              </a:schemeClr>
+            </a:gs>
+            <a:gs pos="50000">
+              <a:schemeClr val="phClr">
+                <a:lumMod val="105000"/>
+                <a:satMod val="103000"/>
+                <a:tint val="73000"/>
+              </a:schemeClr>
+            </a:gs>
+            <a:gs pos="100000">
+              <a:schemeClr val="phClr">
+                <a:lumMod val="105000"/>
+                <a:satMod val="109000"/>
+                <a:tint val="81000"/>
+              </a:schemeClr>
+            </a:gs>
+          </a:gsLst>
+          <a:lin ang="5400000" scaled="0"/>
+        </a:gradFill>
+        <a:gradFill rotWithShape="1">
+          <a:gsLst>
+            <a:gs pos="0">
+              <a:schemeClr val="phClr">
+                <a:satMod val="103000"/>
+                <a:lumMod val="102000"/>
+                <a:tint val="94000"/>
+              </a:schemeClr>
+            </a:gs>
+            <a:gs pos="50000">
+              <a:schemeClr val="phClr">
+                <a:satMod val="110000"/>
+                <a:lumMod val="100000"/>
+                <a:shade val="100000"/>
+              </a:schemeClr>
+            </a:gs>
+            <a:gs pos="100000">
+              <a:schemeClr val="phClr">
+                <a:lumMod val="99000"/>
+                <a:satMod val="120000"/>
+                <a:shade val="78000"/>
+              </a:schemeClr>
+            </a:gs>
+          </a:gsLst>
+          <a:lin ang="5400000" scaled="0"/>
+        </a:gradFill>
+      </a:fillStyleLst>
+      <a:lnStyleLst>
+        <a:ln w="6350" cap="flat" cmpd="sng" algn="ctr">
+          <a:solidFill>
+            <a:schemeClr val="phClr"/>
+          </a:solidFill>
+          <a:prstDash val="solid"/>
+          <a:miter lim="800000"/>
+        </a:ln>
+        <a:ln w="12700" cap="flat" cmpd="sng" algn="ctr">
+          <a:solidFill>
+            <a:schemeClr val="phClr"/>
+          </a:solidFill>
+          <a:prstDash val="solid"/>
+          <a:miter lim="800000"/>
+        </a:ln>
+        <a:ln w="19050" cap="flat" cmpd="sng" algn="ctr">
+          <a:solidFill>
+            <a:schemeClr val="phClr"/>
+          </a:solidFill>
+          <a:prstDash val="solid"/>
+          <a:miter lim="800000"/>
+        </a:ln>
+      </a:lnStyleLst>
+      <a:effectStyleLst>
+        <a:effectStyle>
+          <a:effectLst/>
+        </a:effectStyle>
+        <a:effectStyle>
+          <a:effectLst/>
+        </a:effectStyle>
+        <a:effectStyle>
+          <a:effectLst>
+            <a:outerShdw blurRad="57150" dist="19050" dir="5400000" algn="ctr" rotWithShape="0">
+              <a:srgbClr val="000000">
+                <a:alpha val="63000"/>
+              </a:srgbClr>
+            </a:outerShdw>
+          </a:effectLst>
+        </a:effectStyle>
+      </a:effectStyleLst>
+      <a:bgFillStyleLst>
+        <a:solidFill>
+          <a:schemeClr val="phClr"/>
+        </a:solidFill>
+        <a:solidFill>
+          <a:schemeClr val="phClr">
+            <a:tint val="95000"/>
+            <a:satMod val="170000"/>
+          </a:schemeClr>
+        </a:solidFill>
+        <a:gradFill rotWithShape="1">
+          <a:gsLst>
+            <a:gs pos="0">
+              <a:schemeClr val="phClr">
+                <a:tint val="93000"/>
+                <a:satMod val="150000"/>
+                <a:shade val="98000"/>
+                <a:lumMod val="102000"/>
+              </a:schemeClr>
+            </a:gs>
+            <a:gs pos="50000">
+              <a:schemeClr val="phClr">
+                <a:tint val="98000"/>
+                <a:satMod val="130000"/>
+                <a:shade val="90000"/>
+                <a:lumMod val="103000"/>
+              </a:schemeClr>
+            </a:gs>
+            <a:gs pos="100000">
+              <a:schemeClr val="phClr">
+                <a:shade val="63000"/>
+                <a:satMod val="120000"/>
+              </a:schemeClr>
+            </a:gs>
+          </a:gsLst>
+          <a:lin ang="5400000" scaled="0"/>
+        </a:gradFill>
+      </a:bgFillStyleLst>
+    </a:fmtScheme>
+  </a:themeElements>
+  <a:objectDefaults/>
+  <a:extraClrSchemeLst/>
+  <a:extLst>
+    <a:ext uri="{05A4C25C-085E-4340-85A3-A5531E510DB2}">
+      <thm15:themeFamily xmlns:thm15="http://schemas.microsoft.com/office/thememl/2012/main" name="Office Theme" id="{62F939B6-93AF-4DB8-9C6B-D6C7DFDC589F}" vid="{4A3C46E8-61CC-4603-A589-7422A47A8E4A}"/>
+    </a:ext>
+  </a:extLst>
+</a:theme>
 </file>